--- a/slides/Node & Backbone Slides Day 1.pptx
+++ b/slides/Node & Backbone Slides Day 1.pptx
@@ -14,26 +14,16 @@
     <p:sldId id="287" r:id="rId8"/>
     <p:sldId id="288" r:id="rId9"/>
     <p:sldId id="289" r:id="rId10"/>
-    <p:sldId id="290" r:id="rId11"/>
-    <p:sldId id="291" r:id="rId12"/>
+    <p:sldId id="291" r:id="rId11"/>
+    <p:sldId id="298" r:id="rId12"/>
     <p:sldId id="292" r:id="rId13"/>
-    <p:sldId id="293" r:id="rId14"/>
-    <p:sldId id="294" r:id="rId15"/>
-    <p:sldId id="295" r:id="rId16"/>
-    <p:sldId id="296" r:id="rId17"/>
-    <p:sldId id="297" r:id="rId18"/>
-    <p:sldId id="299" r:id="rId19"/>
-    <p:sldId id="298" r:id="rId20"/>
-    <p:sldId id="300" r:id="rId21"/>
-    <p:sldId id="301" r:id="rId22"/>
-    <p:sldId id="302" r:id="rId23"/>
-    <p:sldId id="303" r:id="rId24"/>
-    <p:sldId id="304" r:id="rId25"/>
-    <p:sldId id="305" r:id="rId26"/>
-    <p:sldId id="306" r:id="rId27"/>
-    <p:sldId id="307" r:id="rId28"/>
-    <p:sldId id="308" r:id="rId29"/>
-    <p:sldId id="309" r:id="rId30"/>
+    <p:sldId id="290" r:id="rId14"/>
+    <p:sldId id="293" r:id="rId15"/>
+    <p:sldId id="299" r:id="rId16"/>
+    <p:sldId id="300" r:id="rId17"/>
+    <p:sldId id="302" r:id="rId18"/>
+    <p:sldId id="303" r:id="rId19"/>
+    <p:sldId id="304" r:id="rId20"/>
   </p:sldIdLst>
   <p:sldSz cx="9144000" cy="6858000" type="screen4x3"/>
   <p:notesSz cx="6858000" cy="9144000"/>
@@ -316,7 +306,7 @@
           <a:p>
             <a:fld id="{6BFECD78-3C8E-49F2-8FAB-59489D168ABB}" type="datetimeFigureOut">
               <a:rPr lang="en-US" smtClean="0"/>
-              <a:t>8/22/16</a:t>
+              <a:t>8/23/16</a:t>
             </a:fld>
             <a:endParaRPr lang="en-US"/>
           </a:p>
@@ -486,7 +476,7 @@
           <a:p>
             <a:fld id="{6BFECD78-3C8E-49F2-8FAB-59489D168ABB}" type="datetimeFigureOut">
               <a:rPr lang="en-US" smtClean="0"/>
-              <a:t>8/22/16</a:t>
+              <a:t>8/23/16</a:t>
             </a:fld>
             <a:endParaRPr lang="en-US"/>
           </a:p>
@@ -666,7 +656,7 @@
           <a:p>
             <a:fld id="{6BFECD78-3C8E-49F2-8FAB-59489D168ABB}" type="datetimeFigureOut">
               <a:rPr lang="en-US" smtClean="0"/>
-              <a:t>8/22/16</a:t>
+              <a:t>8/23/16</a:t>
             </a:fld>
             <a:endParaRPr lang="en-US"/>
           </a:p>
@@ -836,7 +826,7 @@
           <a:p>
             <a:fld id="{6BFECD78-3C8E-49F2-8FAB-59489D168ABB}" type="datetimeFigureOut">
               <a:rPr lang="en-US" smtClean="0"/>
-              <a:t>8/22/16</a:t>
+              <a:t>8/23/16</a:t>
             </a:fld>
             <a:endParaRPr lang="en-US"/>
           </a:p>
@@ -1082,7 +1072,7 @@
           <a:p>
             <a:fld id="{6BFECD78-3C8E-49F2-8FAB-59489D168ABB}" type="datetimeFigureOut">
               <a:rPr lang="en-US" smtClean="0"/>
-              <a:t>8/22/16</a:t>
+              <a:t>8/23/16</a:t>
             </a:fld>
             <a:endParaRPr lang="en-US"/>
           </a:p>
@@ -1370,7 +1360,7 @@
           <a:p>
             <a:fld id="{6BFECD78-3C8E-49F2-8FAB-59489D168ABB}" type="datetimeFigureOut">
               <a:rPr lang="en-US" smtClean="0"/>
-              <a:t>8/22/16</a:t>
+              <a:t>8/23/16</a:t>
             </a:fld>
             <a:endParaRPr lang="en-US"/>
           </a:p>
@@ -1792,7 +1782,7 @@
           <a:p>
             <a:fld id="{6BFECD78-3C8E-49F2-8FAB-59489D168ABB}" type="datetimeFigureOut">
               <a:rPr lang="en-US" smtClean="0"/>
-              <a:t>8/22/16</a:t>
+              <a:t>8/23/16</a:t>
             </a:fld>
             <a:endParaRPr lang="en-US"/>
           </a:p>
@@ -1910,7 +1900,7 @@
           <a:p>
             <a:fld id="{6BFECD78-3C8E-49F2-8FAB-59489D168ABB}" type="datetimeFigureOut">
               <a:rPr lang="en-US" smtClean="0"/>
-              <a:t>8/22/16</a:t>
+              <a:t>8/23/16</a:t>
             </a:fld>
             <a:endParaRPr lang="en-US"/>
           </a:p>
@@ -2005,7 +1995,7 @@
           <a:p>
             <a:fld id="{6BFECD78-3C8E-49F2-8FAB-59489D168ABB}" type="datetimeFigureOut">
               <a:rPr lang="en-US" smtClean="0"/>
-              <a:t>8/22/16</a:t>
+              <a:t>8/23/16</a:t>
             </a:fld>
             <a:endParaRPr lang="en-US"/>
           </a:p>
@@ -2282,7 +2272,7 @@
           <a:p>
             <a:fld id="{6BFECD78-3C8E-49F2-8FAB-59489D168ABB}" type="datetimeFigureOut">
               <a:rPr lang="en-US" smtClean="0"/>
-              <a:t>8/22/16</a:t>
+              <a:t>8/23/16</a:t>
             </a:fld>
             <a:endParaRPr lang="en-US"/>
           </a:p>
@@ -2539,7 +2529,7 @@
           <a:p>
             <a:fld id="{6BFECD78-3C8E-49F2-8FAB-59489D168ABB}" type="datetimeFigureOut">
               <a:rPr lang="en-US" smtClean="0"/>
-              <a:t>8/22/16</a:t>
+              <a:t>8/23/16</a:t>
             </a:fld>
             <a:endParaRPr lang="en-US"/>
           </a:p>
@@ -2752,7 +2742,7 @@
           <a:p>
             <a:fld id="{6BFECD78-3C8E-49F2-8FAB-59489D168ABB}" type="datetimeFigureOut">
               <a:rPr lang="en-US" smtClean="0"/>
-              <a:t>8/22/16</a:t>
+              <a:t>8/23/16</a:t>
             </a:fld>
             <a:endParaRPr lang="en-US"/>
           </a:p>
@@ -3250,7 +3240,6 @@
               <a:rPr lang="en-US" dirty="0"/>
               <a:t>Dive into Node code</a:t>
             </a:r>
-            <a:endParaRPr lang="en-US" dirty="0"/>
           </a:p>
         </p:txBody>
       </p:sp>
@@ -3278,169 +3267,102 @@
           <a:p>
             <a:pPr algn="l"/>
             <a:r>
+              <a:rPr lang="en-US" sz="2000" dirty="0" smtClean="0"/>
+              <a:t>The built-in HTTP server</a:t>
+            </a:r>
+          </a:p>
+          <a:p>
+            <a:pPr algn="l"/>
+            <a:endParaRPr lang="en-US" sz="2000" dirty="0" smtClean="0"/>
+          </a:p>
+          <a:p>
+            <a:pPr algn="l"/>
+            <a:r>
+              <a:rPr lang="en-US" sz="2000" dirty="0" err="1"/>
+              <a:t>var</a:t>
+            </a:r>
+            <a:r>
+              <a:rPr lang="en-US" sz="2000" dirty="0"/>
+              <a:t> http = require('http');</a:t>
+            </a:r>
+          </a:p>
+          <a:p>
+            <a:pPr algn="l"/>
+            <a:endParaRPr lang="en-US" sz="2000" dirty="0"/>
+          </a:p>
+          <a:p>
+            <a:pPr algn="l"/>
+            <a:r>
               <a:rPr lang="en-US" sz="2000" dirty="0" err="1" smtClean="0"/>
-              <a:t>CommonJS</a:t>
-            </a:r>
-            <a:r>
-              <a:rPr lang="en-US" sz="2000" dirty="0" smtClean="0"/>
-              <a:t> syntax</a:t>
-            </a:r>
-          </a:p>
-          <a:p>
-            <a:pPr marL="342900" indent="-342900" algn="l">
-              <a:buFont typeface="Arial"/>
-              <a:buChar char="•"/>
-            </a:pPr>
-            <a:r>
-              <a:rPr lang="en-US" sz="2000" dirty="0" smtClean="0"/>
-              <a:t>Node’s module format</a:t>
-            </a:r>
-          </a:p>
-          <a:p>
-            <a:pPr marL="800100" lvl="1" indent="-342900" algn="l">
-              <a:buFont typeface="Arial"/>
-              <a:buChar char="•"/>
-            </a:pPr>
-            <a:r>
-              <a:rPr lang="en-US" sz="1600" dirty="0" err="1" smtClean="0"/>
-              <a:t>CommonJS</a:t>
-            </a:r>
-            <a:r>
-              <a:rPr lang="en-US" sz="1600" dirty="0" smtClean="0"/>
-              <a:t> was a working group that ground to a halt</a:t>
-            </a:r>
-          </a:p>
-          <a:p>
-            <a:pPr marL="800100" lvl="1" indent="-342900" algn="l">
-              <a:buFont typeface="Arial"/>
-              <a:buChar char="•"/>
-            </a:pPr>
-            <a:r>
-              <a:rPr lang="en-US" sz="1600" dirty="0" smtClean="0"/>
-              <a:t>Node is the only instance of </a:t>
-            </a:r>
-            <a:r>
-              <a:rPr lang="en-US" sz="1600" dirty="0" err="1" smtClean="0"/>
-              <a:t>CommonJS</a:t>
-            </a:r>
-            <a:endParaRPr lang="en-US" sz="1600" dirty="0" smtClean="0"/>
-          </a:p>
-          <a:p>
-            <a:pPr marL="800100" lvl="1" indent="-342900" algn="l">
-              <a:buFont typeface="Arial"/>
-              <a:buChar char="•"/>
-            </a:pPr>
-            <a:r>
-              <a:rPr lang="en-US" sz="1600" dirty="0" smtClean="0"/>
-              <a:t>Names are interchangeable</a:t>
-            </a:r>
-          </a:p>
-          <a:p>
-            <a:pPr marL="342900" indent="-342900" algn="l">
-              <a:buFont typeface="Arial"/>
-              <a:buChar char="•"/>
-            </a:pPr>
-            <a:r>
-              <a:rPr lang="en-US" sz="2000" dirty="0" smtClean="0"/>
-              <a:t>Runtime environment provides two functions</a:t>
-            </a:r>
-          </a:p>
-          <a:p>
-            <a:pPr marL="342900" indent="-342900" algn="l">
-              <a:buFont typeface="Arial"/>
-              <a:buChar char="•"/>
-            </a:pPr>
-            <a:r>
-              <a:rPr lang="en-US" sz="2000" dirty="0" smtClean="0"/>
-              <a:t>Require('</a:t>
-            </a:r>
+              <a:t>var</a:t>
+            </a:r>
+            <a:r>
+              <a:rPr lang="en-US" sz="2000" dirty="0" smtClean="0"/>
+              <a:t> </a:t>
+            </a:r>
+            <a:r>
+              <a:rPr lang="en-US" sz="2000" dirty="0"/>
+              <a:t>server = </a:t>
+            </a:r>
+            <a:r>
+              <a:rPr lang="en-US" sz="2000" dirty="0" err="1"/>
+              <a:t>http.createServer</a:t>
+            </a:r>
+            <a:r>
+              <a:rPr lang="en-US" sz="2000" dirty="0"/>
+              <a:t>(function (request, response) {</a:t>
+            </a:r>
+          </a:p>
+          <a:p>
+            <a:pPr algn="l"/>
+            <a:r>
+              <a:rPr lang="en-US" sz="2000" dirty="0"/>
+              <a:t>  </a:t>
+            </a:r>
+            <a:r>
+              <a:rPr lang="en-US" sz="2000" dirty="0" err="1"/>
+              <a:t>response.writeHead</a:t>
+            </a:r>
+            <a:r>
+              <a:rPr lang="en-US" sz="2000" dirty="0"/>
+              <a:t>(200, {"Content-Type": "text/plain"});</a:t>
+            </a:r>
+          </a:p>
+          <a:p>
+            <a:pPr algn="l"/>
+            <a:r>
+              <a:rPr lang="en-US" sz="2000" dirty="0"/>
+              <a:t>  </a:t>
+            </a:r>
+            <a:r>
+              <a:rPr lang="en-US" sz="2000" dirty="0" err="1"/>
+              <a:t>response.end</a:t>
+            </a:r>
+            <a:r>
+              <a:rPr lang="en-US" sz="2000" dirty="0"/>
+              <a:t>("Hello World\n");</a:t>
+            </a:r>
+          </a:p>
+          <a:p>
+            <a:pPr algn="l"/>
+            <a:r>
+              <a:rPr lang="en-US" sz="2000" dirty="0"/>
+              <a:t>});</a:t>
+            </a:r>
+          </a:p>
+          <a:p>
+            <a:pPr algn="l"/>
+            <a:endParaRPr lang="en-US" sz="2000" dirty="0" smtClean="0"/>
+          </a:p>
+          <a:p>
+            <a:pPr algn="l"/>
             <a:r>
               <a:rPr lang="en-US" sz="2000" dirty="0" err="1" smtClean="0"/>
-              <a:t>PackageName</a:t>
-            </a:r>
-            <a:r>
-              <a:rPr lang="en-US" sz="2000" dirty="0" smtClean="0"/>
-              <a:t>')</a:t>
-            </a:r>
-          </a:p>
-          <a:p>
-            <a:pPr marL="800100" lvl="1" indent="-342900" algn="l">
-              <a:buFont typeface="Arial"/>
-              <a:buChar char="•"/>
-            </a:pPr>
-            <a:r>
-              <a:rPr lang="en-US" sz="1600" dirty="0" smtClean="0"/>
-              <a:t>note no ‘.</a:t>
-            </a:r>
-            <a:r>
-              <a:rPr lang="en-US" sz="1600" dirty="0" err="1" smtClean="0"/>
-              <a:t>js</a:t>
-            </a:r>
-            <a:r>
-              <a:rPr lang="en-US" sz="1600" dirty="0" smtClean="0"/>
-              <a:t>’ file suffix</a:t>
-            </a:r>
-          </a:p>
-          <a:p>
-            <a:pPr marL="800100" lvl="1" indent="-342900" algn="l">
-              <a:buFont typeface="Arial"/>
-              <a:buChar char="•"/>
-            </a:pPr>
-            <a:r>
-              <a:rPr lang="en-US" sz="1600" dirty="0" smtClean="0"/>
-              <a:t>Returns the result of that file</a:t>
-            </a:r>
-          </a:p>
-          <a:p>
-            <a:pPr marL="800100" lvl="1" indent="-342900" algn="l">
-              <a:buFont typeface="Arial"/>
-              <a:buChar char="•"/>
-            </a:pPr>
-            <a:r>
-              <a:rPr lang="en-US" sz="1600" dirty="0" smtClean="0"/>
-              <a:t>Errors if </a:t>
-            </a:r>
-            <a:r>
-              <a:rPr lang="en-US" sz="1600" dirty="0" err="1" smtClean="0"/>
-              <a:t>PackageName</a:t>
-            </a:r>
-            <a:r>
-              <a:rPr lang="en-US" sz="1600" dirty="0" smtClean="0"/>
-              <a:t> can’t be found</a:t>
-            </a:r>
-          </a:p>
-          <a:p>
-            <a:pPr marL="342900" indent="-342900" algn="l">
-              <a:buFont typeface="Arial"/>
-              <a:buChar char="•"/>
-            </a:pPr>
-            <a:r>
-              <a:rPr lang="en-US" sz="2000" dirty="0" err="1" smtClean="0"/>
-              <a:t>Module.exports</a:t>
-            </a:r>
-            <a:r>
-              <a:rPr lang="en-US" sz="2000" dirty="0" smtClean="0"/>
-              <a:t>(…)</a:t>
-            </a:r>
-          </a:p>
-          <a:p>
-            <a:pPr marL="800100" lvl="1" indent="-342900" algn="l">
-              <a:buFont typeface="Arial"/>
-              <a:buChar char="•"/>
-            </a:pPr>
-            <a:r>
-              <a:rPr lang="en-US" sz="1600" dirty="0" smtClean="0"/>
-              <a:t>Provides some object as the result of require()</a:t>
-            </a:r>
-          </a:p>
-          <a:p>
-            <a:pPr marL="800100" lvl="1" indent="-342900" algn="l">
-              <a:buFont typeface="Arial"/>
-              <a:buChar char="•"/>
-            </a:pPr>
-            <a:r>
-              <a:rPr lang="en-US" sz="1600" dirty="0" smtClean="0"/>
-              <a:t>No global namespace in Node</a:t>
+              <a:t>server.listen</a:t>
+            </a:r>
+            <a:r>
+              <a:rPr lang="en-US" sz="2000" dirty="0"/>
+              <a:t>(8000);</a:t>
             </a:r>
           </a:p>
         </p:txBody>
@@ -3448,7 +3370,7 @@
     </p:spTree>
     <p:extLst>
       <p:ext uri="{BB962C8B-B14F-4D97-AF65-F5344CB8AC3E}">
-        <p14:creationId xmlns:p14="http://schemas.microsoft.com/office/powerpoint/2010/main" val="2148051015"/>
+        <p14:creationId xmlns:p14="http://schemas.microsoft.com/office/powerpoint/2010/main" val="1711499931"/>
       </p:ext>
     </p:extLst>
   </p:cSld>
@@ -3502,1713 +3424,10 @@
           <a:bodyPr/>
           <a:lstStyle/>
           <a:p>
-            <a:r>
-              <a:rPr lang="en-US" dirty="0"/>
-              <a:t>Dive into Node code</a:t>
-            </a:r>
-            <a:endParaRPr lang="en-US" dirty="0"/>
-          </a:p>
-        </p:txBody>
-      </p:sp>
-      <p:sp>
-        <p:nvSpPr>
-          <p:cNvPr id="3" name="Subtitle 2"/>
-          <p:cNvSpPr>
-            <a:spLocks noGrp="1"/>
-          </p:cNvSpPr>
-          <p:nvPr>
-            <p:ph type="subTitle" idx="1"/>
-          </p:nvPr>
-        </p:nvSpPr>
-        <p:spPr>
-          <a:xfrm>
-            <a:off x="454651" y="1630710"/>
-            <a:ext cx="8371875" cy="4609893"/>
-          </a:xfrm>
-        </p:spPr>
-        <p:txBody>
-          <a:bodyPr>
-            <a:normAutofit/>
-          </a:bodyPr>
-          <a:lstStyle/>
-          <a:p>
-            <a:pPr algn="l"/>
-            <a:r>
-              <a:rPr lang="en-US" sz="2000" dirty="0" smtClean="0"/>
-              <a:t>The built-in HTTP server</a:t>
-            </a:r>
-          </a:p>
-          <a:p>
-            <a:pPr algn="l"/>
-            <a:endParaRPr lang="en-US" sz="2000" dirty="0" smtClean="0"/>
-          </a:p>
-          <a:p>
-            <a:pPr algn="l"/>
-            <a:r>
-              <a:rPr lang="en-US" sz="2000" dirty="0" err="1"/>
-              <a:t>var</a:t>
-            </a:r>
-            <a:r>
-              <a:rPr lang="en-US" sz="2000" dirty="0"/>
-              <a:t> http = require('http');</a:t>
-            </a:r>
-          </a:p>
-          <a:p>
-            <a:pPr algn="l"/>
-            <a:endParaRPr lang="en-US" sz="2000" dirty="0"/>
-          </a:p>
-          <a:p>
-            <a:pPr algn="l"/>
-            <a:r>
-              <a:rPr lang="en-US" sz="2000" dirty="0" err="1" smtClean="0"/>
-              <a:t>var</a:t>
-            </a:r>
-            <a:r>
-              <a:rPr lang="en-US" sz="2000" dirty="0" smtClean="0"/>
-              <a:t> </a:t>
-            </a:r>
-            <a:r>
-              <a:rPr lang="en-US" sz="2000" dirty="0"/>
-              <a:t>server = </a:t>
-            </a:r>
-            <a:r>
-              <a:rPr lang="en-US" sz="2000" dirty="0" err="1"/>
-              <a:t>http.createServer</a:t>
-            </a:r>
-            <a:r>
-              <a:rPr lang="en-US" sz="2000" dirty="0"/>
-              <a:t>(function (request, response) {</a:t>
-            </a:r>
-          </a:p>
-          <a:p>
-            <a:pPr algn="l"/>
-            <a:r>
-              <a:rPr lang="en-US" sz="2000" dirty="0"/>
-              <a:t>  </a:t>
-            </a:r>
-            <a:r>
-              <a:rPr lang="en-US" sz="2000" dirty="0" err="1"/>
-              <a:t>response.writeHead</a:t>
-            </a:r>
-            <a:r>
-              <a:rPr lang="en-US" sz="2000" dirty="0"/>
-              <a:t>(200, {"Content-Type": "text/plain"});</a:t>
-            </a:r>
-          </a:p>
-          <a:p>
-            <a:pPr algn="l"/>
-            <a:r>
-              <a:rPr lang="en-US" sz="2000" dirty="0"/>
-              <a:t>  </a:t>
-            </a:r>
-            <a:r>
-              <a:rPr lang="en-US" sz="2000" dirty="0" err="1"/>
-              <a:t>response.end</a:t>
-            </a:r>
-            <a:r>
-              <a:rPr lang="en-US" sz="2000" dirty="0"/>
-              <a:t>("Hello World\n");</a:t>
-            </a:r>
-          </a:p>
-          <a:p>
-            <a:pPr algn="l"/>
-            <a:r>
-              <a:rPr lang="en-US" sz="2000" dirty="0"/>
-              <a:t>});</a:t>
-            </a:r>
-          </a:p>
-          <a:p>
-            <a:pPr algn="l"/>
-            <a:endParaRPr lang="en-US" sz="2000" dirty="0" smtClean="0"/>
-          </a:p>
-          <a:p>
-            <a:pPr algn="l"/>
-            <a:r>
-              <a:rPr lang="en-US" sz="2000" dirty="0" err="1" smtClean="0"/>
-              <a:t>server.listen</a:t>
-            </a:r>
-            <a:r>
-              <a:rPr lang="en-US" sz="2000" dirty="0"/>
-              <a:t>(8000);</a:t>
-            </a:r>
-          </a:p>
-        </p:txBody>
-      </p:sp>
-    </p:spTree>
-    <p:extLst>
-      <p:ext uri="{BB962C8B-B14F-4D97-AF65-F5344CB8AC3E}">
-        <p14:creationId xmlns:p14="http://schemas.microsoft.com/office/powerpoint/2010/main" val="1711499931"/>
-      </p:ext>
-    </p:extLst>
-  </p:cSld>
-  <p:clrMapOvr>
-    <a:masterClrMapping/>
-  </p:clrMapOvr>
-  <p:timing>
-    <p:tnLst>
-      <p:par>
-        <p:cTn xmlns:p14="http://schemas.microsoft.com/office/powerpoint/2010/main" id="1" dur="indefinite" restart="never" nodeType="tmRoot"/>
-      </p:par>
-    </p:tnLst>
-  </p:timing>
-</p:sld>
-</file>
-
-<file path=ppt/slides/slide12.xml><?xml version="1.0" encoding="utf-8"?>
-<p:sld xmlns:a="http://schemas.openxmlformats.org/drawingml/2006/main" xmlns:r="http://schemas.openxmlformats.org/officeDocument/2006/relationships" xmlns:p="http://schemas.openxmlformats.org/presentationml/2006/main">
-  <p:cSld>
-    <p:spTree>
-      <p:nvGrpSpPr>
-        <p:cNvPr id="1" name=""/>
-        <p:cNvGrpSpPr/>
-        <p:nvPr/>
-      </p:nvGrpSpPr>
-      <p:grpSpPr>
-        <a:xfrm>
-          <a:off x="0" y="0"/>
-          <a:ext cx="0" cy="0"/>
-          <a:chOff x="0" y="0"/>
-          <a:chExt cx="0" cy="0"/>
-        </a:xfrm>
-      </p:grpSpPr>
-      <p:sp>
-        <p:nvSpPr>
-          <p:cNvPr id="2" name="Title 1"/>
-          <p:cNvSpPr>
-            <a:spLocks noGrp="1"/>
-          </p:cNvSpPr>
-          <p:nvPr>
-            <p:ph type="ctrTitle"/>
-          </p:nvPr>
-        </p:nvSpPr>
-        <p:spPr>
-          <a:xfrm>
-            <a:off x="685800" y="160685"/>
-            <a:ext cx="7772400" cy="1470025"/>
-          </a:xfrm>
-        </p:spPr>
-        <p:txBody>
-          <a:bodyPr/>
-          <a:lstStyle/>
-          <a:p>
+            <a:pPr marL="342900" indent="-342900"/>
             <a:r>
               <a:rPr lang="en-US" dirty="0" smtClean="0"/>
-              <a:t>Lab: Explore </a:t>
-            </a:r>
-            <a:r>
-              <a:rPr lang="en-US" dirty="0" err="1" smtClean="0"/>
-              <a:t>createServer</a:t>
-            </a:r>
-            <a:endParaRPr lang="en-US" dirty="0"/>
-          </a:p>
-        </p:txBody>
-      </p:sp>
-      <p:sp>
-        <p:nvSpPr>
-          <p:cNvPr id="3" name="Subtitle 2"/>
-          <p:cNvSpPr>
-            <a:spLocks noGrp="1"/>
-          </p:cNvSpPr>
-          <p:nvPr>
-            <p:ph type="subTitle" idx="1"/>
-          </p:nvPr>
-        </p:nvSpPr>
-        <p:spPr>
-          <a:xfrm>
-            <a:off x="454651" y="1630710"/>
-            <a:ext cx="8371875" cy="4609893"/>
-          </a:xfrm>
-        </p:spPr>
-        <p:txBody>
-          <a:bodyPr>
-            <a:normAutofit/>
-          </a:bodyPr>
-          <a:lstStyle/>
-          <a:p>
-            <a:pPr marL="342900" indent="-342900" algn="l">
-              <a:buFont typeface="Arial"/>
-              <a:buChar char="•"/>
-            </a:pPr>
-            <a:r>
-              <a:rPr lang="en-US" sz="2000" dirty="0" smtClean="0"/>
-              <a:t>Save code as </a:t>
-            </a:r>
-            <a:r>
-              <a:rPr lang="en-US" sz="2000" dirty="0" err="1" smtClean="0"/>
-              <a:t>server.js</a:t>
-            </a:r>
-            <a:endParaRPr lang="en-US" sz="2000" dirty="0" smtClean="0"/>
-          </a:p>
-          <a:p>
-            <a:pPr marL="342900" indent="-342900" algn="l">
-              <a:buFont typeface="Arial"/>
-              <a:buChar char="•"/>
-            </a:pPr>
-            <a:r>
-              <a:rPr lang="en-US" sz="2000" dirty="0" err="1" smtClean="0"/>
-              <a:t>npm</a:t>
-            </a:r>
-            <a:r>
-              <a:rPr lang="en-US" sz="2000" dirty="0" smtClean="0"/>
-              <a:t> </a:t>
-            </a:r>
-            <a:r>
-              <a:rPr lang="en-US" sz="2000" dirty="0"/>
-              <a:t>install -g node-</a:t>
-            </a:r>
-            <a:r>
-              <a:rPr lang="en-US" sz="2000" dirty="0" smtClean="0"/>
-              <a:t>inspector</a:t>
-            </a:r>
-          </a:p>
-          <a:p>
-            <a:pPr marL="342900" indent="-342900" algn="l">
-              <a:buFont typeface="Arial"/>
-              <a:buChar char="•"/>
-            </a:pPr>
-            <a:r>
-              <a:rPr lang="en-US" sz="2000" dirty="0"/>
-              <a:t>node-debug </a:t>
-            </a:r>
-            <a:r>
-              <a:rPr lang="en-US" sz="2000" dirty="0" err="1"/>
-              <a:t>app.js</a:t>
-            </a:r>
-            <a:r>
-              <a:rPr lang="en-US" sz="2000" dirty="0"/>
-              <a:t> </a:t>
-            </a:r>
-            <a:endParaRPr lang="en-US" sz="2000" dirty="0" smtClean="0"/>
-          </a:p>
-          <a:p>
-            <a:pPr marL="342900" indent="-342900" algn="l">
-              <a:buFont typeface="Arial"/>
-              <a:buChar char="•"/>
-            </a:pPr>
-            <a:r>
-              <a:rPr lang="en-US" sz="2000" dirty="0"/>
-              <a:t>http://127.0.0.1:8080/?port=</a:t>
-            </a:r>
-            <a:r>
-              <a:rPr lang="en-US" sz="2000" dirty="0" smtClean="0"/>
-              <a:t>5858 may auto-open</a:t>
-            </a:r>
-          </a:p>
-          <a:p>
-            <a:pPr marL="342900" indent="-342900" algn="l">
-              <a:buFont typeface="Arial"/>
-              <a:buChar char="•"/>
-            </a:pPr>
-            <a:r>
-              <a:rPr lang="en-US" sz="2000" dirty="0" smtClean="0"/>
-              <a:t>Set a breakpoint in </a:t>
-            </a:r>
-            <a:r>
-              <a:rPr lang="en-US" sz="2000" dirty="0" err="1" smtClean="0"/>
-              <a:t>server.js</a:t>
-            </a:r>
-            <a:endParaRPr lang="en-US" sz="2000" dirty="0" smtClean="0"/>
-          </a:p>
-          <a:p>
-            <a:pPr marL="342900" indent="-342900" algn="l">
-              <a:buFont typeface="Arial"/>
-              <a:buChar char="•"/>
-            </a:pPr>
-            <a:r>
-              <a:rPr lang="en-US" sz="2000" dirty="0"/>
-              <a:t>Open another tab and go to http://127.0.0.1:8000</a:t>
-            </a:r>
-            <a:r>
-              <a:rPr lang="en-US" sz="2000" dirty="0" smtClean="0"/>
-              <a:t>/</a:t>
-            </a:r>
-          </a:p>
-          <a:p>
-            <a:pPr marL="342900" indent="-342900" algn="l">
-              <a:buFont typeface="Arial"/>
-              <a:buChar char="•"/>
-            </a:pPr>
-            <a:r>
-              <a:rPr lang="en-US" sz="2000" dirty="0" smtClean="0"/>
-              <a:t>Debugger should stop at breakpoint</a:t>
-            </a:r>
-          </a:p>
-          <a:p>
-            <a:pPr marL="342900" indent="-342900" algn="l">
-              <a:buFont typeface="Arial"/>
-              <a:buChar char="•"/>
-            </a:pPr>
-            <a:r>
-              <a:rPr lang="en-US" sz="2000" dirty="0" smtClean="0"/>
-              <a:t>Examine the HTTP request &amp; response</a:t>
-            </a:r>
-          </a:p>
-          <a:p>
-            <a:pPr marL="342900" indent="-342900" algn="l">
-              <a:buFont typeface="Arial"/>
-              <a:buChar char="•"/>
-            </a:pPr>
-            <a:r>
-              <a:rPr lang="en-US" sz="2000" dirty="0" smtClean="0"/>
-              <a:t>Write a basic response</a:t>
-            </a:r>
-          </a:p>
-          <a:p>
-            <a:pPr marL="342900" indent="-342900" algn="l">
-              <a:buFont typeface="Arial"/>
-              <a:buChar char="•"/>
-            </a:pPr>
-            <a:r>
-              <a:rPr lang="en-US" sz="2000" dirty="0" smtClean="0"/>
-              <a:t>20 </a:t>
-            </a:r>
-            <a:r>
-              <a:rPr lang="en-US" sz="2000" dirty="0" err="1" smtClean="0"/>
-              <a:t>mins</a:t>
-            </a:r>
-            <a:endParaRPr lang="en-US" sz="2000" dirty="0"/>
-          </a:p>
-        </p:txBody>
-      </p:sp>
-    </p:spTree>
-    <p:extLst>
-      <p:ext uri="{BB962C8B-B14F-4D97-AF65-F5344CB8AC3E}">
-        <p14:creationId xmlns:p14="http://schemas.microsoft.com/office/powerpoint/2010/main" val="863003341"/>
-      </p:ext>
-    </p:extLst>
-  </p:cSld>
-  <p:clrMapOvr>
-    <a:masterClrMapping/>
-  </p:clrMapOvr>
-  <p:timing>
-    <p:tnLst>
-      <p:par>
-        <p:cTn xmlns:p14="http://schemas.microsoft.com/office/powerpoint/2010/main" id="1" dur="indefinite" restart="never" nodeType="tmRoot"/>
-      </p:par>
-    </p:tnLst>
-  </p:timing>
-</p:sld>
-</file>
-
-<file path=ppt/slides/slide13.xml><?xml version="1.0" encoding="utf-8"?>
-<p:sld xmlns:a="http://schemas.openxmlformats.org/drawingml/2006/main" xmlns:r="http://schemas.openxmlformats.org/officeDocument/2006/relationships" xmlns:p="http://schemas.openxmlformats.org/presentationml/2006/main">
-  <p:cSld>
-    <p:spTree>
-      <p:nvGrpSpPr>
-        <p:cNvPr id="1" name=""/>
-        <p:cNvGrpSpPr/>
-        <p:nvPr/>
-      </p:nvGrpSpPr>
-      <p:grpSpPr>
-        <a:xfrm>
-          <a:off x="0" y="0"/>
-          <a:ext cx="0" cy="0"/>
-          <a:chOff x="0" y="0"/>
-          <a:chExt cx="0" cy="0"/>
-        </a:xfrm>
-      </p:grpSpPr>
-      <p:sp>
-        <p:nvSpPr>
-          <p:cNvPr id="2" name="Title 1"/>
-          <p:cNvSpPr>
-            <a:spLocks noGrp="1"/>
-          </p:cNvSpPr>
-          <p:nvPr>
-            <p:ph type="ctrTitle"/>
-          </p:nvPr>
-        </p:nvSpPr>
-        <p:spPr>
-          <a:xfrm>
-            <a:off x="685800" y="160685"/>
-            <a:ext cx="7772400" cy="1470025"/>
-          </a:xfrm>
-        </p:spPr>
-        <p:txBody>
-          <a:bodyPr/>
-          <a:lstStyle/>
-          <a:p>
-            <a:pPr marL="342900" indent="-342900"/>
-            <a:r>
-              <a:rPr lang="en-US" dirty="0" err="1"/>
-              <a:t>Hapi</a:t>
-            </a:r>
-            <a:r>
-              <a:rPr lang="en-US" dirty="0"/>
-              <a:t> Overview</a:t>
-            </a:r>
-            <a:endParaRPr lang="en-US" dirty="0"/>
-          </a:p>
-        </p:txBody>
-      </p:sp>
-      <p:sp>
-        <p:nvSpPr>
-          <p:cNvPr id="3" name="Subtitle 2"/>
-          <p:cNvSpPr>
-            <a:spLocks noGrp="1"/>
-          </p:cNvSpPr>
-          <p:nvPr>
-            <p:ph type="subTitle" idx="1"/>
-          </p:nvPr>
-        </p:nvSpPr>
-        <p:spPr>
-          <a:xfrm>
-            <a:off x="454651" y="1630710"/>
-            <a:ext cx="8371875" cy="4609893"/>
-          </a:xfrm>
-        </p:spPr>
-        <p:txBody>
-          <a:bodyPr>
-            <a:normAutofit/>
-          </a:bodyPr>
-          <a:lstStyle/>
-          <a:p>
-            <a:pPr marL="342900" indent="-342900" algn="l">
-              <a:buFont typeface="Arial"/>
-              <a:buChar char="•"/>
-            </a:pPr>
-            <a:r>
-              <a:rPr lang="en-US" sz="2000" dirty="0" smtClean="0"/>
-              <a:t>What </a:t>
-            </a:r>
-            <a:r>
-              <a:rPr lang="en-US" sz="2000" dirty="0"/>
-              <a:t>is </a:t>
-            </a:r>
-            <a:r>
-              <a:rPr lang="en-US" sz="2000" dirty="0" err="1"/>
-              <a:t>Hapi</a:t>
-            </a:r>
-            <a:r>
-              <a:rPr lang="en-US" sz="2000" dirty="0"/>
-              <a:t> for? </a:t>
-            </a:r>
-            <a:endParaRPr lang="en-US" sz="2000" dirty="0" smtClean="0"/>
-          </a:p>
-          <a:p>
-            <a:pPr marL="342900" indent="-342900" algn="l">
-              <a:buFont typeface="Arial"/>
-              <a:buChar char="•"/>
-            </a:pPr>
-            <a:r>
-              <a:rPr lang="en-US" sz="2000" dirty="0" smtClean="0"/>
-              <a:t>Framework to provide common server actions and structure user code</a:t>
-            </a:r>
-          </a:p>
-          <a:p>
-            <a:pPr marL="342900" indent="-342900" algn="l">
-              <a:buFont typeface="Arial"/>
-              <a:buChar char="•"/>
-            </a:pPr>
-            <a:r>
-              <a:rPr lang="en-US" sz="2000" dirty="0" smtClean="0"/>
-              <a:t>Common server actions</a:t>
-            </a:r>
-            <a:endParaRPr lang="en-US" sz="2000" dirty="0"/>
-          </a:p>
-          <a:p>
-            <a:pPr marL="800100" lvl="1" indent="-342900" algn="l">
-              <a:buFont typeface="Arial"/>
-              <a:buChar char="•"/>
-            </a:pPr>
-            <a:r>
-              <a:rPr lang="en-US" sz="1600" dirty="0" smtClean="0"/>
-              <a:t>Authentication</a:t>
-            </a:r>
-            <a:endParaRPr lang="en-US" sz="1600" dirty="0"/>
-          </a:p>
-          <a:p>
-            <a:pPr marL="800100" lvl="1" indent="-342900" algn="l">
-              <a:buFont typeface="Arial"/>
-              <a:buChar char="•"/>
-            </a:pPr>
-            <a:r>
-              <a:rPr lang="en-US" sz="1600" dirty="0" smtClean="0"/>
-              <a:t>Cookies</a:t>
-            </a:r>
-            <a:endParaRPr lang="en-US" sz="1600" dirty="0"/>
-          </a:p>
-          <a:p>
-            <a:pPr marL="800100" lvl="1" indent="-342900" algn="l">
-              <a:buFont typeface="Arial"/>
-              <a:buChar char="•"/>
-            </a:pPr>
-            <a:r>
-              <a:rPr lang="en-US" sz="1600" dirty="0" smtClean="0"/>
-              <a:t>Caching</a:t>
-            </a:r>
-            <a:endParaRPr lang="en-US" sz="1600" dirty="0"/>
-          </a:p>
-          <a:p>
-            <a:pPr marL="800100" lvl="1" indent="-342900" algn="l">
-              <a:buFont typeface="Arial"/>
-              <a:buChar char="•"/>
-            </a:pPr>
-            <a:r>
-              <a:rPr lang="en-US" sz="1600" dirty="0" smtClean="0"/>
-              <a:t>Logging</a:t>
-            </a:r>
-          </a:p>
-          <a:p>
-            <a:pPr marL="342900" indent="-342900" algn="l">
-              <a:buFont typeface="Arial"/>
-              <a:buChar char="•"/>
-            </a:pPr>
-            <a:r>
-              <a:rPr lang="en-US" sz="2000" dirty="0" smtClean="0"/>
-              <a:t>User code</a:t>
-            </a:r>
-            <a:endParaRPr lang="en-US" sz="2000" dirty="0"/>
-          </a:p>
-          <a:p>
-            <a:pPr marL="800100" lvl="1" indent="-342900" algn="l">
-              <a:buFont typeface="Arial"/>
-              <a:buChar char="•"/>
-            </a:pPr>
-            <a:r>
-              <a:rPr lang="en-US" sz="1600" dirty="0" smtClean="0"/>
-              <a:t>Routing </a:t>
-            </a:r>
-            <a:r>
-              <a:rPr lang="en-US" sz="1600" dirty="0"/>
-              <a:t>&amp; </a:t>
-            </a:r>
-            <a:r>
-              <a:rPr lang="en-US" sz="1600" dirty="0" smtClean="0"/>
-              <a:t>Views</a:t>
-            </a:r>
-          </a:p>
-          <a:p>
-            <a:pPr marL="800100" lvl="1" indent="-342900" algn="l">
-              <a:buFont typeface="Arial"/>
-              <a:buChar char="•"/>
-            </a:pPr>
-            <a:r>
-              <a:rPr lang="en-US" sz="1600" dirty="0" smtClean="0"/>
-              <a:t>Services</a:t>
-            </a:r>
-            <a:endParaRPr lang="en-US" sz="1600" dirty="0"/>
-          </a:p>
-        </p:txBody>
-      </p:sp>
-    </p:spTree>
-    <p:extLst>
-      <p:ext uri="{BB962C8B-B14F-4D97-AF65-F5344CB8AC3E}">
-        <p14:creationId xmlns:p14="http://schemas.microsoft.com/office/powerpoint/2010/main" val="2768735795"/>
-      </p:ext>
-    </p:extLst>
-  </p:cSld>
-  <p:clrMapOvr>
-    <a:masterClrMapping/>
-  </p:clrMapOvr>
-  <p:timing>
-    <p:tnLst>
-      <p:par>
-        <p:cTn xmlns:p14="http://schemas.microsoft.com/office/powerpoint/2010/main" id="1" dur="indefinite" restart="never" nodeType="tmRoot"/>
-      </p:par>
-    </p:tnLst>
-  </p:timing>
-</p:sld>
-</file>
-
-<file path=ppt/slides/slide14.xml><?xml version="1.0" encoding="utf-8"?>
-<p:sld xmlns:a="http://schemas.openxmlformats.org/drawingml/2006/main" xmlns:r="http://schemas.openxmlformats.org/officeDocument/2006/relationships" xmlns:p="http://schemas.openxmlformats.org/presentationml/2006/main">
-  <p:cSld>
-    <p:spTree>
-      <p:nvGrpSpPr>
-        <p:cNvPr id="1" name=""/>
-        <p:cNvGrpSpPr/>
-        <p:nvPr/>
-      </p:nvGrpSpPr>
-      <p:grpSpPr>
-        <a:xfrm>
-          <a:off x="0" y="0"/>
-          <a:ext cx="0" cy="0"/>
-          <a:chOff x="0" y="0"/>
-          <a:chExt cx="0" cy="0"/>
-        </a:xfrm>
-      </p:grpSpPr>
-      <p:sp>
-        <p:nvSpPr>
-          <p:cNvPr id="2" name="Title 1"/>
-          <p:cNvSpPr>
-            <a:spLocks noGrp="1"/>
-          </p:cNvSpPr>
-          <p:nvPr>
-            <p:ph type="ctrTitle"/>
-          </p:nvPr>
-        </p:nvSpPr>
-        <p:spPr>
-          <a:xfrm>
-            <a:off x="685800" y="160685"/>
-            <a:ext cx="7772400" cy="1470025"/>
-          </a:xfrm>
-        </p:spPr>
-        <p:txBody>
-          <a:bodyPr/>
-          <a:lstStyle/>
-          <a:p>
-            <a:pPr marL="342900" indent="-342900"/>
-            <a:r>
-              <a:rPr lang="en-US" dirty="0"/>
-              <a:t>A word about testing habits</a:t>
-            </a:r>
-            <a:endParaRPr lang="en-US" dirty="0"/>
-          </a:p>
-        </p:txBody>
-      </p:sp>
-      <p:sp>
-        <p:nvSpPr>
-          <p:cNvPr id="3" name="Subtitle 2"/>
-          <p:cNvSpPr>
-            <a:spLocks noGrp="1"/>
-          </p:cNvSpPr>
-          <p:nvPr>
-            <p:ph type="subTitle" idx="1"/>
-          </p:nvPr>
-        </p:nvSpPr>
-        <p:spPr>
-          <a:xfrm>
-            <a:off x="454651" y="1630710"/>
-            <a:ext cx="8371875" cy="4609893"/>
-          </a:xfrm>
-        </p:spPr>
-        <p:txBody>
-          <a:bodyPr>
-            <a:normAutofit/>
-          </a:bodyPr>
-          <a:lstStyle/>
-          <a:p>
-            <a:pPr marL="342900" indent="-342900" algn="l">
-              <a:buFont typeface="Arial"/>
-              <a:buChar char="•"/>
-            </a:pPr>
-            <a:r>
-              <a:rPr lang="en-US" sz="2000" dirty="0" smtClean="0"/>
-              <a:t>TDD == 'Test Driven Development'</a:t>
-            </a:r>
-          </a:p>
-          <a:p>
-            <a:pPr marL="342900" indent="-342900" algn="l">
-              <a:buFont typeface="Arial"/>
-              <a:buChar char="•"/>
-            </a:pPr>
-            <a:r>
-              <a:rPr lang="en-US" sz="2000" dirty="0" smtClean="0"/>
-              <a:t>Means write tests first – test fails – write code to make test pass</a:t>
-            </a:r>
-            <a:endParaRPr lang="en-US" sz="2000" dirty="0"/>
-          </a:p>
-          <a:p>
-            <a:pPr marL="342900" indent="-342900" algn="l">
-              <a:buFont typeface="Arial"/>
-              <a:buChar char="•"/>
-            </a:pPr>
-            <a:r>
-              <a:rPr lang="en-US" sz="2000" dirty="0" smtClean="0"/>
-              <a:t>Opinions </a:t>
-            </a:r>
-            <a:r>
-              <a:rPr lang="en-US" sz="2000" dirty="0"/>
-              <a:t>on TDD can get religious, but...</a:t>
-            </a:r>
-          </a:p>
-          <a:p>
-            <a:pPr marL="342900" indent="-342900" algn="l">
-              <a:buFont typeface="Arial"/>
-              <a:buChar char="•"/>
-            </a:pPr>
-            <a:r>
-              <a:rPr lang="en-US" sz="2000" dirty="0" smtClean="0"/>
-              <a:t>'</a:t>
-            </a:r>
-            <a:r>
-              <a:rPr lang="en-US" sz="2000" dirty="0"/>
-              <a:t>Test First' can be rephrased 'Test As You </a:t>
-            </a:r>
-            <a:r>
-              <a:rPr lang="en-US" sz="2000" dirty="0" smtClean="0"/>
-              <a:t>Go’</a:t>
-            </a:r>
-            <a:endParaRPr lang="en-US" sz="2000" dirty="0"/>
-          </a:p>
-          <a:p>
-            <a:pPr marL="342900" indent="-342900" algn="l">
-              <a:buFont typeface="Arial"/>
-              <a:buChar char="•"/>
-            </a:pPr>
-            <a:r>
-              <a:rPr lang="en-US" sz="2000" dirty="0" smtClean="0"/>
-              <a:t>Many </a:t>
-            </a:r>
-            <a:r>
-              <a:rPr lang="en-US" sz="2000" dirty="0"/>
-              <a:t>benefits to '</a:t>
-            </a:r>
-            <a:r>
-              <a:rPr lang="en-US" sz="2000" dirty="0" smtClean="0"/>
-              <a:t>TAYGO’</a:t>
-            </a:r>
-            <a:endParaRPr lang="en-US" sz="2000" dirty="0"/>
-          </a:p>
-          <a:p>
-            <a:pPr marL="342900" indent="-342900" algn="l">
-              <a:buFont typeface="Arial"/>
-              <a:buChar char="•"/>
-            </a:pPr>
-            <a:r>
-              <a:rPr lang="en-US" sz="2000" dirty="0" smtClean="0"/>
-              <a:t>'</a:t>
-            </a:r>
-            <a:r>
-              <a:rPr lang="en-US" sz="2000" dirty="0"/>
-              <a:t>Test last' too often means 'test </a:t>
-            </a:r>
-            <a:r>
-              <a:rPr lang="en-US" sz="2000" dirty="0" smtClean="0"/>
-              <a:t>never'</a:t>
-            </a:r>
-            <a:endParaRPr lang="en-US" sz="2000" dirty="0"/>
-          </a:p>
-          <a:p>
-            <a:pPr marL="342900" indent="-342900" algn="l">
-              <a:buFont typeface="Arial"/>
-              <a:buChar char="•"/>
-            </a:pPr>
-            <a:r>
-              <a:rPr lang="en-US" sz="2000" dirty="0" smtClean="0"/>
-              <a:t>After </a:t>
-            </a:r>
-            <a:r>
-              <a:rPr lang="en-US" sz="2000" dirty="0"/>
-              <a:t>basic </a:t>
-            </a:r>
-            <a:r>
-              <a:rPr lang="en-US" sz="2000" dirty="0" err="1"/>
-              <a:t>Hapi</a:t>
-            </a:r>
-            <a:r>
-              <a:rPr lang="en-US" sz="2000" dirty="0"/>
-              <a:t> </a:t>
-            </a:r>
-            <a:r>
-              <a:rPr lang="en-US" sz="2000" dirty="0" err="1"/>
-              <a:t>config</a:t>
-            </a:r>
-            <a:r>
-              <a:rPr lang="en-US" sz="2000" dirty="0"/>
-              <a:t>, we'll 'TAYGO'</a:t>
-            </a:r>
-            <a:endParaRPr lang="en-US" sz="1600" dirty="0"/>
-          </a:p>
-        </p:txBody>
-      </p:sp>
-    </p:spTree>
-    <p:extLst>
-      <p:ext uri="{BB962C8B-B14F-4D97-AF65-F5344CB8AC3E}">
-        <p14:creationId xmlns:p14="http://schemas.microsoft.com/office/powerpoint/2010/main" val="1700848885"/>
-      </p:ext>
-    </p:extLst>
-  </p:cSld>
-  <p:clrMapOvr>
-    <a:masterClrMapping/>
-  </p:clrMapOvr>
-  <p:timing>
-    <p:tnLst>
-      <p:par>
-        <p:cTn xmlns:p14="http://schemas.microsoft.com/office/powerpoint/2010/main" id="1" dur="indefinite" restart="never" nodeType="tmRoot"/>
-      </p:par>
-    </p:tnLst>
-  </p:timing>
-</p:sld>
-</file>
-
-<file path=ppt/slides/slide15.xml><?xml version="1.0" encoding="utf-8"?>
-<p:sld xmlns:a="http://schemas.openxmlformats.org/drawingml/2006/main" xmlns:r="http://schemas.openxmlformats.org/officeDocument/2006/relationships" xmlns:p="http://schemas.openxmlformats.org/presentationml/2006/main">
-  <p:cSld>
-    <p:spTree>
-      <p:nvGrpSpPr>
-        <p:cNvPr id="1" name=""/>
-        <p:cNvGrpSpPr/>
-        <p:nvPr/>
-      </p:nvGrpSpPr>
-      <p:grpSpPr>
-        <a:xfrm>
-          <a:off x="0" y="0"/>
-          <a:ext cx="0" cy="0"/>
-          <a:chOff x="0" y="0"/>
-          <a:chExt cx="0" cy="0"/>
-        </a:xfrm>
-      </p:grpSpPr>
-      <p:sp>
-        <p:nvSpPr>
-          <p:cNvPr id="2" name="Title 1"/>
-          <p:cNvSpPr>
-            <a:spLocks noGrp="1"/>
-          </p:cNvSpPr>
-          <p:nvPr>
-            <p:ph type="ctrTitle"/>
-          </p:nvPr>
-        </p:nvSpPr>
-        <p:spPr>
-          <a:xfrm>
-            <a:off x="685800" y="160685"/>
-            <a:ext cx="7772400" cy="1470025"/>
-          </a:xfrm>
-        </p:spPr>
-        <p:txBody>
-          <a:bodyPr/>
-          <a:lstStyle/>
-          <a:p>
-            <a:pPr marL="342900" indent="-342900"/>
-            <a:r>
-              <a:rPr lang="en-US" dirty="0" smtClean="0"/>
-              <a:t>Lab: Basic </a:t>
-            </a:r>
-            <a:r>
-              <a:rPr lang="en-US" dirty="0" err="1"/>
-              <a:t>Hapi</a:t>
-            </a:r>
-            <a:r>
-              <a:rPr lang="en-US" dirty="0"/>
-              <a:t> </a:t>
-            </a:r>
-            <a:r>
-              <a:rPr lang="en-US" dirty="0" err="1"/>
-              <a:t>config</a:t>
-            </a:r>
-            <a:endParaRPr lang="en-US" dirty="0"/>
-          </a:p>
-        </p:txBody>
-      </p:sp>
-      <p:sp>
-        <p:nvSpPr>
-          <p:cNvPr id="3" name="Subtitle 2"/>
-          <p:cNvSpPr>
-            <a:spLocks noGrp="1"/>
-          </p:cNvSpPr>
-          <p:nvPr>
-            <p:ph type="subTitle" idx="1"/>
-          </p:nvPr>
-        </p:nvSpPr>
-        <p:spPr>
-          <a:xfrm>
-            <a:off x="454651" y="1630710"/>
-            <a:ext cx="8371875" cy="4609893"/>
-          </a:xfrm>
-        </p:spPr>
-        <p:txBody>
-          <a:bodyPr>
-            <a:normAutofit/>
-          </a:bodyPr>
-          <a:lstStyle/>
-          <a:p>
-            <a:pPr marL="342900" indent="-342900" algn="l">
-              <a:buFont typeface="Arial"/>
-              <a:buChar char="•"/>
-            </a:pPr>
-            <a:r>
-              <a:rPr lang="en-US" sz="2000" dirty="0" smtClean="0"/>
-              <a:t>Make a new directory 'our-server'</a:t>
-            </a:r>
-          </a:p>
-          <a:p>
-            <a:pPr marL="342900" indent="-342900" algn="l">
-              <a:buFont typeface="Arial"/>
-              <a:buChar char="•"/>
-            </a:pPr>
-            <a:r>
-              <a:rPr lang="en-US" sz="2000" dirty="0" err="1" smtClean="0"/>
-              <a:t>npm</a:t>
-            </a:r>
-            <a:r>
-              <a:rPr lang="en-US" sz="2000" dirty="0" smtClean="0"/>
-              <a:t> </a:t>
-            </a:r>
-            <a:r>
-              <a:rPr lang="en-US" sz="2000" dirty="0" err="1" smtClean="0"/>
-              <a:t>init</a:t>
-            </a:r>
-            <a:r>
-              <a:rPr lang="en-US" sz="2000" dirty="0" smtClean="0"/>
-              <a:t> –force (force just skips prompts &amp; creates a default </a:t>
-            </a:r>
-            <a:r>
-              <a:rPr lang="en-US" sz="2000" dirty="0" err="1" smtClean="0"/>
-              <a:t>package.json</a:t>
-            </a:r>
-            <a:r>
-              <a:rPr lang="en-US" sz="2000" dirty="0" smtClean="0"/>
-              <a:t>)</a:t>
-            </a:r>
-          </a:p>
-          <a:p>
-            <a:pPr marL="342900" indent="-342900" algn="l">
-              <a:buFont typeface="Arial"/>
-              <a:buChar char="•"/>
-            </a:pPr>
-            <a:r>
-              <a:rPr lang="en-US" sz="2000" dirty="0" err="1" smtClean="0"/>
-              <a:t>npm</a:t>
-            </a:r>
-            <a:r>
-              <a:rPr lang="en-US" sz="2000" dirty="0" smtClean="0"/>
-              <a:t> </a:t>
-            </a:r>
-            <a:r>
-              <a:rPr lang="en-US" sz="2000" dirty="0"/>
-              <a:t>install </a:t>
-            </a:r>
-            <a:r>
-              <a:rPr lang="en-US" sz="2000" dirty="0" smtClean="0"/>
-              <a:t>–save </a:t>
-            </a:r>
-            <a:r>
-              <a:rPr lang="en-US" sz="2000" dirty="0" err="1" smtClean="0"/>
-              <a:t>hapi</a:t>
-            </a:r>
-            <a:endParaRPr lang="en-US" sz="2000" dirty="0" smtClean="0"/>
-          </a:p>
-          <a:p>
-            <a:pPr marL="342900" indent="-342900" algn="l">
-              <a:buFont typeface="Arial"/>
-              <a:buChar char="•"/>
-            </a:pPr>
-            <a:r>
-              <a:rPr lang="en-US" sz="2000" dirty="0" smtClean="0"/>
-              <a:t>Change </a:t>
-            </a:r>
-            <a:r>
-              <a:rPr lang="en-US" sz="2000" dirty="0" err="1" smtClean="0"/>
-              <a:t>server.js</a:t>
-            </a:r>
-            <a:r>
-              <a:rPr lang="en-US" sz="2000" dirty="0" smtClean="0"/>
-              <a:t> to </a:t>
-            </a:r>
-            <a:r>
-              <a:rPr lang="en-US" sz="2000" dirty="0" err="1" smtClean="0"/>
-              <a:t>hapi</a:t>
-            </a:r>
-            <a:r>
-              <a:rPr lang="en-US" sz="2000" dirty="0" smtClean="0"/>
-              <a:t> syntax</a:t>
-            </a:r>
-          </a:p>
-          <a:p>
-            <a:pPr marL="342900" indent="-342900" algn="l">
-              <a:buFont typeface="Arial"/>
-              <a:buChar char="•"/>
-            </a:pPr>
-            <a:r>
-              <a:rPr lang="en-US" sz="2000" dirty="0" smtClean="0"/>
-              <a:t>Start with 'node </a:t>
-            </a:r>
-            <a:r>
-              <a:rPr lang="en-US" sz="2000" dirty="0" err="1" smtClean="0"/>
-              <a:t>server.js</a:t>
-            </a:r>
-            <a:r>
-              <a:rPr lang="en-US" sz="2000" dirty="0" smtClean="0"/>
-              <a:t>’</a:t>
-            </a:r>
-          </a:p>
-          <a:p>
-            <a:pPr marL="342900" indent="-342900" algn="l">
-              <a:buFont typeface="Arial"/>
-              <a:buChar char="•"/>
-            </a:pPr>
-            <a:r>
-              <a:rPr lang="en-US" sz="2000" dirty="0" smtClean="0"/>
-              <a:t>Write a function to alter the response based on URL</a:t>
-            </a:r>
-          </a:p>
-          <a:p>
-            <a:pPr marL="342900" indent="-342900" algn="l">
-              <a:buFont typeface="Arial"/>
-              <a:buChar char="•"/>
-            </a:pPr>
-            <a:r>
-              <a:rPr lang="en-US" sz="2000" dirty="0" smtClean="0"/>
-              <a:t>30 </a:t>
-            </a:r>
-            <a:r>
-              <a:rPr lang="en-US" sz="2000" dirty="0" err="1" smtClean="0"/>
-              <a:t>mins</a:t>
-            </a:r>
-            <a:r>
-              <a:rPr lang="en-US" sz="2000" dirty="0" smtClean="0"/>
-              <a:t>, then lunch</a:t>
-            </a:r>
-          </a:p>
-          <a:p>
-            <a:pPr marL="342900" indent="-342900" algn="l">
-              <a:buFont typeface="Arial"/>
-              <a:buChar char="•"/>
-            </a:pPr>
-            <a:endParaRPr lang="en-US" sz="1600" dirty="0"/>
-          </a:p>
-        </p:txBody>
-      </p:sp>
-    </p:spTree>
-    <p:extLst>
-      <p:ext uri="{BB962C8B-B14F-4D97-AF65-F5344CB8AC3E}">
-        <p14:creationId xmlns:p14="http://schemas.microsoft.com/office/powerpoint/2010/main" val="498209203"/>
-      </p:ext>
-    </p:extLst>
-  </p:cSld>
-  <p:clrMapOvr>
-    <a:masterClrMapping/>
-  </p:clrMapOvr>
-  <p:timing>
-    <p:tnLst>
-      <p:par>
-        <p:cTn xmlns:p14="http://schemas.microsoft.com/office/powerpoint/2010/main" id="1" dur="indefinite" restart="never" nodeType="tmRoot"/>
-      </p:par>
-    </p:tnLst>
-  </p:timing>
-</p:sld>
-</file>
-
-<file path=ppt/slides/slide16.xml><?xml version="1.0" encoding="utf-8"?>
-<p:sld xmlns:a="http://schemas.openxmlformats.org/drawingml/2006/main" xmlns:r="http://schemas.openxmlformats.org/officeDocument/2006/relationships" xmlns:p="http://schemas.openxmlformats.org/presentationml/2006/main">
-  <p:cSld>
-    <p:spTree>
-      <p:nvGrpSpPr>
-        <p:cNvPr id="1" name=""/>
-        <p:cNvGrpSpPr/>
-        <p:nvPr/>
-      </p:nvGrpSpPr>
-      <p:grpSpPr>
-        <a:xfrm>
-          <a:off x="0" y="0"/>
-          <a:ext cx="0" cy="0"/>
-          <a:chOff x="0" y="0"/>
-          <a:chExt cx="0" cy="0"/>
-        </a:xfrm>
-      </p:grpSpPr>
-      <p:sp>
-        <p:nvSpPr>
-          <p:cNvPr id="2" name="Title 1"/>
-          <p:cNvSpPr>
-            <a:spLocks noGrp="1"/>
-          </p:cNvSpPr>
-          <p:nvPr>
-            <p:ph type="ctrTitle"/>
-          </p:nvPr>
-        </p:nvSpPr>
-        <p:spPr>
-          <a:xfrm>
-            <a:off x="685800" y="160685"/>
-            <a:ext cx="7772400" cy="1470025"/>
-          </a:xfrm>
-        </p:spPr>
-        <p:txBody>
-          <a:bodyPr/>
-          <a:lstStyle/>
-          <a:p>
-            <a:pPr marL="342900" indent="-342900"/>
-            <a:r>
-              <a:rPr lang="en-US" dirty="0" smtClean="0"/>
-              <a:t>Lab: </a:t>
-            </a:r>
-            <a:r>
-              <a:rPr lang="en-US" dirty="0" err="1" smtClean="0"/>
-              <a:t>config</a:t>
-            </a:r>
-            <a:r>
-              <a:rPr lang="en-US" dirty="0" smtClean="0"/>
-              <a:t> test frameworks</a:t>
-            </a:r>
-            <a:endParaRPr lang="en-US" dirty="0"/>
-          </a:p>
-        </p:txBody>
-      </p:sp>
-      <p:sp>
-        <p:nvSpPr>
-          <p:cNvPr id="3" name="Subtitle 2"/>
-          <p:cNvSpPr>
-            <a:spLocks noGrp="1"/>
-          </p:cNvSpPr>
-          <p:nvPr>
-            <p:ph type="subTitle" idx="1"/>
-          </p:nvPr>
-        </p:nvSpPr>
-        <p:spPr>
-          <a:xfrm>
-            <a:off x="454651" y="1630710"/>
-            <a:ext cx="8371875" cy="4609893"/>
-          </a:xfrm>
-        </p:spPr>
-        <p:txBody>
-          <a:bodyPr>
-            <a:normAutofit/>
-          </a:bodyPr>
-          <a:lstStyle/>
-          <a:p>
-            <a:pPr marL="342900" indent="-342900" algn="l">
-              <a:buFont typeface="Arial"/>
-              <a:buChar char="•"/>
-            </a:pPr>
-            <a:r>
-              <a:rPr lang="en-US" sz="2000" dirty="0" err="1" smtClean="0"/>
-              <a:t>npm</a:t>
-            </a:r>
-            <a:r>
-              <a:rPr lang="en-US" sz="2000" dirty="0" smtClean="0"/>
-              <a:t> install karma, jasmine, watch</a:t>
-            </a:r>
-          </a:p>
-          <a:p>
-            <a:pPr marL="342900" indent="-342900" algn="l">
-              <a:buFont typeface="Arial"/>
-              <a:buChar char="•"/>
-            </a:pPr>
-            <a:r>
-              <a:rPr lang="en-US" sz="2000" dirty="0" smtClean="0"/>
-              <a:t>Add </a:t>
-            </a:r>
-            <a:r>
-              <a:rPr lang="en-US" sz="2000" dirty="0" err="1" smtClean="0"/>
-              <a:t>package.json</a:t>
-            </a:r>
-            <a:r>
-              <a:rPr lang="en-US" sz="2000" dirty="0" smtClean="0"/>
-              <a:t> task to run Karma</a:t>
-            </a:r>
-          </a:p>
-          <a:p>
-            <a:pPr marL="342900" indent="-342900" algn="l">
-              <a:buFont typeface="Arial"/>
-              <a:buChar char="•"/>
-            </a:pPr>
-            <a:r>
-              <a:rPr lang="en-US" sz="2000" dirty="0" smtClean="0"/>
-              <a:t>Add a file with a “hello world”  type test - something like expect(1).</a:t>
-            </a:r>
-            <a:r>
-              <a:rPr lang="en-US" sz="2000" dirty="0" err="1" smtClean="0"/>
-              <a:t>toEqual</a:t>
-            </a:r>
-            <a:r>
-              <a:rPr lang="en-US" sz="2000" dirty="0" smtClean="0"/>
-              <a:t>(1)</a:t>
-            </a:r>
-          </a:p>
-          <a:p>
-            <a:pPr marL="342900" indent="-342900" algn="l">
-              <a:buFont typeface="Arial"/>
-              <a:buChar char="•"/>
-            </a:pPr>
-            <a:r>
-              <a:rPr lang="en-US" sz="2000" dirty="0" smtClean="0"/>
-              <a:t>Add a </a:t>
-            </a:r>
-            <a:r>
-              <a:rPr lang="en-US" sz="2000" dirty="0" err="1" smtClean="0"/>
-              <a:t>package.json</a:t>
-            </a:r>
-            <a:r>
-              <a:rPr lang="en-US" sz="2000" dirty="0" smtClean="0"/>
-              <a:t> test to Watch server directory</a:t>
-            </a:r>
-          </a:p>
-          <a:p>
-            <a:pPr marL="342900" indent="-342900" algn="l">
-              <a:buFont typeface="Arial"/>
-              <a:buChar char="•"/>
-            </a:pPr>
-            <a:r>
-              <a:rPr lang="en-US" sz="2000" dirty="0" smtClean="0"/>
-              <a:t>Edit whitespace in </a:t>
-            </a:r>
-            <a:r>
-              <a:rPr lang="en-US" sz="2000" dirty="0" err="1" smtClean="0"/>
-              <a:t>server.js</a:t>
-            </a:r>
-            <a:r>
-              <a:rPr lang="en-US" sz="2000" dirty="0" smtClean="0"/>
-              <a:t> and verify tests run</a:t>
-            </a:r>
-          </a:p>
-          <a:p>
-            <a:pPr marL="342900" indent="-342900" algn="l">
-              <a:buFont typeface="Arial"/>
-              <a:buChar char="•"/>
-            </a:pPr>
-            <a:r>
-              <a:rPr lang="en-US" sz="2000" dirty="0" smtClean="0"/>
-              <a:t>Write a real test based on the </a:t>
-            </a:r>
-            <a:r>
-              <a:rPr lang="en-US" sz="2000" dirty="0" err="1" smtClean="0"/>
-              <a:t>Hapi</a:t>
-            </a:r>
-            <a:r>
-              <a:rPr lang="en-US" sz="2000" dirty="0" smtClean="0"/>
-              <a:t> function we just created</a:t>
-            </a:r>
-          </a:p>
-          <a:p>
-            <a:pPr marL="342900" indent="-342900" algn="l">
-              <a:buFont typeface="Arial"/>
-              <a:buChar char="•"/>
-            </a:pPr>
-            <a:r>
-              <a:rPr lang="en-US" sz="2000" dirty="0" smtClean="0"/>
-              <a:t>60 </a:t>
-            </a:r>
-            <a:r>
-              <a:rPr lang="en-US" sz="2000" dirty="0" err="1" smtClean="0"/>
-              <a:t>mins</a:t>
-            </a:r>
-            <a:r>
-              <a:rPr lang="en-US" sz="2000" dirty="0" smtClean="0"/>
-              <a:t>, then 5 min break</a:t>
-            </a:r>
-          </a:p>
-        </p:txBody>
-      </p:sp>
-    </p:spTree>
-    <p:extLst>
-      <p:ext uri="{BB962C8B-B14F-4D97-AF65-F5344CB8AC3E}">
-        <p14:creationId xmlns:p14="http://schemas.microsoft.com/office/powerpoint/2010/main" val="3339138232"/>
-      </p:ext>
-    </p:extLst>
-  </p:cSld>
-  <p:clrMapOvr>
-    <a:masterClrMapping/>
-  </p:clrMapOvr>
-  <p:timing>
-    <p:tnLst>
-      <p:par>
-        <p:cTn xmlns:p14="http://schemas.microsoft.com/office/powerpoint/2010/main" id="1" dur="indefinite" restart="never" nodeType="tmRoot"/>
-      </p:par>
-    </p:tnLst>
-  </p:timing>
-</p:sld>
-</file>
-
-<file path=ppt/slides/slide17.xml><?xml version="1.0" encoding="utf-8"?>
-<p:sld xmlns:a="http://schemas.openxmlformats.org/drawingml/2006/main" xmlns:r="http://schemas.openxmlformats.org/officeDocument/2006/relationships" xmlns:p="http://schemas.openxmlformats.org/presentationml/2006/main">
-  <p:cSld>
-    <p:spTree>
-      <p:nvGrpSpPr>
-        <p:cNvPr id="1" name=""/>
-        <p:cNvGrpSpPr/>
-        <p:nvPr/>
-      </p:nvGrpSpPr>
-      <p:grpSpPr>
-        <a:xfrm>
-          <a:off x="0" y="0"/>
-          <a:ext cx="0" cy="0"/>
-          <a:chOff x="0" y="0"/>
-          <a:chExt cx="0" cy="0"/>
-        </a:xfrm>
-      </p:grpSpPr>
-      <p:sp>
-        <p:nvSpPr>
-          <p:cNvPr id="2" name="Title 1"/>
-          <p:cNvSpPr>
-            <a:spLocks noGrp="1"/>
-          </p:cNvSpPr>
-          <p:nvPr>
-            <p:ph type="ctrTitle"/>
-          </p:nvPr>
-        </p:nvSpPr>
-        <p:spPr>
-          <a:xfrm>
-            <a:off x="685800" y="160685"/>
-            <a:ext cx="7772400" cy="1470025"/>
-          </a:xfrm>
-        </p:spPr>
-        <p:txBody>
-          <a:bodyPr/>
-          <a:lstStyle/>
-          <a:p>
-            <a:pPr marL="342900" indent="-342900"/>
-            <a:r>
-              <a:rPr lang="en-US" dirty="0" smtClean="0"/>
-              <a:t>More </a:t>
-            </a:r>
-            <a:r>
-              <a:rPr lang="en-US" dirty="0" err="1" smtClean="0"/>
-              <a:t>Hapi</a:t>
-            </a:r>
-            <a:endParaRPr lang="en-US" dirty="0"/>
-          </a:p>
-        </p:txBody>
-      </p:sp>
-      <p:sp>
-        <p:nvSpPr>
-          <p:cNvPr id="3" name="Subtitle 2"/>
-          <p:cNvSpPr>
-            <a:spLocks noGrp="1"/>
-          </p:cNvSpPr>
-          <p:nvPr>
-            <p:ph type="subTitle" idx="1"/>
-          </p:nvPr>
-        </p:nvSpPr>
-        <p:spPr>
-          <a:xfrm>
-            <a:off x="454651" y="1630710"/>
-            <a:ext cx="8371875" cy="4609893"/>
-          </a:xfrm>
-        </p:spPr>
-        <p:txBody>
-          <a:bodyPr>
-            <a:normAutofit/>
-          </a:bodyPr>
-          <a:lstStyle/>
-          <a:p>
-            <a:pPr algn="l"/>
-            <a:r>
-              <a:rPr lang="en-US" sz="2000" dirty="0" smtClean="0"/>
-              <a:t>Routing &amp; Views</a:t>
-            </a:r>
-          </a:p>
-          <a:p>
-            <a:pPr marL="342900" indent="-342900" algn="l">
-              <a:buFont typeface="Arial"/>
-              <a:buChar char="•"/>
-            </a:pPr>
-            <a:r>
-              <a:rPr lang="en-US" sz="2000" dirty="0" smtClean="0"/>
-              <a:t>The primary activity of a server is to map resources to actions</a:t>
-            </a:r>
-          </a:p>
-          <a:p>
-            <a:pPr marL="342900" indent="-342900" algn="l">
-              <a:buFont typeface="Arial"/>
-              <a:buChar char="•"/>
-            </a:pPr>
-            <a:r>
-              <a:rPr lang="en-US" sz="2000" dirty="0" smtClean="0"/>
-              <a:t>This mapping is called “routing”</a:t>
-            </a:r>
-          </a:p>
-          <a:p>
-            <a:pPr marL="342900" indent="-342900" algn="l">
-              <a:buFont typeface="Arial"/>
-              <a:buChar char="•"/>
-            </a:pPr>
-            <a:r>
-              <a:rPr lang="en-US" sz="2000" dirty="0" smtClean="0"/>
-              <a:t>Resources are defined by URL and HTTP method</a:t>
-            </a:r>
-          </a:p>
-          <a:p>
-            <a:pPr marL="800100" lvl="1" indent="-342900" algn="l">
-              <a:buFont typeface="Arial"/>
-              <a:buChar char="•"/>
-            </a:pPr>
-            <a:r>
-              <a:rPr lang="en-US" sz="1600" dirty="0" smtClean="0"/>
-              <a:t>GET</a:t>
-            </a:r>
-          </a:p>
-          <a:p>
-            <a:pPr marL="800100" lvl="1" indent="-342900" algn="l">
-              <a:buFont typeface="Arial"/>
-              <a:buChar char="•"/>
-            </a:pPr>
-            <a:r>
-              <a:rPr lang="en-US" sz="1600" dirty="0" smtClean="0"/>
-              <a:t>PUT</a:t>
-            </a:r>
-          </a:p>
-          <a:p>
-            <a:pPr marL="800100" lvl="1" indent="-342900" algn="l">
-              <a:buFont typeface="Arial"/>
-              <a:buChar char="•"/>
-            </a:pPr>
-            <a:r>
-              <a:rPr lang="en-US" sz="1600" dirty="0" smtClean="0"/>
-              <a:t>POST</a:t>
-            </a:r>
-          </a:p>
-          <a:p>
-            <a:pPr marL="342900" indent="-342900" algn="l">
-              <a:buFont typeface="Arial"/>
-              <a:buChar char="•"/>
-            </a:pPr>
-            <a:r>
-              <a:rPr lang="en-US" sz="2000" dirty="0" smtClean="0"/>
-              <a:t>Routing specifies a resource, then executes a callback</a:t>
-            </a:r>
-          </a:p>
-          <a:p>
-            <a:pPr marL="342900" indent="-342900" algn="l">
-              <a:buFont typeface="Arial"/>
-              <a:buChar char="•"/>
-            </a:pPr>
-            <a:r>
-              <a:rPr lang="en-US" sz="2000" dirty="0" smtClean="0"/>
-              <a:t>Passes info like query parameters, hash fragment, POST fields</a:t>
-            </a:r>
-          </a:p>
-          <a:p>
-            <a:pPr marL="342900" indent="-342900" algn="l">
-              <a:buFont typeface="Arial"/>
-              <a:buChar char="•"/>
-            </a:pPr>
-            <a:r>
-              <a:rPr lang="en-US" sz="2000" dirty="0" smtClean="0"/>
-              <a:t>Routes should be configured from more specific to less</a:t>
-            </a:r>
-          </a:p>
-        </p:txBody>
-      </p:sp>
-    </p:spTree>
-    <p:extLst>
-      <p:ext uri="{BB962C8B-B14F-4D97-AF65-F5344CB8AC3E}">
-        <p14:creationId xmlns:p14="http://schemas.microsoft.com/office/powerpoint/2010/main" val="1428465306"/>
-      </p:ext>
-    </p:extLst>
-  </p:cSld>
-  <p:clrMapOvr>
-    <a:masterClrMapping/>
-  </p:clrMapOvr>
-  <p:timing>
-    <p:tnLst>
-      <p:par>
-        <p:cTn xmlns:p14="http://schemas.microsoft.com/office/powerpoint/2010/main" id="1" dur="indefinite" restart="never" nodeType="tmRoot"/>
-      </p:par>
-    </p:tnLst>
-  </p:timing>
-</p:sld>
-</file>
-
-<file path=ppt/slides/slide18.xml><?xml version="1.0" encoding="utf-8"?>
-<p:sld xmlns:a="http://schemas.openxmlformats.org/drawingml/2006/main" xmlns:r="http://schemas.openxmlformats.org/officeDocument/2006/relationships" xmlns:p="http://schemas.openxmlformats.org/presentationml/2006/main">
-  <p:cSld>
-    <p:spTree>
-      <p:nvGrpSpPr>
-        <p:cNvPr id="1" name=""/>
-        <p:cNvGrpSpPr/>
-        <p:nvPr/>
-      </p:nvGrpSpPr>
-      <p:grpSpPr>
-        <a:xfrm>
-          <a:off x="0" y="0"/>
-          <a:ext cx="0" cy="0"/>
-          <a:chOff x="0" y="0"/>
-          <a:chExt cx="0" cy="0"/>
-        </a:xfrm>
-      </p:grpSpPr>
-      <p:sp>
-        <p:nvSpPr>
-          <p:cNvPr id="2" name="Title 1"/>
-          <p:cNvSpPr>
-            <a:spLocks noGrp="1"/>
-          </p:cNvSpPr>
-          <p:nvPr>
-            <p:ph type="ctrTitle"/>
-          </p:nvPr>
-        </p:nvSpPr>
-        <p:spPr>
-          <a:xfrm>
-            <a:off x="685800" y="160685"/>
-            <a:ext cx="7772400" cy="1470025"/>
-          </a:xfrm>
-        </p:spPr>
-        <p:txBody>
-          <a:bodyPr/>
-          <a:lstStyle/>
-          <a:p>
-            <a:pPr marL="342900" indent="-342900"/>
-            <a:r>
-              <a:rPr lang="en-US" dirty="0" smtClean="0"/>
-              <a:t>More </a:t>
-            </a:r>
-            <a:r>
-              <a:rPr lang="en-US" dirty="0" err="1" smtClean="0"/>
-              <a:t>Hapi</a:t>
-            </a:r>
-            <a:endParaRPr lang="en-US" dirty="0"/>
-          </a:p>
-        </p:txBody>
-      </p:sp>
-      <p:sp>
-        <p:nvSpPr>
-          <p:cNvPr id="3" name="Subtitle 2"/>
-          <p:cNvSpPr>
-            <a:spLocks noGrp="1"/>
-          </p:cNvSpPr>
-          <p:nvPr>
-            <p:ph type="subTitle" idx="1"/>
-          </p:nvPr>
-        </p:nvSpPr>
-        <p:spPr>
-          <a:xfrm>
-            <a:off x="454651" y="1630710"/>
-            <a:ext cx="8371875" cy="4609893"/>
-          </a:xfrm>
-        </p:spPr>
-        <p:txBody>
-          <a:bodyPr>
-            <a:normAutofit/>
-          </a:bodyPr>
-          <a:lstStyle/>
-          <a:p>
-            <a:pPr algn="l"/>
-            <a:r>
-              <a:rPr lang="en-US" sz="2000" dirty="0" err="1" smtClean="0"/>
-              <a:t>Hapi</a:t>
-            </a:r>
-            <a:r>
-              <a:rPr lang="en-US" sz="2000" dirty="0" smtClean="0"/>
-              <a:t> Routes</a:t>
-            </a:r>
-          </a:p>
-          <a:p>
-            <a:pPr algn="l"/>
-            <a:endParaRPr lang="en-US" sz="2000" dirty="0"/>
-          </a:p>
-          <a:p>
-            <a:pPr algn="l"/>
-            <a:r>
-              <a:rPr lang="en-US" sz="2000" dirty="0"/>
-              <a:t> </a:t>
-            </a:r>
-            <a:r>
-              <a:rPr lang="en-US" sz="2000" dirty="0" err="1"/>
-              <a:t>server.route</a:t>
-            </a:r>
-            <a:r>
-              <a:rPr lang="en-US" sz="2000" dirty="0"/>
-              <a:t>({</a:t>
-            </a:r>
-          </a:p>
-          <a:p>
-            <a:pPr algn="l"/>
-            <a:r>
-              <a:rPr lang="en-US" sz="2000" dirty="0"/>
-              <a:t>        method: 'GET',</a:t>
-            </a:r>
-          </a:p>
-          <a:p>
-            <a:pPr algn="l"/>
-            <a:r>
-              <a:rPr lang="en-US" sz="2000" dirty="0"/>
-              <a:t>        path: '/hello',</a:t>
-            </a:r>
-          </a:p>
-          <a:p>
-            <a:pPr algn="l"/>
-            <a:r>
-              <a:rPr lang="en-US" sz="2000" dirty="0"/>
-              <a:t>        handler: function (request, reply) {</a:t>
-            </a:r>
-          </a:p>
-          <a:p>
-            <a:pPr algn="l"/>
-            <a:r>
-              <a:rPr lang="en-US" sz="2000" dirty="0"/>
-              <a:t>            </a:t>
-            </a:r>
-            <a:r>
-              <a:rPr lang="en-US" sz="2000" dirty="0" err="1"/>
-              <a:t>reply.file</a:t>
-            </a:r>
-            <a:r>
-              <a:rPr lang="en-US" sz="2000" dirty="0"/>
-              <a:t>('./public/</a:t>
-            </a:r>
-            <a:r>
-              <a:rPr lang="en-US" sz="2000" dirty="0" err="1"/>
-              <a:t>hello.html</a:t>
-            </a:r>
-            <a:r>
-              <a:rPr lang="en-US" sz="2000" dirty="0"/>
-              <a:t>');</a:t>
-            </a:r>
-          </a:p>
-          <a:p>
-            <a:pPr algn="l"/>
-            <a:r>
-              <a:rPr lang="en-US" sz="2000" dirty="0"/>
-              <a:t>        }</a:t>
-            </a:r>
-          </a:p>
-          <a:p>
-            <a:pPr algn="l"/>
-            <a:r>
-              <a:rPr lang="en-US" sz="2000" dirty="0" smtClean="0"/>
-              <a:t>}</a:t>
-            </a:r>
-            <a:r>
-              <a:rPr lang="en-US" sz="2000" dirty="0"/>
-              <a:t>);</a:t>
-            </a:r>
-            <a:endParaRPr lang="en-US" sz="2000" dirty="0" smtClean="0"/>
-          </a:p>
-        </p:txBody>
-      </p:sp>
-    </p:spTree>
-    <p:extLst>
-      <p:ext uri="{BB962C8B-B14F-4D97-AF65-F5344CB8AC3E}">
-        <p14:creationId xmlns:p14="http://schemas.microsoft.com/office/powerpoint/2010/main" val="2278360711"/>
-      </p:ext>
-    </p:extLst>
-  </p:cSld>
-  <p:clrMapOvr>
-    <a:masterClrMapping/>
-  </p:clrMapOvr>
-  <p:timing>
-    <p:tnLst>
-      <p:par>
-        <p:cTn xmlns:p14="http://schemas.microsoft.com/office/powerpoint/2010/main" id="1" dur="indefinite" restart="never" nodeType="tmRoot"/>
-      </p:par>
-    </p:tnLst>
-  </p:timing>
-</p:sld>
-</file>
-
-<file path=ppt/slides/slide19.xml><?xml version="1.0" encoding="utf-8"?>
-<p:sld xmlns:a="http://schemas.openxmlformats.org/drawingml/2006/main" xmlns:r="http://schemas.openxmlformats.org/officeDocument/2006/relationships" xmlns:p="http://schemas.openxmlformats.org/presentationml/2006/main">
-  <p:cSld>
-    <p:spTree>
-      <p:nvGrpSpPr>
-        <p:cNvPr id="1" name=""/>
-        <p:cNvGrpSpPr/>
-        <p:nvPr/>
-      </p:nvGrpSpPr>
-      <p:grpSpPr>
-        <a:xfrm>
-          <a:off x="0" y="0"/>
-          <a:ext cx="0" cy="0"/>
-          <a:chOff x="0" y="0"/>
-          <a:chExt cx="0" cy="0"/>
-        </a:xfrm>
-      </p:grpSpPr>
-      <p:sp>
-        <p:nvSpPr>
-          <p:cNvPr id="2" name="Title 1"/>
-          <p:cNvSpPr>
-            <a:spLocks noGrp="1"/>
-          </p:cNvSpPr>
-          <p:nvPr>
-            <p:ph type="ctrTitle"/>
-          </p:nvPr>
-        </p:nvSpPr>
-        <p:spPr>
-          <a:xfrm>
-            <a:off x="685800" y="160685"/>
-            <a:ext cx="7772400" cy="1470025"/>
-          </a:xfrm>
-        </p:spPr>
-        <p:txBody>
-          <a:bodyPr/>
-          <a:lstStyle/>
-          <a:p>
-            <a:pPr marL="342900" indent="-342900"/>
-            <a:r>
-              <a:rPr lang="en-US" dirty="0" smtClean="0"/>
-              <a:t>More </a:t>
-            </a:r>
-            <a:r>
-              <a:rPr lang="en-US" dirty="0" err="1" smtClean="0"/>
-              <a:t>Hapi</a:t>
+              <a:t>Sanitize your inputs!</a:t>
             </a:r>
             <a:endParaRPr lang="en-US" dirty="0"/>
           </a:p>
@@ -5295,6 +3514,1794 @@
 </p:sld>
 </file>
 
+<file path=ppt/slides/slide12.xml><?xml version="1.0" encoding="utf-8"?>
+<p:sld xmlns:a="http://schemas.openxmlformats.org/drawingml/2006/main" xmlns:r="http://schemas.openxmlformats.org/officeDocument/2006/relationships" xmlns:p="http://schemas.openxmlformats.org/presentationml/2006/main">
+  <p:cSld>
+    <p:spTree>
+      <p:nvGrpSpPr>
+        <p:cNvPr id="1" name=""/>
+        <p:cNvGrpSpPr/>
+        <p:nvPr/>
+      </p:nvGrpSpPr>
+      <p:grpSpPr>
+        <a:xfrm>
+          <a:off x="0" y="0"/>
+          <a:ext cx="0" cy="0"/>
+          <a:chOff x="0" y="0"/>
+          <a:chExt cx="0" cy="0"/>
+        </a:xfrm>
+      </p:grpSpPr>
+      <p:sp>
+        <p:nvSpPr>
+          <p:cNvPr id="2" name="Title 1"/>
+          <p:cNvSpPr>
+            <a:spLocks noGrp="1"/>
+          </p:cNvSpPr>
+          <p:nvPr>
+            <p:ph type="ctrTitle"/>
+          </p:nvPr>
+        </p:nvSpPr>
+        <p:spPr>
+          <a:xfrm>
+            <a:off x="685800" y="160685"/>
+            <a:ext cx="7772400" cy="1470025"/>
+          </a:xfrm>
+        </p:spPr>
+        <p:txBody>
+          <a:bodyPr/>
+          <a:lstStyle/>
+          <a:p>
+            <a:r>
+              <a:rPr lang="en-US" dirty="0" smtClean="0"/>
+              <a:t>Lab: Explore </a:t>
+            </a:r>
+            <a:r>
+              <a:rPr lang="en-US" dirty="0" err="1" smtClean="0"/>
+              <a:t>createServer</a:t>
+            </a:r>
+            <a:endParaRPr lang="en-US" dirty="0"/>
+          </a:p>
+        </p:txBody>
+      </p:sp>
+      <p:sp>
+        <p:nvSpPr>
+          <p:cNvPr id="3" name="Subtitle 2"/>
+          <p:cNvSpPr>
+            <a:spLocks noGrp="1"/>
+          </p:cNvSpPr>
+          <p:nvPr>
+            <p:ph type="subTitle" idx="1"/>
+          </p:nvPr>
+        </p:nvSpPr>
+        <p:spPr>
+          <a:xfrm>
+            <a:off x="454651" y="1630710"/>
+            <a:ext cx="8371875" cy="4609893"/>
+          </a:xfrm>
+        </p:spPr>
+        <p:txBody>
+          <a:bodyPr>
+            <a:normAutofit/>
+          </a:bodyPr>
+          <a:lstStyle/>
+          <a:p>
+            <a:pPr marL="342900" indent="-342900" algn="l">
+              <a:buFont typeface="Arial"/>
+              <a:buChar char="•"/>
+            </a:pPr>
+            <a:r>
+              <a:rPr lang="en-US" sz="2000" dirty="0" smtClean="0"/>
+              <a:t>Save code as </a:t>
+            </a:r>
+            <a:r>
+              <a:rPr lang="en-US" sz="2000" dirty="0" err="1" smtClean="0"/>
+              <a:t>server.js</a:t>
+            </a:r>
+            <a:endParaRPr lang="en-US" sz="2000" dirty="0" smtClean="0"/>
+          </a:p>
+          <a:p>
+            <a:pPr marL="342900" indent="-342900" algn="l">
+              <a:buFont typeface="Arial"/>
+              <a:buChar char="•"/>
+            </a:pPr>
+            <a:r>
+              <a:rPr lang="en-US" sz="2000" dirty="0" err="1" smtClean="0"/>
+              <a:t>npm</a:t>
+            </a:r>
+            <a:r>
+              <a:rPr lang="en-US" sz="2000" dirty="0" smtClean="0"/>
+              <a:t> </a:t>
+            </a:r>
+            <a:r>
+              <a:rPr lang="en-US" sz="2000" dirty="0"/>
+              <a:t>install -g node-</a:t>
+            </a:r>
+            <a:r>
+              <a:rPr lang="en-US" sz="2000" dirty="0" smtClean="0"/>
+              <a:t>inspector</a:t>
+            </a:r>
+          </a:p>
+          <a:p>
+            <a:pPr marL="342900" indent="-342900" algn="l">
+              <a:buFont typeface="Arial"/>
+              <a:buChar char="•"/>
+            </a:pPr>
+            <a:r>
+              <a:rPr lang="en-US" sz="2000" dirty="0"/>
+              <a:t>node-debug </a:t>
+            </a:r>
+            <a:r>
+              <a:rPr lang="en-US" sz="2000" dirty="0" err="1"/>
+              <a:t>app.js</a:t>
+            </a:r>
+            <a:r>
+              <a:rPr lang="en-US" sz="2000" dirty="0"/>
+              <a:t> </a:t>
+            </a:r>
+            <a:endParaRPr lang="en-US" sz="2000" dirty="0" smtClean="0"/>
+          </a:p>
+          <a:p>
+            <a:pPr marL="342900" indent="-342900" algn="l">
+              <a:buFont typeface="Arial"/>
+              <a:buChar char="•"/>
+            </a:pPr>
+            <a:r>
+              <a:rPr lang="en-US" sz="2000" dirty="0"/>
+              <a:t>http://127.0.0.1:8080/?port=</a:t>
+            </a:r>
+            <a:r>
+              <a:rPr lang="en-US" sz="2000" dirty="0" smtClean="0"/>
+              <a:t>5858 may auto-open</a:t>
+            </a:r>
+          </a:p>
+          <a:p>
+            <a:pPr marL="342900" indent="-342900" algn="l">
+              <a:buFont typeface="Arial"/>
+              <a:buChar char="•"/>
+            </a:pPr>
+            <a:r>
+              <a:rPr lang="en-US" sz="2000" dirty="0" smtClean="0"/>
+              <a:t>Set a breakpoint in </a:t>
+            </a:r>
+            <a:r>
+              <a:rPr lang="en-US" sz="2000" dirty="0" err="1" smtClean="0"/>
+              <a:t>server.js</a:t>
+            </a:r>
+            <a:endParaRPr lang="en-US" sz="2000" dirty="0" smtClean="0"/>
+          </a:p>
+          <a:p>
+            <a:pPr marL="342900" indent="-342900" algn="l">
+              <a:buFont typeface="Arial"/>
+              <a:buChar char="•"/>
+            </a:pPr>
+            <a:r>
+              <a:rPr lang="en-US" sz="2000" dirty="0"/>
+              <a:t>Open another tab and go to http://127.0.0.1:8000</a:t>
+            </a:r>
+            <a:r>
+              <a:rPr lang="en-US" sz="2000" dirty="0" smtClean="0"/>
+              <a:t>/</a:t>
+            </a:r>
+          </a:p>
+          <a:p>
+            <a:pPr marL="342900" indent="-342900" algn="l">
+              <a:buFont typeface="Arial"/>
+              <a:buChar char="•"/>
+            </a:pPr>
+            <a:r>
+              <a:rPr lang="en-US" sz="2000" dirty="0" smtClean="0"/>
+              <a:t>Debugger should stop at breakpoint</a:t>
+            </a:r>
+          </a:p>
+          <a:p>
+            <a:pPr marL="342900" indent="-342900" algn="l">
+              <a:buFont typeface="Arial"/>
+              <a:buChar char="•"/>
+            </a:pPr>
+            <a:r>
+              <a:rPr lang="en-US" sz="2000" dirty="0" smtClean="0"/>
+              <a:t>Examine the HTTP request &amp; response</a:t>
+            </a:r>
+          </a:p>
+          <a:p>
+            <a:pPr marL="342900" indent="-342900" algn="l">
+              <a:buFont typeface="Arial"/>
+              <a:buChar char="•"/>
+            </a:pPr>
+            <a:r>
+              <a:rPr lang="en-US" sz="2000" dirty="0" smtClean="0"/>
+              <a:t>Write a basic response</a:t>
+            </a:r>
+          </a:p>
+          <a:p>
+            <a:pPr marL="342900" indent="-342900" algn="l">
+              <a:buFont typeface="Arial"/>
+              <a:buChar char="•"/>
+            </a:pPr>
+            <a:r>
+              <a:rPr lang="en-US" sz="2000" dirty="0"/>
+              <a:t>6</a:t>
+            </a:r>
+            <a:r>
+              <a:rPr lang="en-US" sz="2000" dirty="0" smtClean="0"/>
+              <a:t>0 </a:t>
+            </a:r>
+            <a:r>
+              <a:rPr lang="en-US" sz="2000" dirty="0" err="1" smtClean="0"/>
+              <a:t>mins</a:t>
+            </a:r>
+            <a:r>
+              <a:rPr lang="en-US" sz="2000" dirty="0" smtClean="0"/>
+              <a:t>, then lunch</a:t>
+            </a:r>
+            <a:endParaRPr lang="en-US" sz="2000" dirty="0"/>
+          </a:p>
+        </p:txBody>
+      </p:sp>
+    </p:spTree>
+    <p:extLst>
+      <p:ext uri="{BB962C8B-B14F-4D97-AF65-F5344CB8AC3E}">
+        <p14:creationId xmlns:p14="http://schemas.microsoft.com/office/powerpoint/2010/main" val="863003341"/>
+      </p:ext>
+    </p:extLst>
+  </p:cSld>
+  <p:clrMapOvr>
+    <a:masterClrMapping/>
+  </p:clrMapOvr>
+  <p:timing>
+    <p:tnLst>
+      <p:par>
+        <p:cTn xmlns:p14="http://schemas.microsoft.com/office/powerpoint/2010/main" id="1" dur="indefinite" restart="never" nodeType="tmRoot"/>
+      </p:par>
+    </p:tnLst>
+  </p:timing>
+</p:sld>
+</file>
+
+<file path=ppt/slides/slide13.xml><?xml version="1.0" encoding="utf-8"?>
+<p:sld xmlns:a="http://schemas.openxmlformats.org/drawingml/2006/main" xmlns:r="http://schemas.openxmlformats.org/officeDocument/2006/relationships" xmlns:p="http://schemas.openxmlformats.org/presentationml/2006/main">
+  <p:cSld>
+    <p:spTree>
+      <p:nvGrpSpPr>
+        <p:cNvPr id="1" name=""/>
+        <p:cNvGrpSpPr/>
+        <p:nvPr/>
+      </p:nvGrpSpPr>
+      <p:grpSpPr>
+        <a:xfrm>
+          <a:off x="0" y="0"/>
+          <a:ext cx="0" cy="0"/>
+          <a:chOff x="0" y="0"/>
+          <a:chExt cx="0" cy="0"/>
+        </a:xfrm>
+      </p:grpSpPr>
+      <p:sp>
+        <p:nvSpPr>
+          <p:cNvPr id="2" name="Title 1"/>
+          <p:cNvSpPr>
+            <a:spLocks noGrp="1"/>
+          </p:cNvSpPr>
+          <p:nvPr>
+            <p:ph type="ctrTitle"/>
+          </p:nvPr>
+        </p:nvSpPr>
+        <p:spPr>
+          <a:xfrm>
+            <a:off x="685800" y="160685"/>
+            <a:ext cx="7772400" cy="1470025"/>
+          </a:xfrm>
+        </p:spPr>
+        <p:txBody>
+          <a:bodyPr/>
+          <a:lstStyle/>
+          <a:p>
+            <a:r>
+              <a:rPr lang="en-US" dirty="0"/>
+              <a:t>Dive into Node code</a:t>
+            </a:r>
+          </a:p>
+        </p:txBody>
+      </p:sp>
+      <p:sp>
+        <p:nvSpPr>
+          <p:cNvPr id="3" name="Subtitle 2"/>
+          <p:cNvSpPr>
+            <a:spLocks noGrp="1"/>
+          </p:cNvSpPr>
+          <p:nvPr>
+            <p:ph type="subTitle" idx="1"/>
+          </p:nvPr>
+        </p:nvSpPr>
+        <p:spPr>
+          <a:xfrm>
+            <a:off x="454651" y="1630710"/>
+            <a:ext cx="8371875" cy="4609893"/>
+          </a:xfrm>
+        </p:spPr>
+        <p:txBody>
+          <a:bodyPr>
+            <a:normAutofit/>
+          </a:bodyPr>
+          <a:lstStyle/>
+          <a:p>
+            <a:pPr algn="l"/>
+            <a:r>
+              <a:rPr lang="en-US" sz="2000" dirty="0" err="1" smtClean="0"/>
+              <a:t>CommonJS</a:t>
+            </a:r>
+            <a:r>
+              <a:rPr lang="en-US" sz="2000" dirty="0" smtClean="0"/>
+              <a:t> syntax</a:t>
+            </a:r>
+          </a:p>
+          <a:p>
+            <a:pPr marL="342900" indent="-342900" algn="l">
+              <a:buFont typeface="Arial"/>
+              <a:buChar char="•"/>
+            </a:pPr>
+            <a:r>
+              <a:rPr lang="en-US" sz="2000" dirty="0" smtClean="0"/>
+              <a:t>Node’s module format</a:t>
+            </a:r>
+          </a:p>
+          <a:p>
+            <a:pPr marL="800100" lvl="1" indent="-342900" algn="l">
+              <a:buFont typeface="Arial"/>
+              <a:buChar char="•"/>
+            </a:pPr>
+            <a:r>
+              <a:rPr lang="en-US" sz="1600" dirty="0" err="1" smtClean="0"/>
+              <a:t>CommonJS</a:t>
+            </a:r>
+            <a:r>
+              <a:rPr lang="en-US" sz="1600" dirty="0" smtClean="0"/>
+              <a:t> was a working group that ground to a halt</a:t>
+            </a:r>
+          </a:p>
+          <a:p>
+            <a:pPr marL="800100" lvl="1" indent="-342900" algn="l">
+              <a:buFont typeface="Arial"/>
+              <a:buChar char="•"/>
+            </a:pPr>
+            <a:r>
+              <a:rPr lang="en-US" sz="1600" dirty="0" smtClean="0"/>
+              <a:t>Node is the only instance of </a:t>
+            </a:r>
+            <a:r>
+              <a:rPr lang="en-US" sz="1600" dirty="0" err="1" smtClean="0"/>
+              <a:t>CommonJS</a:t>
+            </a:r>
+            <a:endParaRPr lang="en-US" sz="1600" dirty="0" smtClean="0"/>
+          </a:p>
+          <a:p>
+            <a:pPr marL="800100" lvl="1" indent="-342900" algn="l">
+              <a:buFont typeface="Arial"/>
+              <a:buChar char="•"/>
+            </a:pPr>
+            <a:r>
+              <a:rPr lang="en-US" sz="1600" dirty="0" smtClean="0"/>
+              <a:t>Names are interchangeable</a:t>
+            </a:r>
+          </a:p>
+          <a:p>
+            <a:pPr marL="342900" indent="-342900" algn="l">
+              <a:buFont typeface="Arial"/>
+              <a:buChar char="•"/>
+            </a:pPr>
+            <a:r>
+              <a:rPr lang="en-US" sz="2000" dirty="0" smtClean="0"/>
+              <a:t>Runtime environment provides two functions</a:t>
+            </a:r>
+          </a:p>
+          <a:p>
+            <a:pPr marL="342900" indent="-342900" algn="l">
+              <a:buFont typeface="Arial"/>
+              <a:buChar char="•"/>
+            </a:pPr>
+            <a:r>
+              <a:rPr lang="en-US" sz="2000" dirty="0" smtClean="0"/>
+              <a:t>Require('</a:t>
+            </a:r>
+            <a:r>
+              <a:rPr lang="en-US" sz="2000" dirty="0" err="1" smtClean="0"/>
+              <a:t>PackageName</a:t>
+            </a:r>
+            <a:r>
+              <a:rPr lang="en-US" sz="2000" dirty="0" smtClean="0"/>
+              <a:t>')</a:t>
+            </a:r>
+          </a:p>
+          <a:p>
+            <a:pPr marL="800100" lvl="1" indent="-342900" algn="l">
+              <a:buFont typeface="Arial"/>
+              <a:buChar char="•"/>
+            </a:pPr>
+            <a:r>
+              <a:rPr lang="en-US" sz="1600" dirty="0" smtClean="0"/>
+              <a:t>note no ‘.</a:t>
+            </a:r>
+            <a:r>
+              <a:rPr lang="en-US" sz="1600" dirty="0" err="1" smtClean="0"/>
+              <a:t>js</a:t>
+            </a:r>
+            <a:r>
+              <a:rPr lang="en-US" sz="1600" dirty="0" smtClean="0"/>
+              <a:t>’ file suffix</a:t>
+            </a:r>
+          </a:p>
+          <a:p>
+            <a:pPr marL="800100" lvl="1" indent="-342900" algn="l">
+              <a:buFont typeface="Arial"/>
+              <a:buChar char="•"/>
+            </a:pPr>
+            <a:r>
+              <a:rPr lang="en-US" sz="1600" dirty="0" smtClean="0"/>
+              <a:t>Returns the result of that file</a:t>
+            </a:r>
+          </a:p>
+          <a:p>
+            <a:pPr marL="800100" lvl="1" indent="-342900" algn="l">
+              <a:buFont typeface="Arial"/>
+              <a:buChar char="•"/>
+            </a:pPr>
+            <a:r>
+              <a:rPr lang="en-US" sz="1600" dirty="0" smtClean="0"/>
+              <a:t>Errors if </a:t>
+            </a:r>
+            <a:r>
+              <a:rPr lang="en-US" sz="1600" dirty="0" err="1" smtClean="0"/>
+              <a:t>PackageName</a:t>
+            </a:r>
+            <a:r>
+              <a:rPr lang="en-US" sz="1600" dirty="0" smtClean="0"/>
+              <a:t> can’t be found</a:t>
+            </a:r>
+          </a:p>
+          <a:p>
+            <a:pPr marL="342900" indent="-342900" algn="l">
+              <a:buFont typeface="Arial"/>
+              <a:buChar char="•"/>
+            </a:pPr>
+            <a:r>
+              <a:rPr lang="en-US" sz="2000" dirty="0" err="1" smtClean="0"/>
+              <a:t>Module.exports</a:t>
+            </a:r>
+            <a:r>
+              <a:rPr lang="en-US" sz="2000" dirty="0" smtClean="0"/>
+              <a:t>(…)</a:t>
+            </a:r>
+          </a:p>
+          <a:p>
+            <a:pPr marL="800100" lvl="1" indent="-342900" algn="l">
+              <a:buFont typeface="Arial"/>
+              <a:buChar char="•"/>
+            </a:pPr>
+            <a:r>
+              <a:rPr lang="en-US" sz="1600" dirty="0" smtClean="0"/>
+              <a:t>Provides some object as the result of require()</a:t>
+            </a:r>
+          </a:p>
+          <a:p>
+            <a:pPr marL="800100" lvl="1" indent="-342900" algn="l">
+              <a:buFont typeface="Arial"/>
+              <a:buChar char="•"/>
+            </a:pPr>
+            <a:r>
+              <a:rPr lang="en-US" sz="1600" dirty="0" smtClean="0"/>
+              <a:t>No global namespace in Node</a:t>
+            </a:r>
+          </a:p>
+        </p:txBody>
+      </p:sp>
+    </p:spTree>
+    <p:extLst>
+      <p:ext uri="{BB962C8B-B14F-4D97-AF65-F5344CB8AC3E}">
+        <p14:creationId xmlns:p14="http://schemas.microsoft.com/office/powerpoint/2010/main" val="2148051015"/>
+      </p:ext>
+    </p:extLst>
+  </p:cSld>
+  <p:clrMapOvr>
+    <a:masterClrMapping/>
+  </p:clrMapOvr>
+  <p:timing>
+    <p:tnLst>
+      <p:par>
+        <p:cTn xmlns:p14="http://schemas.microsoft.com/office/powerpoint/2010/main" id="1" dur="indefinite" restart="never" nodeType="tmRoot"/>
+      </p:par>
+    </p:tnLst>
+  </p:timing>
+</p:sld>
+</file>
+
+<file path=ppt/slides/slide14.xml><?xml version="1.0" encoding="utf-8"?>
+<p:sld xmlns:a="http://schemas.openxmlformats.org/drawingml/2006/main" xmlns:r="http://schemas.openxmlformats.org/officeDocument/2006/relationships" xmlns:p="http://schemas.openxmlformats.org/presentationml/2006/main">
+  <p:cSld>
+    <p:spTree>
+      <p:nvGrpSpPr>
+        <p:cNvPr id="1" name=""/>
+        <p:cNvGrpSpPr/>
+        <p:nvPr/>
+      </p:nvGrpSpPr>
+      <p:grpSpPr>
+        <a:xfrm>
+          <a:off x="0" y="0"/>
+          <a:ext cx="0" cy="0"/>
+          <a:chOff x="0" y="0"/>
+          <a:chExt cx="0" cy="0"/>
+        </a:xfrm>
+      </p:grpSpPr>
+      <p:sp>
+        <p:nvSpPr>
+          <p:cNvPr id="2" name="Title 1"/>
+          <p:cNvSpPr>
+            <a:spLocks noGrp="1"/>
+          </p:cNvSpPr>
+          <p:nvPr>
+            <p:ph type="ctrTitle"/>
+          </p:nvPr>
+        </p:nvSpPr>
+        <p:spPr>
+          <a:xfrm>
+            <a:off x="685800" y="160685"/>
+            <a:ext cx="7772400" cy="1470025"/>
+          </a:xfrm>
+        </p:spPr>
+        <p:txBody>
+          <a:bodyPr/>
+          <a:lstStyle/>
+          <a:p>
+            <a:pPr marL="342900" indent="-342900"/>
+            <a:r>
+              <a:rPr lang="en-US" dirty="0" smtClean="0"/>
+              <a:t>Intro to Express</a:t>
+            </a:r>
+            <a:endParaRPr lang="en-US" dirty="0"/>
+          </a:p>
+        </p:txBody>
+      </p:sp>
+      <p:sp>
+        <p:nvSpPr>
+          <p:cNvPr id="3" name="Subtitle 2"/>
+          <p:cNvSpPr>
+            <a:spLocks noGrp="1"/>
+          </p:cNvSpPr>
+          <p:nvPr>
+            <p:ph type="subTitle" idx="1"/>
+          </p:nvPr>
+        </p:nvSpPr>
+        <p:spPr>
+          <a:xfrm>
+            <a:off x="454651" y="1630710"/>
+            <a:ext cx="8371875" cy="4609893"/>
+          </a:xfrm>
+        </p:spPr>
+        <p:txBody>
+          <a:bodyPr>
+            <a:normAutofit/>
+          </a:bodyPr>
+          <a:lstStyle/>
+          <a:p>
+            <a:pPr marL="342900" indent="-342900" algn="l">
+              <a:buFont typeface="Arial"/>
+              <a:buChar char="•"/>
+            </a:pPr>
+            <a:r>
+              <a:rPr lang="en-US" sz="2000" dirty="0" smtClean="0"/>
+              <a:t>What </a:t>
+            </a:r>
+            <a:r>
+              <a:rPr lang="en-US" sz="2000" dirty="0"/>
+              <a:t>is </a:t>
+            </a:r>
+            <a:r>
+              <a:rPr lang="en-US" sz="2000" dirty="0" smtClean="0"/>
+              <a:t>Express for</a:t>
+            </a:r>
+            <a:r>
+              <a:rPr lang="en-US" sz="2000" dirty="0"/>
+              <a:t>? </a:t>
+            </a:r>
+            <a:endParaRPr lang="en-US" sz="2000" dirty="0" smtClean="0"/>
+          </a:p>
+          <a:p>
+            <a:pPr marL="342900" indent="-342900" algn="l">
+              <a:buFont typeface="Arial"/>
+              <a:buChar char="•"/>
+            </a:pPr>
+            <a:r>
+              <a:rPr lang="en-US" sz="2000" dirty="0" smtClean="0"/>
+              <a:t>Framework to provide common server actions and structure user code</a:t>
+            </a:r>
+          </a:p>
+          <a:p>
+            <a:pPr marL="342900" indent="-342900" algn="l">
+              <a:buFont typeface="Arial"/>
+              <a:buChar char="•"/>
+            </a:pPr>
+            <a:r>
+              <a:rPr lang="en-US" sz="2000" dirty="0" smtClean="0"/>
+              <a:t>Common server actions</a:t>
+            </a:r>
+            <a:endParaRPr lang="en-US" sz="2000" dirty="0"/>
+          </a:p>
+          <a:p>
+            <a:pPr marL="800100" lvl="1" indent="-342900" algn="l">
+              <a:buFont typeface="Arial"/>
+              <a:buChar char="•"/>
+            </a:pPr>
+            <a:r>
+              <a:rPr lang="en-US" sz="1600" dirty="0" smtClean="0"/>
+              <a:t>Authentication</a:t>
+            </a:r>
+            <a:endParaRPr lang="en-US" sz="1600" dirty="0"/>
+          </a:p>
+          <a:p>
+            <a:pPr marL="800100" lvl="1" indent="-342900" algn="l">
+              <a:buFont typeface="Arial"/>
+              <a:buChar char="•"/>
+            </a:pPr>
+            <a:r>
+              <a:rPr lang="en-US" sz="1600" dirty="0" smtClean="0"/>
+              <a:t>Cookies</a:t>
+            </a:r>
+            <a:endParaRPr lang="en-US" sz="1600" dirty="0"/>
+          </a:p>
+          <a:p>
+            <a:pPr marL="800100" lvl="1" indent="-342900" algn="l">
+              <a:buFont typeface="Arial"/>
+              <a:buChar char="•"/>
+            </a:pPr>
+            <a:r>
+              <a:rPr lang="en-US" sz="1600" dirty="0" smtClean="0"/>
+              <a:t>Caching</a:t>
+            </a:r>
+            <a:endParaRPr lang="en-US" sz="1600" dirty="0"/>
+          </a:p>
+          <a:p>
+            <a:pPr marL="800100" lvl="1" indent="-342900" algn="l">
+              <a:buFont typeface="Arial"/>
+              <a:buChar char="•"/>
+            </a:pPr>
+            <a:r>
+              <a:rPr lang="en-US" sz="1600" dirty="0" smtClean="0"/>
+              <a:t>Logging</a:t>
+            </a:r>
+          </a:p>
+          <a:p>
+            <a:pPr marL="800100" lvl="1" indent="-342900" algn="l">
+              <a:buFont typeface="Arial"/>
+              <a:buChar char="•"/>
+            </a:pPr>
+            <a:r>
+              <a:rPr lang="en-US" sz="1600" dirty="0" smtClean="0"/>
+              <a:t>Error handling</a:t>
+            </a:r>
+            <a:endParaRPr lang="en-US" sz="1600" dirty="0" smtClean="0"/>
+          </a:p>
+          <a:p>
+            <a:pPr marL="342900" indent="-342900" algn="l">
+              <a:buFont typeface="Arial"/>
+              <a:buChar char="•"/>
+            </a:pPr>
+            <a:r>
+              <a:rPr lang="en-US" sz="2000" dirty="0" smtClean="0"/>
+              <a:t>User code</a:t>
+            </a:r>
+            <a:endParaRPr lang="en-US" sz="2000" dirty="0"/>
+          </a:p>
+          <a:p>
+            <a:pPr marL="800100" lvl="1" indent="-342900" algn="l">
+              <a:buFont typeface="Arial"/>
+              <a:buChar char="•"/>
+            </a:pPr>
+            <a:r>
+              <a:rPr lang="en-US" sz="1600" dirty="0" smtClean="0"/>
+              <a:t>Routing </a:t>
+            </a:r>
+            <a:r>
+              <a:rPr lang="en-US" sz="1600" dirty="0"/>
+              <a:t>&amp; </a:t>
+            </a:r>
+            <a:r>
+              <a:rPr lang="en-US" sz="1600" dirty="0" smtClean="0"/>
+              <a:t>Views</a:t>
+            </a:r>
+          </a:p>
+          <a:p>
+            <a:pPr marL="800100" lvl="1" indent="-342900" algn="l">
+              <a:buFont typeface="Arial"/>
+              <a:buChar char="•"/>
+            </a:pPr>
+            <a:r>
+              <a:rPr lang="en-US" sz="1600" dirty="0" smtClean="0"/>
+              <a:t>Services</a:t>
+            </a:r>
+            <a:endParaRPr lang="en-US" sz="1600" dirty="0"/>
+          </a:p>
+        </p:txBody>
+      </p:sp>
+    </p:spTree>
+    <p:extLst>
+      <p:ext uri="{BB962C8B-B14F-4D97-AF65-F5344CB8AC3E}">
+        <p14:creationId xmlns:p14="http://schemas.microsoft.com/office/powerpoint/2010/main" val="2768735795"/>
+      </p:ext>
+    </p:extLst>
+  </p:cSld>
+  <p:clrMapOvr>
+    <a:masterClrMapping/>
+  </p:clrMapOvr>
+  <p:timing>
+    <p:tnLst>
+      <p:par>
+        <p:cTn xmlns:p14="http://schemas.microsoft.com/office/powerpoint/2010/main" id="1" dur="indefinite" restart="never" nodeType="tmRoot"/>
+      </p:par>
+    </p:tnLst>
+  </p:timing>
+</p:sld>
+</file>
+
+<file path=ppt/slides/slide15.xml><?xml version="1.0" encoding="utf-8"?>
+<p:sld xmlns:a="http://schemas.openxmlformats.org/drawingml/2006/main" xmlns:r="http://schemas.openxmlformats.org/officeDocument/2006/relationships" xmlns:p="http://schemas.openxmlformats.org/presentationml/2006/main">
+  <p:cSld>
+    <p:spTree>
+      <p:nvGrpSpPr>
+        <p:cNvPr id="1" name=""/>
+        <p:cNvGrpSpPr/>
+        <p:nvPr/>
+      </p:nvGrpSpPr>
+      <p:grpSpPr>
+        <a:xfrm>
+          <a:off x="0" y="0"/>
+          <a:ext cx="0" cy="0"/>
+          <a:chOff x="0" y="0"/>
+          <a:chExt cx="0" cy="0"/>
+        </a:xfrm>
+      </p:grpSpPr>
+      <p:sp>
+        <p:nvSpPr>
+          <p:cNvPr id="2" name="Title 1"/>
+          <p:cNvSpPr>
+            <a:spLocks noGrp="1"/>
+          </p:cNvSpPr>
+          <p:nvPr>
+            <p:ph type="ctrTitle"/>
+          </p:nvPr>
+        </p:nvSpPr>
+        <p:spPr>
+          <a:xfrm>
+            <a:off x="685800" y="160685"/>
+            <a:ext cx="7772400" cy="1470025"/>
+          </a:xfrm>
+        </p:spPr>
+        <p:txBody>
+          <a:bodyPr/>
+          <a:lstStyle/>
+          <a:p>
+            <a:pPr marL="342900" indent="-342900"/>
+            <a:r>
+              <a:rPr lang="en-US" dirty="0" smtClean="0"/>
+              <a:t>Intro to Express</a:t>
+            </a:r>
+            <a:endParaRPr lang="en-US" dirty="0"/>
+          </a:p>
+        </p:txBody>
+      </p:sp>
+      <p:sp>
+        <p:nvSpPr>
+          <p:cNvPr id="3" name="Subtitle 2"/>
+          <p:cNvSpPr>
+            <a:spLocks noGrp="1"/>
+          </p:cNvSpPr>
+          <p:nvPr>
+            <p:ph type="subTitle" idx="1"/>
+          </p:nvPr>
+        </p:nvSpPr>
+        <p:spPr>
+          <a:xfrm>
+            <a:off x="454651" y="1630710"/>
+            <a:ext cx="8371875" cy="4609893"/>
+          </a:xfrm>
+        </p:spPr>
+        <p:txBody>
+          <a:bodyPr>
+            <a:normAutofit/>
+          </a:bodyPr>
+          <a:lstStyle/>
+          <a:p>
+            <a:pPr algn="l"/>
+            <a:r>
+              <a:rPr lang="en-US" sz="2000" dirty="0" smtClean="0"/>
+              <a:t>Middleware API</a:t>
+            </a:r>
+          </a:p>
+          <a:p>
+            <a:pPr marL="342900" indent="-342900" algn="l">
+              <a:buFont typeface="Arial"/>
+              <a:buChar char="•"/>
+            </a:pPr>
+            <a:r>
+              <a:rPr lang="en-US" sz="2000" dirty="0" smtClean="0"/>
+              <a:t>Register one or more callback functions on the server</a:t>
+            </a:r>
+          </a:p>
+          <a:p>
+            <a:pPr marL="342900" indent="-342900" algn="l">
+              <a:buFont typeface="Arial"/>
+              <a:buChar char="•"/>
+            </a:pPr>
+            <a:r>
+              <a:rPr lang="en-US" sz="2000" dirty="0" smtClean="0"/>
+              <a:t>Callbacks get passed three arguments: request, response, next</a:t>
+            </a:r>
+          </a:p>
+          <a:p>
+            <a:pPr marL="342900" indent="-342900" algn="l">
+              <a:buFont typeface="Arial"/>
+              <a:buChar char="•"/>
+            </a:pPr>
+            <a:r>
+              <a:rPr lang="en-US" sz="2000" dirty="0" smtClean="0"/>
+              <a:t>'next' is a conventional name</a:t>
+            </a:r>
+          </a:p>
+          <a:p>
+            <a:pPr marL="342900" indent="-342900" algn="l">
+              <a:buFont typeface="Arial"/>
+              <a:buChar char="•"/>
+            </a:pPr>
+            <a:r>
+              <a:rPr lang="en-US" sz="2000" dirty="0" smtClean="0"/>
+              <a:t>Use it like 'return' to pass control to next function</a:t>
+            </a:r>
+          </a:p>
+          <a:p>
+            <a:pPr marL="342900" indent="-342900" algn="l">
+              <a:buFont typeface="Arial"/>
+              <a:buChar char="•"/>
+            </a:pPr>
+            <a:r>
+              <a:rPr lang="en-US" sz="2000" dirty="0" smtClean="0"/>
+              <a:t>Or call next('route') to skip remaining callbacks</a:t>
+            </a:r>
+          </a:p>
+          <a:p>
+            <a:pPr marL="342900" indent="-342900" algn="l">
+              <a:buFont typeface="Arial"/>
+              <a:buChar char="•"/>
+            </a:pPr>
+            <a:endParaRPr lang="en-US" sz="2000" dirty="0"/>
+          </a:p>
+          <a:p>
+            <a:pPr algn="l"/>
+            <a:r>
+              <a:rPr lang="en-US" sz="2000" dirty="0" err="1"/>
+              <a:t>app.all</a:t>
+            </a:r>
+            <a:r>
+              <a:rPr lang="en-US" sz="2000" dirty="0"/>
+              <a:t>('*', </a:t>
+            </a:r>
+            <a:r>
+              <a:rPr lang="en-US" sz="2000" dirty="0" err="1"/>
+              <a:t>requireAuthentication</a:t>
+            </a:r>
+            <a:r>
+              <a:rPr lang="en-US" sz="2000" dirty="0"/>
+              <a:t>, </a:t>
+            </a:r>
+            <a:r>
+              <a:rPr lang="en-US" sz="2000" dirty="0" err="1" smtClean="0"/>
+              <a:t>loadUser</a:t>
+            </a:r>
+            <a:r>
+              <a:rPr lang="en-US" sz="2000" dirty="0" smtClean="0"/>
+              <a:t>, </a:t>
+            </a:r>
+            <a:r>
+              <a:rPr lang="en-US" sz="2000" dirty="0" err="1" smtClean="0"/>
+              <a:t>noOp</a:t>
+            </a:r>
+            <a:r>
+              <a:rPr lang="en-US" sz="2000" dirty="0" smtClean="0"/>
+              <a:t>)</a:t>
+            </a:r>
+            <a:r>
+              <a:rPr lang="en-US" sz="2000" dirty="0"/>
+              <a:t>;</a:t>
+            </a:r>
+            <a:endParaRPr lang="en-US" sz="2000" dirty="0" smtClean="0"/>
+          </a:p>
+          <a:p>
+            <a:pPr algn="l"/>
+            <a:endParaRPr lang="en-US" sz="2000" dirty="0" smtClean="0"/>
+          </a:p>
+          <a:p>
+            <a:pPr algn="l"/>
+            <a:r>
+              <a:rPr lang="en-US" sz="2000" dirty="0" smtClean="0"/>
+              <a:t>Function </a:t>
+            </a:r>
+            <a:r>
+              <a:rPr lang="en-US" sz="2000" dirty="0" err="1"/>
+              <a:t>noOp</a:t>
+            </a:r>
+            <a:r>
+              <a:rPr lang="en-US" sz="2000" dirty="0" smtClean="0"/>
+              <a:t> (</a:t>
+            </a:r>
+            <a:r>
+              <a:rPr lang="en-US" sz="2000" dirty="0" err="1" smtClean="0"/>
+              <a:t>req</a:t>
+            </a:r>
+            <a:r>
+              <a:rPr lang="en-US" sz="2000" dirty="0" smtClean="0"/>
+              <a:t>, res, next) {</a:t>
+            </a:r>
+          </a:p>
+          <a:p>
+            <a:pPr algn="l"/>
+            <a:r>
+              <a:rPr lang="en-US" sz="2000" dirty="0"/>
+              <a:t> </a:t>
+            </a:r>
+            <a:r>
+              <a:rPr lang="en-US" sz="2000" dirty="0" smtClean="0"/>
+              <a:t> next();</a:t>
+            </a:r>
+            <a:endParaRPr lang="en-US" sz="2000" dirty="0" smtClean="0"/>
+          </a:p>
+          <a:p>
+            <a:pPr algn="l"/>
+            <a:r>
+              <a:rPr lang="en-US" sz="2000" dirty="0" smtClean="0"/>
+              <a:t>}</a:t>
+            </a:r>
+          </a:p>
+          <a:p>
+            <a:pPr marL="342900" indent="-342900" algn="l">
+              <a:buFont typeface="Arial"/>
+              <a:buChar char="•"/>
+            </a:pPr>
+            <a:endParaRPr lang="en-US" sz="1600" dirty="0"/>
+          </a:p>
+        </p:txBody>
+      </p:sp>
+    </p:spTree>
+    <p:extLst>
+      <p:ext uri="{BB962C8B-B14F-4D97-AF65-F5344CB8AC3E}">
+        <p14:creationId xmlns:p14="http://schemas.microsoft.com/office/powerpoint/2010/main" val="1448063011"/>
+      </p:ext>
+    </p:extLst>
+  </p:cSld>
+  <p:clrMapOvr>
+    <a:masterClrMapping/>
+  </p:clrMapOvr>
+  <p:timing>
+    <p:tnLst>
+      <p:par>
+        <p:cTn xmlns:p14="http://schemas.microsoft.com/office/powerpoint/2010/main" id="1" dur="indefinite" restart="never" nodeType="tmRoot"/>
+      </p:par>
+    </p:tnLst>
+  </p:timing>
+</p:sld>
+</file>
+
+<file path=ppt/slides/slide16.xml><?xml version="1.0" encoding="utf-8"?>
+<p:sld xmlns:a="http://schemas.openxmlformats.org/drawingml/2006/main" xmlns:r="http://schemas.openxmlformats.org/officeDocument/2006/relationships" xmlns:p="http://schemas.openxmlformats.org/presentationml/2006/main">
+  <p:cSld>
+    <p:spTree>
+      <p:nvGrpSpPr>
+        <p:cNvPr id="1" name=""/>
+        <p:cNvGrpSpPr/>
+        <p:nvPr/>
+      </p:nvGrpSpPr>
+      <p:grpSpPr>
+        <a:xfrm>
+          <a:off x="0" y="0"/>
+          <a:ext cx="0" cy="0"/>
+          <a:chOff x="0" y="0"/>
+          <a:chExt cx="0" cy="0"/>
+        </a:xfrm>
+      </p:grpSpPr>
+      <p:sp>
+        <p:nvSpPr>
+          <p:cNvPr id="2" name="Title 1"/>
+          <p:cNvSpPr>
+            <a:spLocks noGrp="1"/>
+          </p:cNvSpPr>
+          <p:nvPr>
+            <p:ph type="ctrTitle"/>
+          </p:nvPr>
+        </p:nvSpPr>
+        <p:spPr>
+          <a:xfrm>
+            <a:off x="685800" y="160685"/>
+            <a:ext cx="7772400" cy="1470025"/>
+          </a:xfrm>
+        </p:spPr>
+        <p:txBody>
+          <a:bodyPr/>
+          <a:lstStyle/>
+          <a:p>
+            <a:pPr marL="342900" indent="-342900"/>
+            <a:r>
+              <a:rPr lang="en-US" dirty="0" smtClean="0"/>
+              <a:t>Intro to Express</a:t>
+            </a:r>
+            <a:endParaRPr lang="en-US" dirty="0"/>
+          </a:p>
+        </p:txBody>
+      </p:sp>
+      <p:sp>
+        <p:nvSpPr>
+          <p:cNvPr id="3" name="Subtitle 2"/>
+          <p:cNvSpPr>
+            <a:spLocks noGrp="1"/>
+          </p:cNvSpPr>
+          <p:nvPr>
+            <p:ph type="subTitle" idx="1"/>
+          </p:nvPr>
+        </p:nvSpPr>
+        <p:spPr>
+          <a:xfrm>
+            <a:off x="454651" y="1630710"/>
+            <a:ext cx="8371875" cy="4609893"/>
+          </a:xfrm>
+        </p:spPr>
+        <p:txBody>
+          <a:bodyPr>
+            <a:normAutofit fontScale="85000" lnSpcReduction="10000"/>
+          </a:bodyPr>
+          <a:lstStyle/>
+          <a:p>
+            <a:pPr algn="l"/>
+            <a:r>
+              <a:rPr lang="en-US" sz="2000" dirty="0" smtClean="0"/>
+              <a:t>Middleware API</a:t>
+            </a:r>
+          </a:p>
+          <a:p>
+            <a:pPr marL="342900" indent="-342900" algn="l">
+              <a:buFont typeface="Arial"/>
+              <a:buChar char="•"/>
+            </a:pPr>
+            <a:r>
+              <a:rPr lang="en-US" sz="2000" dirty="0" smtClean="0"/>
+              <a:t>render() is the other way to end a chain</a:t>
+            </a:r>
+          </a:p>
+          <a:p>
+            <a:pPr marL="342900" indent="-342900" algn="l">
+              <a:buFont typeface="Arial"/>
+              <a:buChar char="•"/>
+            </a:pPr>
+            <a:r>
+              <a:rPr lang="en-US" sz="2000" dirty="0" smtClean="0"/>
+              <a:t>Returns HTTP to the client</a:t>
+            </a:r>
+          </a:p>
+          <a:p>
+            <a:pPr marL="342900" indent="-342900" algn="l">
+              <a:buFont typeface="Arial"/>
+              <a:buChar char="•"/>
+            </a:pPr>
+            <a:r>
+              <a:rPr lang="en-US" sz="2000" dirty="0" smtClean="0"/>
+              <a:t>Important: functions must call next() or render()</a:t>
+            </a:r>
+          </a:p>
+          <a:p>
+            <a:pPr marL="342900" indent="-342900" algn="l">
+              <a:buFont typeface="Arial"/>
+              <a:buChar char="•"/>
+            </a:pPr>
+            <a:r>
+              <a:rPr lang="en-US" sz="2000" dirty="0" smtClean="0"/>
+              <a:t>Otherwise they can cause memory leaks</a:t>
+            </a:r>
+          </a:p>
+          <a:p>
+            <a:pPr marL="342900" indent="-342900" algn="l">
+              <a:buFont typeface="Arial"/>
+              <a:buChar char="•"/>
+            </a:pPr>
+            <a:r>
+              <a:rPr lang="en-US" sz="2000" dirty="0" smtClean="0"/>
+              <a:t>Pass anything other than 'route' to next to throw an error</a:t>
+            </a:r>
+          </a:p>
+          <a:p>
+            <a:pPr marL="342900" indent="-342900" algn="l">
+              <a:buFont typeface="Arial"/>
+              <a:buChar char="•"/>
+            </a:pPr>
+            <a:endParaRPr lang="en-US" sz="2000" dirty="0"/>
+          </a:p>
+          <a:p>
+            <a:pPr algn="l"/>
+            <a:r>
+              <a:rPr lang="en-US" sz="2000" dirty="0" err="1"/>
+              <a:t>app.all</a:t>
+            </a:r>
+            <a:r>
+              <a:rPr lang="en-US" sz="2000" dirty="0"/>
+              <a:t>('*', </a:t>
+            </a:r>
+            <a:r>
+              <a:rPr lang="en-US" sz="2000" dirty="0" err="1"/>
+              <a:t>requireAuthentication</a:t>
+            </a:r>
+            <a:r>
+              <a:rPr lang="en-US" sz="2000" dirty="0"/>
+              <a:t>, </a:t>
+            </a:r>
+            <a:r>
+              <a:rPr lang="en-US" sz="2000" dirty="0" err="1" smtClean="0"/>
+              <a:t>loadUser</a:t>
+            </a:r>
+            <a:r>
+              <a:rPr lang="en-US" sz="2000" dirty="0" smtClean="0"/>
+              <a:t>, </a:t>
+            </a:r>
+            <a:r>
+              <a:rPr lang="en-US" sz="2000" dirty="0" err="1" smtClean="0"/>
+              <a:t>noOp</a:t>
+            </a:r>
+            <a:r>
+              <a:rPr lang="en-US" sz="2000" dirty="0" smtClean="0"/>
+              <a:t>)</a:t>
+            </a:r>
+            <a:r>
+              <a:rPr lang="en-US" sz="2000" dirty="0"/>
+              <a:t>;</a:t>
+            </a:r>
+            <a:endParaRPr lang="en-US" sz="2000" dirty="0" smtClean="0"/>
+          </a:p>
+          <a:p>
+            <a:pPr algn="l"/>
+            <a:endParaRPr lang="en-US" sz="2000" dirty="0" smtClean="0"/>
+          </a:p>
+          <a:p>
+            <a:pPr algn="l"/>
+            <a:r>
+              <a:rPr lang="en-US" sz="2000" dirty="0" smtClean="0"/>
+              <a:t>Function </a:t>
+            </a:r>
+            <a:r>
+              <a:rPr lang="en-US" sz="2000" dirty="0" err="1"/>
+              <a:t>requireAuthentication</a:t>
+            </a:r>
+            <a:r>
+              <a:rPr lang="en-US" sz="2000" dirty="0" smtClean="0"/>
+              <a:t> (</a:t>
+            </a:r>
+            <a:r>
+              <a:rPr lang="en-US" sz="2000" dirty="0" err="1" smtClean="0"/>
+              <a:t>req</a:t>
+            </a:r>
+            <a:r>
+              <a:rPr lang="en-US" sz="2000" dirty="0" smtClean="0"/>
+              <a:t>, res, next) {</a:t>
+            </a:r>
+          </a:p>
+          <a:p>
+            <a:pPr algn="l"/>
+            <a:r>
+              <a:rPr lang="en-US" sz="2000" dirty="0"/>
+              <a:t> </a:t>
+            </a:r>
+            <a:r>
+              <a:rPr lang="en-US" sz="2000" dirty="0" smtClean="0"/>
+              <a:t> if ( </a:t>
+            </a:r>
+            <a:r>
+              <a:rPr lang="en-US" sz="2000" dirty="0" err="1" smtClean="0"/>
+              <a:t>authAllSet</a:t>
+            </a:r>
+            <a:r>
+              <a:rPr lang="en-US" sz="2000" dirty="0" smtClean="0"/>
+              <a:t> ) {</a:t>
+            </a:r>
+          </a:p>
+          <a:p>
+            <a:pPr algn="l"/>
+            <a:r>
+              <a:rPr lang="en-US" sz="2000" dirty="0"/>
+              <a:t> </a:t>
+            </a:r>
+            <a:r>
+              <a:rPr lang="en-US" sz="2000" dirty="0" smtClean="0"/>
+              <a:t>   </a:t>
+            </a:r>
+            <a:r>
+              <a:rPr lang="en-US" sz="2000" dirty="0" err="1" smtClean="0"/>
+              <a:t>res.render</a:t>
+            </a:r>
+            <a:r>
+              <a:rPr lang="en-US" sz="2000" dirty="0" smtClean="0"/>
+              <a:t>("All set!');</a:t>
+            </a:r>
+          </a:p>
+          <a:p>
+            <a:pPr algn="l"/>
+            <a:r>
+              <a:rPr lang="en-US" sz="2000" dirty="0"/>
+              <a:t> </a:t>
+            </a:r>
+            <a:r>
+              <a:rPr lang="en-US" sz="2000" dirty="0" smtClean="0"/>
+              <a:t> } else {</a:t>
+            </a:r>
+          </a:p>
+          <a:p>
+            <a:pPr algn="l"/>
+            <a:r>
+              <a:rPr lang="en-US" sz="2000" dirty="0"/>
+              <a:t> </a:t>
+            </a:r>
+            <a:r>
+              <a:rPr lang="en-US" sz="2000" dirty="0" smtClean="0"/>
+              <a:t>   next( </a:t>
+            </a:r>
+            <a:r>
+              <a:rPr lang="en-US" sz="2000" dirty="0" err="1" smtClean="0"/>
+              <a:t>authAllSet</a:t>
+            </a:r>
+            <a:r>
+              <a:rPr lang="en-US" sz="2000" dirty="0" smtClean="0"/>
+              <a:t> );</a:t>
+            </a:r>
+          </a:p>
+          <a:p>
+            <a:pPr algn="l"/>
+            <a:r>
+              <a:rPr lang="en-US" sz="2000" dirty="0"/>
+              <a:t> </a:t>
+            </a:r>
+            <a:r>
+              <a:rPr lang="en-US" sz="2000" dirty="0" smtClean="0"/>
+              <a:t> }</a:t>
+            </a:r>
+            <a:endParaRPr lang="en-US" sz="2000" dirty="0" smtClean="0"/>
+          </a:p>
+          <a:p>
+            <a:pPr algn="l"/>
+            <a:r>
+              <a:rPr lang="en-US" sz="2000" dirty="0" smtClean="0"/>
+              <a:t>}</a:t>
+            </a:r>
+          </a:p>
+          <a:p>
+            <a:pPr marL="342900" indent="-342900" algn="l">
+              <a:buFont typeface="Arial"/>
+              <a:buChar char="•"/>
+            </a:pPr>
+            <a:endParaRPr lang="en-US" sz="1600" dirty="0"/>
+          </a:p>
+        </p:txBody>
+      </p:sp>
+    </p:spTree>
+    <p:extLst>
+      <p:ext uri="{BB962C8B-B14F-4D97-AF65-F5344CB8AC3E}">
+        <p14:creationId xmlns:p14="http://schemas.microsoft.com/office/powerpoint/2010/main" val="1617820483"/>
+      </p:ext>
+    </p:extLst>
+  </p:cSld>
+  <p:clrMapOvr>
+    <a:masterClrMapping/>
+  </p:clrMapOvr>
+  <p:timing>
+    <p:tnLst>
+      <p:par>
+        <p:cTn xmlns:p14="http://schemas.microsoft.com/office/powerpoint/2010/main" id="1" dur="indefinite" restart="never" nodeType="tmRoot"/>
+      </p:par>
+    </p:tnLst>
+  </p:timing>
+</p:sld>
+</file>
+
+<file path=ppt/slides/slide17.xml><?xml version="1.0" encoding="utf-8"?>
+<p:sld xmlns:a="http://schemas.openxmlformats.org/drawingml/2006/main" xmlns:r="http://schemas.openxmlformats.org/officeDocument/2006/relationships" xmlns:p="http://schemas.openxmlformats.org/presentationml/2006/main">
+  <p:cSld>
+    <p:spTree>
+      <p:nvGrpSpPr>
+        <p:cNvPr id="1" name=""/>
+        <p:cNvGrpSpPr/>
+        <p:nvPr/>
+      </p:nvGrpSpPr>
+      <p:grpSpPr>
+        <a:xfrm>
+          <a:off x="0" y="0"/>
+          <a:ext cx="0" cy="0"/>
+          <a:chOff x="0" y="0"/>
+          <a:chExt cx="0" cy="0"/>
+        </a:xfrm>
+      </p:grpSpPr>
+      <p:sp>
+        <p:nvSpPr>
+          <p:cNvPr id="2" name="Title 1"/>
+          <p:cNvSpPr>
+            <a:spLocks noGrp="1"/>
+          </p:cNvSpPr>
+          <p:nvPr>
+            <p:ph type="ctrTitle"/>
+          </p:nvPr>
+        </p:nvSpPr>
+        <p:spPr>
+          <a:xfrm>
+            <a:off x="685800" y="160685"/>
+            <a:ext cx="7772400" cy="1470025"/>
+          </a:xfrm>
+        </p:spPr>
+        <p:txBody>
+          <a:bodyPr/>
+          <a:lstStyle/>
+          <a:p>
+            <a:pPr marL="342900" indent="-342900"/>
+            <a:r>
+              <a:rPr lang="en-US" dirty="0" smtClean="0"/>
+              <a:t>Lab: Set up Express</a:t>
+            </a:r>
+            <a:endParaRPr lang="en-US" dirty="0"/>
+          </a:p>
+        </p:txBody>
+      </p:sp>
+      <p:sp>
+        <p:nvSpPr>
+          <p:cNvPr id="3" name="Subtitle 2"/>
+          <p:cNvSpPr>
+            <a:spLocks noGrp="1"/>
+          </p:cNvSpPr>
+          <p:nvPr>
+            <p:ph type="subTitle" idx="1"/>
+          </p:nvPr>
+        </p:nvSpPr>
+        <p:spPr>
+          <a:xfrm>
+            <a:off x="454651" y="1630710"/>
+            <a:ext cx="8371875" cy="4609893"/>
+          </a:xfrm>
+        </p:spPr>
+        <p:txBody>
+          <a:bodyPr>
+            <a:normAutofit/>
+          </a:bodyPr>
+          <a:lstStyle/>
+          <a:p>
+            <a:pPr algn="l"/>
+            <a:r>
+              <a:rPr lang="en-US" sz="2400" dirty="0"/>
+              <a:t> - Create server folder                                  </a:t>
+            </a:r>
+          </a:p>
+          <a:p>
+            <a:pPr algn="l"/>
+            <a:r>
+              <a:rPr lang="en-US" sz="2400" dirty="0"/>
+              <a:t> - </a:t>
+            </a:r>
+            <a:r>
+              <a:rPr lang="en-US" sz="2400" dirty="0" err="1"/>
+              <a:t>npm</a:t>
+            </a:r>
+            <a:r>
+              <a:rPr lang="en-US" sz="2400" dirty="0"/>
+              <a:t> install </a:t>
+            </a:r>
+            <a:r>
+              <a:rPr lang="en-US" sz="2400" dirty="0" smtClean="0"/>
+              <a:t>express</a:t>
+            </a:r>
+          </a:p>
+          <a:p>
+            <a:pPr algn="l"/>
+            <a:r>
+              <a:rPr lang="en-US" sz="2400" dirty="0"/>
+              <a:t> </a:t>
+            </a:r>
+            <a:r>
+              <a:rPr lang="en-US" sz="2400" dirty="0" smtClean="0"/>
+              <a:t>- </a:t>
+            </a:r>
+            <a:r>
+              <a:rPr lang="en-US" sz="2400" dirty="0" err="1" smtClean="0"/>
+              <a:t>Config</a:t>
+            </a:r>
+            <a:r>
+              <a:rPr lang="en-US" sz="2400" dirty="0" smtClean="0"/>
+              <a:t> app()</a:t>
+            </a:r>
+            <a:endParaRPr lang="en-US" sz="2400" dirty="0"/>
+          </a:p>
+          <a:p>
+            <a:pPr algn="l"/>
+            <a:r>
+              <a:rPr lang="en-US" sz="2400" dirty="0"/>
+              <a:t> - </a:t>
+            </a:r>
+            <a:r>
+              <a:rPr lang="en-US" sz="2400" dirty="0"/>
+              <a:t>pass business logic module attached to Request </a:t>
+            </a:r>
+            <a:r>
+              <a:rPr lang="en-US" sz="2400" dirty="0" smtClean="0"/>
+              <a:t>object</a:t>
+            </a:r>
+          </a:p>
+          <a:p>
+            <a:pPr algn="l"/>
+            <a:r>
+              <a:rPr lang="en-US" sz="2400" dirty="0"/>
+              <a:t> </a:t>
+            </a:r>
+            <a:r>
+              <a:rPr lang="en-US" sz="2400" dirty="0" smtClean="0"/>
+              <a:t>- 90 </a:t>
+            </a:r>
+            <a:r>
+              <a:rPr lang="en-US" sz="2400" dirty="0" err="1" smtClean="0"/>
+              <a:t>mins</a:t>
+            </a:r>
+            <a:r>
+              <a:rPr lang="en-US" sz="2400" dirty="0" smtClean="0"/>
+              <a:t>, then 15 min break</a:t>
+            </a:r>
+            <a:endParaRPr lang="en-US" sz="2400" dirty="0"/>
+          </a:p>
+        </p:txBody>
+      </p:sp>
+    </p:spTree>
+    <p:extLst>
+      <p:ext uri="{BB962C8B-B14F-4D97-AF65-F5344CB8AC3E}">
+        <p14:creationId xmlns:p14="http://schemas.microsoft.com/office/powerpoint/2010/main" val="2680955296"/>
+      </p:ext>
+    </p:extLst>
+  </p:cSld>
+  <p:clrMapOvr>
+    <a:masterClrMapping/>
+  </p:clrMapOvr>
+  <p:timing>
+    <p:tnLst>
+      <p:par>
+        <p:cTn xmlns:p14="http://schemas.microsoft.com/office/powerpoint/2010/main" id="1" dur="indefinite" restart="never" nodeType="tmRoot"/>
+      </p:par>
+    </p:tnLst>
+  </p:timing>
+</p:sld>
+</file>
+
+<file path=ppt/slides/slide18.xml><?xml version="1.0" encoding="utf-8"?>
+<p:sld xmlns:a="http://schemas.openxmlformats.org/drawingml/2006/main" xmlns:r="http://schemas.openxmlformats.org/officeDocument/2006/relationships" xmlns:p="http://schemas.openxmlformats.org/presentationml/2006/main">
+  <p:cSld>
+    <p:spTree>
+      <p:nvGrpSpPr>
+        <p:cNvPr id="1" name=""/>
+        <p:cNvGrpSpPr/>
+        <p:nvPr/>
+      </p:nvGrpSpPr>
+      <p:grpSpPr>
+        <a:xfrm>
+          <a:off x="0" y="0"/>
+          <a:ext cx="0" cy="0"/>
+          <a:chOff x="0" y="0"/>
+          <a:chExt cx="0" cy="0"/>
+        </a:xfrm>
+      </p:grpSpPr>
+      <p:sp>
+        <p:nvSpPr>
+          <p:cNvPr id="2" name="Title 1"/>
+          <p:cNvSpPr>
+            <a:spLocks noGrp="1"/>
+          </p:cNvSpPr>
+          <p:nvPr>
+            <p:ph type="ctrTitle"/>
+          </p:nvPr>
+        </p:nvSpPr>
+        <p:spPr>
+          <a:xfrm>
+            <a:off x="685800" y="160685"/>
+            <a:ext cx="7772400" cy="1470025"/>
+          </a:xfrm>
+        </p:spPr>
+        <p:txBody>
+          <a:bodyPr/>
+          <a:lstStyle/>
+          <a:p>
+            <a:pPr marL="342900" indent="-342900"/>
+            <a:r>
+              <a:rPr lang="en-US" dirty="0" smtClean="0"/>
+              <a:t>Basic</a:t>
+            </a:r>
+            <a:r>
+              <a:rPr lang="en-US" dirty="0" smtClean="0"/>
+              <a:t> Express routing</a:t>
+            </a:r>
+            <a:endParaRPr lang="en-US" dirty="0"/>
+          </a:p>
+        </p:txBody>
+      </p:sp>
+      <p:sp>
+        <p:nvSpPr>
+          <p:cNvPr id="3" name="Subtitle 2"/>
+          <p:cNvSpPr>
+            <a:spLocks noGrp="1"/>
+          </p:cNvSpPr>
+          <p:nvPr>
+            <p:ph type="subTitle" idx="1"/>
+          </p:nvPr>
+        </p:nvSpPr>
+        <p:spPr>
+          <a:xfrm>
+            <a:off x="454651" y="1630710"/>
+            <a:ext cx="8371875" cy="4609893"/>
+          </a:xfrm>
+        </p:spPr>
+        <p:txBody>
+          <a:bodyPr>
+            <a:normAutofit lnSpcReduction="10000"/>
+          </a:bodyPr>
+          <a:lstStyle/>
+          <a:p>
+            <a:pPr algn="l"/>
+            <a:r>
+              <a:rPr lang="en-US" sz="2400" dirty="0" smtClean="0"/>
+              <a:t>A route matches a URL to an action</a:t>
+            </a:r>
+          </a:p>
+          <a:p>
+            <a:pPr algn="l"/>
+            <a:endParaRPr lang="en-US" sz="2400" dirty="0"/>
+          </a:p>
+          <a:p>
+            <a:pPr algn="l"/>
+            <a:r>
+              <a:rPr lang="en-US" sz="2400" dirty="0"/>
+              <a:t>// GET method route</a:t>
+            </a:r>
+          </a:p>
+          <a:p>
+            <a:pPr algn="l"/>
+            <a:r>
+              <a:rPr lang="en-US" sz="2400" dirty="0" err="1"/>
+              <a:t>app.get</a:t>
+            </a:r>
+            <a:r>
+              <a:rPr lang="en-US" sz="2400" dirty="0"/>
+              <a:t>('/', function (</a:t>
+            </a:r>
+            <a:r>
+              <a:rPr lang="en-US" sz="2400" dirty="0" err="1"/>
+              <a:t>req</a:t>
+            </a:r>
+            <a:r>
+              <a:rPr lang="en-US" sz="2400" dirty="0"/>
+              <a:t>, res) {</a:t>
+            </a:r>
+          </a:p>
+          <a:p>
+            <a:pPr algn="l"/>
+            <a:r>
+              <a:rPr lang="en-US" sz="2400" dirty="0"/>
+              <a:t>  </a:t>
+            </a:r>
+            <a:r>
+              <a:rPr lang="en-US" sz="2400" dirty="0" err="1"/>
+              <a:t>res.send</a:t>
+            </a:r>
+            <a:r>
+              <a:rPr lang="en-US" sz="2400" dirty="0"/>
+              <a:t>('GET request to the homepage');</a:t>
+            </a:r>
+          </a:p>
+          <a:p>
+            <a:pPr algn="l"/>
+            <a:r>
+              <a:rPr lang="en-US" sz="2400" dirty="0"/>
+              <a:t>});</a:t>
+            </a:r>
+          </a:p>
+          <a:p>
+            <a:pPr algn="l"/>
+            <a:endParaRPr lang="en-US" sz="2400" dirty="0"/>
+          </a:p>
+          <a:p>
+            <a:pPr algn="l"/>
+            <a:r>
+              <a:rPr lang="en-US" sz="2400" dirty="0"/>
+              <a:t>// POST method route</a:t>
+            </a:r>
+          </a:p>
+          <a:p>
+            <a:pPr algn="l"/>
+            <a:r>
+              <a:rPr lang="en-US" sz="2400" dirty="0" err="1"/>
+              <a:t>app.post</a:t>
+            </a:r>
+            <a:r>
+              <a:rPr lang="en-US" sz="2400" dirty="0"/>
+              <a:t>('/', function (</a:t>
+            </a:r>
+            <a:r>
+              <a:rPr lang="en-US" sz="2400" dirty="0" err="1"/>
+              <a:t>req</a:t>
+            </a:r>
+            <a:r>
+              <a:rPr lang="en-US" sz="2400" dirty="0"/>
+              <a:t>, res) {</a:t>
+            </a:r>
+          </a:p>
+          <a:p>
+            <a:pPr algn="l"/>
+            <a:r>
+              <a:rPr lang="en-US" sz="2400" dirty="0"/>
+              <a:t>  </a:t>
+            </a:r>
+            <a:r>
+              <a:rPr lang="en-US" sz="2400" dirty="0" err="1"/>
+              <a:t>res.send</a:t>
+            </a:r>
+            <a:r>
+              <a:rPr lang="en-US" sz="2400" dirty="0"/>
+              <a:t>('POST request to the homepage');</a:t>
+            </a:r>
+          </a:p>
+          <a:p>
+            <a:pPr algn="l"/>
+            <a:r>
+              <a:rPr lang="en-US" sz="2400" dirty="0"/>
+              <a:t>});</a:t>
+            </a:r>
+            <a:endParaRPr lang="en-US" sz="2400" dirty="0"/>
+          </a:p>
+        </p:txBody>
+      </p:sp>
+    </p:spTree>
+    <p:extLst>
+      <p:ext uri="{BB962C8B-B14F-4D97-AF65-F5344CB8AC3E}">
+        <p14:creationId xmlns:p14="http://schemas.microsoft.com/office/powerpoint/2010/main" val="1714328515"/>
+      </p:ext>
+    </p:extLst>
+  </p:cSld>
+  <p:clrMapOvr>
+    <a:masterClrMapping/>
+  </p:clrMapOvr>
+  <p:timing>
+    <p:tnLst>
+      <p:par>
+        <p:cTn xmlns:p14="http://schemas.microsoft.com/office/powerpoint/2010/main" id="1" dur="indefinite" restart="never" nodeType="tmRoot"/>
+      </p:par>
+    </p:tnLst>
+  </p:timing>
+</p:sld>
+</file>
+
+<file path=ppt/slides/slide19.xml><?xml version="1.0" encoding="utf-8"?>
+<p:sld xmlns:a="http://schemas.openxmlformats.org/drawingml/2006/main" xmlns:r="http://schemas.openxmlformats.org/officeDocument/2006/relationships" xmlns:p="http://schemas.openxmlformats.org/presentationml/2006/main">
+  <p:cSld>
+    <p:spTree>
+      <p:nvGrpSpPr>
+        <p:cNvPr id="1" name=""/>
+        <p:cNvGrpSpPr/>
+        <p:nvPr/>
+      </p:nvGrpSpPr>
+      <p:grpSpPr>
+        <a:xfrm>
+          <a:off x="0" y="0"/>
+          <a:ext cx="0" cy="0"/>
+          <a:chOff x="0" y="0"/>
+          <a:chExt cx="0" cy="0"/>
+        </a:xfrm>
+      </p:grpSpPr>
+      <p:sp>
+        <p:nvSpPr>
+          <p:cNvPr id="2" name="Title 1"/>
+          <p:cNvSpPr>
+            <a:spLocks noGrp="1"/>
+          </p:cNvSpPr>
+          <p:nvPr>
+            <p:ph type="ctrTitle"/>
+          </p:nvPr>
+        </p:nvSpPr>
+        <p:spPr>
+          <a:xfrm>
+            <a:off x="685800" y="160685"/>
+            <a:ext cx="7772400" cy="1470025"/>
+          </a:xfrm>
+        </p:spPr>
+        <p:txBody>
+          <a:bodyPr/>
+          <a:lstStyle/>
+          <a:p>
+            <a:pPr marL="342900" indent="-342900"/>
+            <a:r>
+              <a:rPr lang="en-US" dirty="0" smtClean="0"/>
+              <a:t>Lab: Explore</a:t>
+            </a:r>
+            <a:r>
+              <a:rPr lang="en-US" dirty="0" smtClean="0"/>
+              <a:t> routing</a:t>
+            </a:r>
+            <a:endParaRPr lang="en-US" dirty="0"/>
+          </a:p>
+        </p:txBody>
+      </p:sp>
+      <p:sp>
+        <p:nvSpPr>
+          <p:cNvPr id="3" name="Subtitle 2"/>
+          <p:cNvSpPr>
+            <a:spLocks noGrp="1"/>
+          </p:cNvSpPr>
+          <p:nvPr>
+            <p:ph type="subTitle" idx="1"/>
+          </p:nvPr>
+        </p:nvSpPr>
+        <p:spPr>
+          <a:xfrm>
+            <a:off x="454651" y="1630710"/>
+            <a:ext cx="8371875" cy="4609893"/>
+          </a:xfrm>
+        </p:spPr>
+        <p:txBody>
+          <a:bodyPr>
+            <a:normAutofit/>
+          </a:bodyPr>
+          <a:lstStyle/>
+          <a:p>
+            <a:pPr algn="l"/>
+            <a:r>
+              <a:rPr lang="en-US" sz="2400" dirty="0"/>
+              <a:t> - Create some routes</a:t>
+            </a:r>
+          </a:p>
+          <a:p>
+            <a:pPr algn="l"/>
+            <a:r>
+              <a:rPr lang="en-US" sz="2400" dirty="0"/>
+              <a:t> - Map business </a:t>
+            </a:r>
+            <a:r>
+              <a:rPr lang="en-US" sz="2400" dirty="0" smtClean="0"/>
+              <a:t>logic</a:t>
+            </a:r>
+          </a:p>
+          <a:p>
+            <a:pPr algn="l"/>
+            <a:r>
+              <a:rPr lang="en-US" sz="2400" dirty="0"/>
+              <a:t> </a:t>
+            </a:r>
+            <a:r>
+              <a:rPr lang="en-US" sz="2400" dirty="0" smtClean="0"/>
+              <a:t>- 90 </a:t>
+            </a:r>
+            <a:r>
+              <a:rPr lang="en-US" sz="2400" dirty="0" err="1" smtClean="0"/>
+              <a:t>mins</a:t>
+            </a:r>
+            <a:endParaRPr lang="en-US" sz="2400" dirty="0"/>
+          </a:p>
+        </p:txBody>
+      </p:sp>
+    </p:spTree>
+    <p:extLst>
+      <p:ext uri="{BB962C8B-B14F-4D97-AF65-F5344CB8AC3E}">
+        <p14:creationId xmlns:p14="http://schemas.microsoft.com/office/powerpoint/2010/main" val="2304215633"/>
+      </p:ext>
+    </p:extLst>
+  </p:cSld>
+  <p:clrMapOvr>
+    <a:masterClrMapping/>
+  </p:clrMapOvr>
+  <p:timing>
+    <p:tnLst>
+      <p:par>
+        <p:cTn xmlns:p14="http://schemas.microsoft.com/office/powerpoint/2010/main" id="1" dur="indefinite" restart="never" nodeType="tmRoot"/>
+      </p:par>
+    </p:tnLst>
+  </p:timing>
+</p:sld>
+</file>
+
 <file path=ppt/slides/slide2.xml><?xml version="1.0" encoding="utf-8"?>
 <p:sld xmlns:a="http://schemas.openxmlformats.org/drawingml/2006/main" xmlns:r="http://schemas.openxmlformats.org/officeDocument/2006/relationships" xmlns:p="http://schemas.openxmlformats.org/presentationml/2006/main">
   <p:cSld>
@@ -5391,22 +5398,20 @@
               <a:buChar char="•"/>
             </a:pPr>
             <a:r>
+              <a:rPr lang="en-US" sz="1600" dirty="0" smtClean="0"/>
+              <a:t>Lab</a:t>
+            </a:r>
+            <a:r>
+              <a:rPr lang="en-US" sz="1600" dirty="0" smtClean="0"/>
+              <a:t>: </a:t>
+            </a:r>
+            <a:r>
               <a:rPr lang="en-US" sz="1600" dirty="0"/>
-              <a:t>Explore the Node REPL</a:t>
-            </a:r>
-          </a:p>
-          <a:p>
-            <a:pPr marL="342900" indent="-342900" algn="l">
-              <a:buFont typeface="Arial"/>
-              <a:buChar char="•"/>
-            </a:pPr>
+              <a:t>Explore the Node </a:t>
+            </a:r>
             <a:r>
               <a:rPr lang="en-US" sz="1600" dirty="0" smtClean="0"/>
-              <a:t>Lab: </a:t>
-            </a:r>
-            <a:r>
-              <a:rPr lang="en-US" sz="1600" dirty="0"/>
-              <a:t>Get started</a:t>
+              <a:t>REPL</a:t>
             </a:r>
             <a:endParaRPr lang="en-US" sz="1600" dirty="0" smtClean="0"/>
           </a:p>
@@ -5417,8 +5422,9 @@
             </a:pPr>
             <a:r>
               <a:rPr lang="en-US" sz="1600" dirty="0" smtClean="0"/>
-              <a:t>(break)</a:t>
-            </a:r>
+              <a:t>( break )</a:t>
+            </a:r>
+            <a:endParaRPr lang="en-US" sz="1600" dirty="0" smtClean="0"/>
           </a:p>
           <a:p>
             <a:pPr marL="342900" indent="-342900" algn="l">
@@ -5437,25 +5443,27 @@
             </a:pPr>
             <a:r>
               <a:rPr lang="en-US" sz="1600" dirty="0" smtClean="0"/>
-              <a:t>Lab: Examine th</a:t>
-            </a:r>
+              <a:t>Lab: Examine the built-in Node server</a:t>
+            </a:r>
+          </a:p>
+          <a:p>
+            <a:pPr marL="342900" indent="-342900" algn="l">
+              <a:buFont typeface="Arial"/>
+              <a:buChar char="•"/>
+            </a:pPr>
             <a:r>
               <a:rPr lang="en-US" sz="1600" dirty="0" smtClean="0"/>
-              <a:t>e built-in Node server</a:t>
-            </a:r>
-          </a:p>
-          <a:p>
-            <a:pPr marL="342900" indent="-342900" algn="l">
-              <a:buFont typeface="Arial"/>
-              <a:buChar char="•"/>
-            </a:pPr>
-            <a:r>
-              <a:rPr lang="en-US" sz="1600" dirty="0" err="1" smtClean="0"/>
-              <a:t>Hapi</a:t>
-            </a:r>
+              <a:t>( lunch )</a:t>
+            </a:r>
+          </a:p>
+          <a:p>
+            <a:pPr marL="342900" indent="-342900" algn="l">
+              <a:buFont typeface="Arial"/>
+              <a:buChar char="•"/>
+            </a:pPr>
             <a:r>
               <a:rPr lang="en-US" sz="1600" dirty="0" smtClean="0"/>
-              <a:t> Overview</a:t>
+              <a:t>Node modules</a:t>
             </a:r>
           </a:p>
           <a:p>
@@ -5465,15 +5473,17 @@
             </a:pPr>
             <a:r>
               <a:rPr lang="en-US" sz="1600" dirty="0" smtClean="0"/>
-              <a:t>Lab: </a:t>
-            </a:r>
-            <a:r>
-              <a:rPr lang="en-US" sz="1600" dirty="0" err="1" smtClean="0"/>
-              <a:t>Hapi</a:t>
-            </a:r>
+              <a:t>Lab: write business logic as Node modules</a:t>
+            </a:r>
+          </a:p>
+          <a:p>
+            <a:pPr marL="342900" indent="-342900" algn="l">
+              <a:buFont typeface="Arial"/>
+              <a:buChar char="•"/>
+            </a:pPr>
             <a:r>
               <a:rPr lang="en-US" sz="1600" dirty="0" smtClean="0"/>
-              <a:t> setup</a:t>
+              <a:t>( break )</a:t>
             </a:r>
           </a:p>
           <a:p>
@@ -5483,7 +5493,7 @@
             </a:pPr>
             <a:r>
               <a:rPr lang="en-US" sz="1600" dirty="0" smtClean="0"/>
-              <a:t>(lunch)</a:t>
+              <a:t>Intro to Express</a:t>
             </a:r>
           </a:p>
           <a:p>
@@ -5493,7 +5503,7 @@
             </a:pPr>
             <a:r>
               <a:rPr lang="en-US" sz="1600" dirty="0" smtClean="0"/>
-              <a:t>Lab: Unit test the server</a:t>
+              <a:t>Lab: Set up Express</a:t>
             </a:r>
           </a:p>
           <a:p>
@@ -5503,7 +5513,7 @@
             </a:pPr>
             <a:r>
               <a:rPr lang="en-US" sz="1600" dirty="0" smtClean="0"/>
-              <a:t>Routing, Views, and Handlebars</a:t>
+              <a:t>( break )</a:t>
             </a:r>
           </a:p>
           <a:p>
@@ -5513,7 +5523,7 @@
             </a:pPr>
             <a:r>
               <a:rPr lang="en-US" sz="1600" dirty="0" smtClean="0"/>
-              <a:t>Lab: set up routes and views</a:t>
+              <a:t>Lab: Basic routing</a:t>
             </a:r>
             <a:endParaRPr lang="en-US" sz="1600" dirty="0" smtClean="0"/>
           </a:p>
@@ -5523,2264 +5533,6 @@
     <p:extLst>
       <p:ext uri="{BB962C8B-B14F-4D97-AF65-F5344CB8AC3E}">
         <p14:creationId xmlns:p14="http://schemas.microsoft.com/office/powerpoint/2010/main" val="1184490946"/>
-      </p:ext>
-    </p:extLst>
-  </p:cSld>
-  <p:clrMapOvr>
-    <a:masterClrMapping/>
-  </p:clrMapOvr>
-  <p:timing>
-    <p:tnLst>
-      <p:par>
-        <p:cTn xmlns:p14="http://schemas.microsoft.com/office/powerpoint/2010/main" id="1" dur="indefinite" restart="never" nodeType="tmRoot"/>
-      </p:par>
-    </p:tnLst>
-  </p:timing>
-</p:sld>
-</file>
-
-<file path=ppt/slides/slide20.xml><?xml version="1.0" encoding="utf-8"?>
-<p:sld xmlns:a="http://schemas.openxmlformats.org/drawingml/2006/main" xmlns:r="http://schemas.openxmlformats.org/officeDocument/2006/relationships" xmlns:p="http://schemas.openxmlformats.org/presentationml/2006/main">
-  <p:cSld>
-    <p:spTree>
-      <p:nvGrpSpPr>
-        <p:cNvPr id="1" name=""/>
-        <p:cNvGrpSpPr/>
-        <p:nvPr/>
-      </p:nvGrpSpPr>
-      <p:grpSpPr>
-        <a:xfrm>
-          <a:off x="0" y="0"/>
-          <a:ext cx="0" cy="0"/>
-          <a:chOff x="0" y="0"/>
-          <a:chExt cx="0" cy="0"/>
-        </a:xfrm>
-      </p:grpSpPr>
-      <p:sp>
-        <p:nvSpPr>
-          <p:cNvPr id="2" name="Title 1"/>
-          <p:cNvSpPr>
-            <a:spLocks noGrp="1"/>
-          </p:cNvSpPr>
-          <p:nvPr>
-            <p:ph type="ctrTitle"/>
-          </p:nvPr>
-        </p:nvSpPr>
-        <p:spPr>
-          <a:xfrm>
-            <a:off x="685800" y="160685"/>
-            <a:ext cx="7772400" cy="1470025"/>
-          </a:xfrm>
-        </p:spPr>
-        <p:txBody>
-          <a:bodyPr/>
-          <a:lstStyle/>
-          <a:p>
-            <a:pPr marL="342900" indent="-342900"/>
-            <a:r>
-              <a:rPr lang="en-US" dirty="0" smtClean="0"/>
-              <a:t>More </a:t>
-            </a:r>
-            <a:r>
-              <a:rPr lang="en-US" dirty="0" err="1" smtClean="0"/>
-              <a:t>Hapi</a:t>
-            </a:r>
-            <a:endParaRPr lang="en-US" dirty="0"/>
-          </a:p>
-        </p:txBody>
-      </p:sp>
-      <p:sp>
-        <p:nvSpPr>
-          <p:cNvPr id="3" name="Subtitle 2"/>
-          <p:cNvSpPr>
-            <a:spLocks noGrp="1"/>
-          </p:cNvSpPr>
-          <p:nvPr>
-            <p:ph type="subTitle" idx="1"/>
-          </p:nvPr>
-        </p:nvSpPr>
-        <p:spPr>
-          <a:xfrm>
-            <a:off x="454651" y="1630710"/>
-            <a:ext cx="8371875" cy="4609893"/>
-          </a:xfrm>
-        </p:spPr>
-        <p:txBody>
-          <a:bodyPr>
-            <a:normAutofit fontScale="85000" lnSpcReduction="10000"/>
-          </a:bodyPr>
-          <a:lstStyle/>
-          <a:p>
-            <a:pPr algn="l"/>
-            <a:r>
-              <a:rPr lang="en-US" sz="2000" dirty="0" err="1" smtClean="0"/>
-              <a:t>Hapi</a:t>
-            </a:r>
-            <a:r>
-              <a:rPr lang="en-US" sz="2000" dirty="0" smtClean="0"/>
-              <a:t> Validation</a:t>
-            </a:r>
-          </a:p>
-          <a:p>
-            <a:pPr algn="l"/>
-            <a:endParaRPr lang="en-US" sz="2000" dirty="0"/>
-          </a:p>
-          <a:p>
-            <a:pPr algn="l"/>
-            <a:r>
-              <a:rPr lang="en-US" sz="2000" dirty="0" err="1"/>
-              <a:t>server.route</a:t>
-            </a:r>
-            <a:r>
-              <a:rPr lang="en-US" sz="2000" dirty="0"/>
-              <a:t>({</a:t>
-            </a:r>
-          </a:p>
-          <a:p>
-            <a:pPr algn="l"/>
-            <a:r>
-              <a:rPr lang="en-US" sz="2000" dirty="0"/>
-              <a:t>    method: 'GET',</a:t>
-            </a:r>
-          </a:p>
-          <a:p>
-            <a:pPr algn="l"/>
-            <a:r>
-              <a:rPr lang="en-US" sz="2000" dirty="0"/>
-              <a:t>    path: '/hello/{name}',</a:t>
-            </a:r>
-          </a:p>
-          <a:p>
-            <a:pPr algn="l"/>
-            <a:r>
-              <a:rPr lang="en-US" sz="2000" dirty="0"/>
-              <a:t>    handler: function (request, reply) {</a:t>
-            </a:r>
-          </a:p>
-          <a:p>
-            <a:pPr algn="l"/>
-            <a:r>
-              <a:rPr lang="en-US" sz="2000" dirty="0"/>
-              <a:t>        reply('Hello ' + </a:t>
-            </a:r>
-            <a:r>
-              <a:rPr lang="en-US" sz="2000" dirty="0" err="1"/>
-              <a:t>request.params.name</a:t>
-            </a:r>
-            <a:r>
-              <a:rPr lang="en-US" sz="2000" dirty="0"/>
-              <a:t> + '!');</a:t>
-            </a:r>
-          </a:p>
-          <a:p>
-            <a:pPr algn="l"/>
-            <a:r>
-              <a:rPr lang="en-US" sz="2000" dirty="0"/>
-              <a:t>    },</a:t>
-            </a:r>
-          </a:p>
-          <a:p>
-            <a:pPr algn="l"/>
-            <a:r>
-              <a:rPr lang="en-US" sz="2000" dirty="0"/>
-              <a:t>    </a:t>
-            </a:r>
-            <a:r>
-              <a:rPr lang="en-US" sz="2000" dirty="0" err="1"/>
-              <a:t>config</a:t>
-            </a:r>
-            <a:r>
-              <a:rPr lang="en-US" sz="2000" dirty="0"/>
-              <a:t>: {</a:t>
-            </a:r>
-          </a:p>
-          <a:p>
-            <a:pPr algn="l"/>
-            <a:r>
-              <a:rPr lang="en-US" sz="2000" dirty="0"/>
-              <a:t>        validate: {</a:t>
-            </a:r>
-          </a:p>
-          <a:p>
-            <a:pPr algn="l"/>
-            <a:r>
-              <a:rPr lang="en-US" sz="2000" dirty="0"/>
-              <a:t>            </a:t>
-            </a:r>
-            <a:r>
-              <a:rPr lang="en-US" sz="2000" dirty="0" err="1"/>
-              <a:t>params</a:t>
-            </a:r>
-            <a:r>
-              <a:rPr lang="en-US" sz="2000" dirty="0"/>
-              <a:t>: {</a:t>
-            </a:r>
-          </a:p>
-          <a:p>
-            <a:pPr algn="l"/>
-            <a:r>
-              <a:rPr lang="en-US" sz="2000" dirty="0"/>
-              <a:t>                name: </a:t>
-            </a:r>
-            <a:r>
-              <a:rPr lang="en-US" sz="2000" dirty="0" err="1"/>
-              <a:t>Joi.string</a:t>
-            </a:r>
-            <a:r>
-              <a:rPr lang="en-US" sz="2000" dirty="0"/>
-              <a:t>().min(3).max(10)</a:t>
-            </a:r>
-          </a:p>
-          <a:p>
-            <a:pPr algn="l"/>
-            <a:r>
-              <a:rPr lang="en-US" sz="2000" dirty="0"/>
-              <a:t>            }</a:t>
-            </a:r>
-          </a:p>
-          <a:p>
-            <a:pPr algn="l"/>
-            <a:r>
-              <a:rPr lang="en-US" sz="2000" dirty="0"/>
-              <a:t>        }</a:t>
-            </a:r>
-          </a:p>
-          <a:p>
-            <a:pPr algn="l"/>
-            <a:r>
-              <a:rPr lang="en-US" sz="2000" dirty="0"/>
-              <a:t>    }</a:t>
-            </a:r>
-          </a:p>
-          <a:p>
-            <a:pPr algn="l"/>
-            <a:r>
-              <a:rPr lang="en-US" sz="2000" dirty="0"/>
-              <a:t>});</a:t>
-            </a:r>
-            <a:endParaRPr lang="en-US" sz="2000" dirty="0" smtClean="0"/>
-          </a:p>
-        </p:txBody>
-      </p:sp>
-    </p:spTree>
-    <p:extLst>
-      <p:ext uri="{BB962C8B-B14F-4D97-AF65-F5344CB8AC3E}">
-        <p14:creationId xmlns:p14="http://schemas.microsoft.com/office/powerpoint/2010/main" val="1568451686"/>
-      </p:ext>
-    </p:extLst>
-  </p:cSld>
-  <p:clrMapOvr>
-    <a:masterClrMapping/>
-  </p:clrMapOvr>
-  <p:timing>
-    <p:tnLst>
-      <p:par>
-        <p:cTn xmlns:p14="http://schemas.microsoft.com/office/powerpoint/2010/main" id="1" dur="indefinite" restart="never" nodeType="tmRoot"/>
-      </p:par>
-    </p:tnLst>
-  </p:timing>
-</p:sld>
-</file>
-
-<file path=ppt/slides/slide21.xml><?xml version="1.0" encoding="utf-8"?>
-<p:sld xmlns:a="http://schemas.openxmlformats.org/drawingml/2006/main" xmlns:r="http://schemas.openxmlformats.org/officeDocument/2006/relationships" xmlns:p="http://schemas.openxmlformats.org/presentationml/2006/main">
-  <p:cSld>
-    <p:spTree>
-      <p:nvGrpSpPr>
-        <p:cNvPr id="1" name=""/>
-        <p:cNvGrpSpPr/>
-        <p:nvPr/>
-      </p:nvGrpSpPr>
-      <p:grpSpPr>
-        <a:xfrm>
-          <a:off x="0" y="0"/>
-          <a:ext cx="0" cy="0"/>
-          <a:chOff x="0" y="0"/>
-          <a:chExt cx="0" cy="0"/>
-        </a:xfrm>
-      </p:grpSpPr>
-      <p:sp>
-        <p:nvSpPr>
-          <p:cNvPr id="2" name="Title 1"/>
-          <p:cNvSpPr>
-            <a:spLocks noGrp="1"/>
-          </p:cNvSpPr>
-          <p:nvPr>
-            <p:ph type="ctrTitle"/>
-          </p:nvPr>
-        </p:nvSpPr>
-        <p:spPr>
-          <a:xfrm>
-            <a:off x="685800" y="160685"/>
-            <a:ext cx="7772400" cy="1470025"/>
-          </a:xfrm>
-        </p:spPr>
-        <p:txBody>
-          <a:bodyPr/>
-          <a:lstStyle/>
-          <a:p>
-            <a:pPr marL="342900" indent="-342900"/>
-            <a:r>
-              <a:rPr lang="en-US" dirty="0" smtClean="0"/>
-              <a:t>More </a:t>
-            </a:r>
-            <a:r>
-              <a:rPr lang="en-US" dirty="0" err="1" smtClean="0"/>
-              <a:t>Hapi</a:t>
-            </a:r>
-            <a:endParaRPr lang="en-US" dirty="0"/>
-          </a:p>
-        </p:txBody>
-      </p:sp>
-      <p:sp>
-        <p:nvSpPr>
-          <p:cNvPr id="3" name="Subtitle 2"/>
-          <p:cNvSpPr>
-            <a:spLocks noGrp="1"/>
-          </p:cNvSpPr>
-          <p:nvPr>
-            <p:ph type="subTitle" idx="1"/>
-          </p:nvPr>
-        </p:nvSpPr>
-        <p:spPr>
-          <a:xfrm>
-            <a:off x="454651" y="1630710"/>
-            <a:ext cx="8371875" cy="4609893"/>
-          </a:xfrm>
-        </p:spPr>
-        <p:txBody>
-          <a:bodyPr>
-            <a:normAutofit/>
-          </a:bodyPr>
-          <a:lstStyle/>
-          <a:p>
-            <a:pPr algn="l"/>
-            <a:r>
-              <a:rPr lang="en-US" sz="2000" dirty="0" err="1" smtClean="0"/>
-              <a:t>Hapi</a:t>
-            </a:r>
-            <a:r>
-              <a:rPr lang="en-US" sz="2000" dirty="0" smtClean="0"/>
-              <a:t> and Handlebars</a:t>
-            </a:r>
-          </a:p>
-          <a:p>
-            <a:pPr algn="l"/>
-            <a:endParaRPr lang="en-US" sz="2000" dirty="0" smtClean="0"/>
-          </a:p>
-          <a:p>
-            <a:pPr algn="l"/>
-            <a:r>
-              <a:rPr lang="en-US" sz="2000" dirty="0"/>
-              <a:t> </a:t>
-            </a:r>
-            <a:r>
-              <a:rPr lang="en-US" sz="2000" dirty="0" err="1"/>
-              <a:t>server.views</a:t>
-            </a:r>
-            <a:r>
-              <a:rPr lang="en-US" sz="2000" dirty="0"/>
-              <a:t>({</a:t>
-            </a:r>
-          </a:p>
-          <a:p>
-            <a:pPr algn="l"/>
-            <a:r>
-              <a:rPr lang="en-US" sz="2000" dirty="0"/>
-              <a:t>        engines: {</a:t>
-            </a:r>
-          </a:p>
-          <a:p>
-            <a:pPr algn="l"/>
-            <a:r>
-              <a:rPr lang="en-US" sz="2000" dirty="0"/>
-              <a:t>            html: require('handlebars')</a:t>
-            </a:r>
-          </a:p>
-          <a:p>
-            <a:pPr algn="l"/>
-            <a:r>
-              <a:rPr lang="en-US" sz="2000" dirty="0"/>
-              <a:t>        },</a:t>
-            </a:r>
-          </a:p>
-          <a:p>
-            <a:pPr algn="l"/>
-            <a:r>
-              <a:rPr lang="en-US" sz="2000" dirty="0"/>
-              <a:t>        </a:t>
-            </a:r>
-            <a:r>
-              <a:rPr lang="en-US" sz="2000" dirty="0" err="1"/>
-              <a:t>relativeTo</a:t>
-            </a:r>
-            <a:r>
-              <a:rPr lang="en-US" sz="2000" dirty="0"/>
-              <a:t>: __</a:t>
-            </a:r>
-            <a:r>
-              <a:rPr lang="en-US" sz="2000" dirty="0" err="1"/>
-              <a:t>dirname</a:t>
-            </a:r>
-            <a:r>
-              <a:rPr lang="en-US" sz="2000" dirty="0"/>
-              <a:t>,</a:t>
-            </a:r>
-          </a:p>
-          <a:p>
-            <a:pPr algn="l"/>
-            <a:r>
-              <a:rPr lang="en-US" sz="2000" dirty="0"/>
-              <a:t>        path: 'templates'</a:t>
-            </a:r>
-          </a:p>
-          <a:p>
-            <a:pPr algn="l"/>
-            <a:r>
-              <a:rPr lang="en-US" sz="2000" dirty="0"/>
-              <a:t>    });</a:t>
-            </a:r>
-          </a:p>
-        </p:txBody>
-      </p:sp>
-    </p:spTree>
-    <p:extLst>
-      <p:ext uri="{BB962C8B-B14F-4D97-AF65-F5344CB8AC3E}">
-        <p14:creationId xmlns:p14="http://schemas.microsoft.com/office/powerpoint/2010/main" val="2466115169"/>
-      </p:ext>
-    </p:extLst>
-  </p:cSld>
-  <p:clrMapOvr>
-    <a:masterClrMapping/>
-  </p:clrMapOvr>
-  <p:timing>
-    <p:tnLst>
-      <p:par>
-        <p:cTn xmlns:p14="http://schemas.microsoft.com/office/powerpoint/2010/main" id="1" dur="indefinite" restart="never" nodeType="tmRoot"/>
-      </p:par>
-    </p:tnLst>
-  </p:timing>
-</p:sld>
-</file>
-
-<file path=ppt/slides/slide22.xml><?xml version="1.0" encoding="utf-8"?>
-<p:sld xmlns:a="http://schemas.openxmlformats.org/drawingml/2006/main" xmlns:r="http://schemas.openxmlformats.org/officeDocument/2006/relationships" xmlns:p="http://schemas.openxmlformats.org/presentationml/2006/main">
-  <p:cSld>
-    <p:spTree>
-      <p:nvGrpSpPr>
-        <p:cNvPr id="1" name=""/>
-        <p:cNvGrpSpPr/>
-        <p:nvPr/>
-      </p:nvGrpSpPr>
-      <p:grpSpPr>
-        <a:xfrm>
-          <a:off x="0" y="0"/>
-          <a:ext cx="0" cy="0"/>
-          <a:chOff x="0" y="0"/>
-          <a:chExt cx="0" cy="0"/>
-        </a:xfrm>
-      </p:grpSpPr>
-      <p:sp>
-        <p:nvSpPr>
-          <p:cNvPr id="2" name="Title 1"/>
-          <p:cNvSpPr>
-            <a:spLocks noGrp="1"/>
-          </p:cNvSpPr>
-          <p:nvPr>
-            <p:ph type="ctrTitle"/>
-          </p:nvPr>
-        </p:nvSpPr>
-        <p:spPr>
-          <a:xfrm>
-            <a:off x="685800" y="160685"/>
-            <a:ext cx="7772400" cy="1470025"/>
-          </a:xfrm>
-        </p:spPr>
-        <p:txBody>
-          <a:bodyPr/>
-          <a:lstStyle/>
-          <a:p>
-            <a:pPr marL="342900" indent="-342900"/>
-            <a:r>
-              <a:rPr lang="en-US" dirty="0" smtClean="0"/>
-              <a:t>More </a:t>
-            </a:r>
-            <a:r>
-              <a:rPr lang="en-US" dirty="0" err="1" smtClean="0"/>
-              <a:t>Hapi</a:t>
-            </a:r>
-            <a:endParaRPr lang="en-US" dirty="0"/>
-          </a:p>
-        </p:txBody>
-      </p:sp>
-      <p:sp>
-        <p:nvSpPr>
-          <p:cNvPr id="3" name="Subtitle 2"/>
-          <p:cNvSpPr>
-            <a:spLocks noGrp="1"/>
-          </p:cNvSpPr>
-          <p:nvPr>
-            <p:ph type="subTitle" idx="1"/>
-          </p:nvPr>
-        </p:nvSpPr>
-        <p:spPr>
-          <a:xfrm>
-            <a:off x="454651" y="1630710"/>
-            <a:ext cx="8371875" cy="4609893"/>
-          </a:xfrm>
-        </p:spPr>
-        <p:txBody>
-          <a:bodyPr>
-            <a:normAutofit/>
-          </a:bodyPr>
-          <a:lstStyle/>
-          <a:p>
-            <a:pPr algn="l"/>
-            <a:r>
-              <a:rPr lang="en-US" sz="2000" dirty="0" smtClean="0"/>
-              <a:t>Handlebars syntax</a:t>
-            </a:r>
-          </a:p>
-          <a:p>
-            <a:pPr marL="342900" indent="-342900" algn="l">
-              <a:buFont typeface="Arial"/>
-              <a:buChar char="•"/>
-            </a:pPr>
-            <a:r>
-              <a:rPr lang="en-US" sz="2000" dirty="0" smtClean="0"/>
-              <a:t>Built on top of “mustache” </a:t>
-            </a:r>
-          </a:p>
-          <a:p>
-            <a:pPr marL="342900" indent="-342900" algn="l">
-              <a:buFont typeface="Arial"/>
-              <a:buChar char="•"/>
-            </a:pPr>
-            <a:r>
-              <a:rPr lang="en-US" sz="2000" dirty="0" smtClean="0"/>
-              <a:t>Name comes from the resemblance of the curly bracket</a:t>
-            </a:r>
-          </a:p>
-          <a:p>
-            <a:pPr algn="l"/>
-            <a:endParaRPr lang="en-US" sz="2000" dirty="0" smtClean="0"/>
-          </a:p>
-          <a:p>
-            <a:pPr algn="l"/>
-            <a:r>
-              <a:rPr lang="en-US" sz="2000" dirty="0"/>
-              <a:t>&lt;script id="entry-template" type="text/x-handlebars-template"&gt;</a:t>
-            </a:r>
-          </a:p>
-          <a:p>
-            <a:pPr algn="l"/>
-            <a:r>
-              <a:rPr lang="en-US" sz="2000" dirty="0"/>
-              <a:t>  &lt;div class="entry"&gt;</a:t>
-            </a:r>
-          </a:p>
-          <a:p>
-            <a:pPr algn="l"/>
-            <a:r>
-              <a:rPr lang="en-US" sz="2000" dirty="0"/>
-              <a:t>    &lt;h1&gt;{</a:t>
-            </a:r>
-            <a:r>
-              <a:rPr lang="en-US" sz="2000" dirty="0" smtClean="0"/>
-              <a:t>{ title }</a:t>
-            </a:r>
-            <a:r>
-              <a:rPr lang="en-US" sz="2000" dirty="0"/>
-              <a:t>}&lt;/h1&gt;</a:t>
-            </a:r>
-          </a:p>
-          <a:p>
-            <a:pPr algn="l"/>
-            <a:r>
-              <a:rPr lang="en-US" sz="2000" dirty="0"/>
-              <a:t>    &lt;div class="body"&gt;</a:t>
-            </a:r>
-          </a:p>
-          <a:p>
-            <a:pPr algn="l"/>
-            <a:r>
-              <a:rPr lang="en-US" sz="2000" dirty="0"/>
-              <a:t>      </a:t>
-            </a:r>
-            <a:r>
-              <a:rPr lang="en-US" sz="2000" dirty="0" smtClean="0"/>
-              <a:t>{{{ </a:t>
-            </a:r>
-            <a:r>
-              <a:rPr lang="en-US" sz="2000" dirty="0" err="1" smtClean="0"/>
-              <a:t>unescaped_value</a:t>
-            </a:r>
-            <a:r>
-              <a:rPr lang="en-US" sz="2000" dirty="0" smtClean="0"/>
-              <a:t> }}}</a:t>
-            </a:r>
-            <a:endParaRPr lang="en-US" sz="2000" dirty="0"/>
-          </a:p>
-          <a:p>
-            <a:pPr algn="l"/>
-            <a:r>
-              <a:rPr lang="en-US" sz="2000" dirty="0"/>
-              <a:t>    &lt;/div&gt;</a:t>
-            </a:r>
-          </a:p>
-          <a:p>
-            <a:pPr algn="l"/>
-            <a:r>
-              <a:rPr lang="en-US" sz="2000" dirty="0"/>
-              <a:t>  &lt;/div&gt;</a:t>
-            </a:r>
-          </a:p>
-          <a:p>
-            <a:pPr algn="l"/>
-            <a:r>
-              <a:rPr lang="en-US" sz="2000" dirty="0"/>
-              <a:t>&lt;/script&gt;</a:t>
-            </a:r>
-          </a:p>
-        </p:txBody>
-      </p:sp>
-    </p:spTree>
-    <p:extLst>
-      <p:ext uri="{BB962C8B-B14F-4D97-AF65-F5344CB8AC3E}">
-        <p14:creationId xmlns:p14="http://schemas.microsoft.com/office/powerpoint/2010/main" val="2224052983"/>
-      </p:ext>
-    </p:extLst>
-  </p:cSld>
-  <p:clrMapOvr>
-    <a:masterClrMapping/>
-  </p:clrMapOvr>
-  <p:timing>
-    <p:tnLst>
-      <p:par>
-        <p:cTn xmlns:p14="http://schemas.microsoft.com/office/powerpoint/2010/main" id="1" dur="indefinite" restart="never" nodeType="tmRoot"/>
-      </p:par>
-    </p:tnLst>
-  </p:timing>
-</p:sld>
-</file>
-
-<file path=ppt/slides/slide23.xml><?xml version="1.0" encoding="utf-8"?>
-<p:sld xmlns:a="http://schemas.openxmlformats.org/drawingml/2006/main" xmlns:r="http://schemas.openxmlformats.org/officeDocument/2006/relationships" xmlns:p="http://schemas.openxmlformats.org/presentationml/2006/main">
-  <p:cSld>
-    <p:spTree>
-      <p:nvGrpSpPr>
-        <p:cNvPr id="1" name=""/>
-        <p:cNvGrpSpPr/>
-        <p:nvPr/>
-      </p:nvGrpSpPr>
-      <p:grpSpPr>
-        <a:xfrm>
-          <a:off x="0" y="0"/>
-          <a:ext cx="0" cy="0"/>
-          <a:chOff x="0" y="0"/>
-          <a:chExt cx="0" cy="0"/>
-        </a:xfrm>
-      </p:grpSpPr>
-      <p:sp>
-        <p:nvSpPr>
-          <p:cNvPr id="2" name="Title 1"/>
-          <p:cNvSpPr>
-            <a:spLocks noGrp="1"/>
-          </p:cNvSpPr>
-          <p:nvPr>
-            <p:ph type="ctrTitle"/>
-          </p:nvPr>
-        </p:nvSpPr>
-        <p:spPr>
-          <a:xfrm>
-            <a:off x="685800" y="160685"/>
-            <a:ext cx="7772400" cy="1470025"/>
-          </a:xfrm>
-        </p:spPr>
-        <p:txBody>
-          <a:bodyPr/>
-          <a:lstStyle/>
-          <a:p>
-            <a:pPr marL="342900" indent="-342900"/>
-            <a:r>
-              <a:rPr lang="en-US" dirty="0" smtClean="0"/>
-              <a:t>More </a:t>
-            </a:r>
-            <a:r>
-              <a:rPr lang="en-US" dirty="0" err="1" smtClean="0"/>
-              <a:t>Hapi</a:t>
-            </a:r>
-            <a:endParaRPr lang="en-US" dirty="0"/>
-          </a:p>
-        </p:txBody>
-      </p:sp>
-      <p:sp>
-        <p:nvSpPr>
-          <p:cNvPr id="3" name="Subtitle 2"/>
-          <p:cNvSpPr>
-            <a:spLocks noGrp="1"/>
-          </p:cNvSpPr>
-          <p:nvPr>
-            <p:ph type="subTitle" idx="1"/>
-          </p:nvPr>
-        </p:nvSpPr>
-        <p:spPr>
-          <a:xfrm>
-            <a:off x="454651" y="1630710"/>
-            <a:ext cx="8371875" cy="4609893"/>
-          </a:xfrm>
-        </p:spPr>
-        <p:txBody>
-          <a:bodyPr>
-            <a:normAutofit/>
-          </a:bodyPr>
-          <a:lstStyle/>
-          <a:p>
-            <a:pPr algn="l"/>
-            <a:r>
-              <a:rPr lang="en-US" sz="2000" dirty="0" smtClean="0"/>
-              <a:t>Handlebars block expressions</a:t>
-            </a:r>
-          </a:p>
-          <a:p>
-            <a:pPr marL="342900" indent="-342900" algn="l">
-              <a:buFont typeface="Arial"/>
-              <a:buChar char="•"/>
-            </a:pPr>
-            <a:r>
-              <a:rPr lang="en-US" sz="2000" dirty="0" smtClean="0"/>
-              <a:t>Change context within your template</a:t>
-            </a:r>
-          </a:p>
-          <a:p>
-            <a:pPr marL="342900" indent="-342900" algn="l">
-              <a:buFont typeface="Arial"/>
-              <a:buChar char="•"/>
-            </a:pPr>
-            <a:r>
-              <a:rPr lang="en-US" sz="2000" dirty="0" smtClean="0"/>
-              <a:t>Within mustaches, precede the name with #; also use a closing tag </a:t>
-            </a:r>
-          </a:p>
-          <a:p>
-            <a:pPr marL="342900" indent="-342900" algn="l">
-              <a:buFont typeface="Arial"/>
-              <a:buChar char="•"/>
-            </a:pPr>
-            <a:r>
-              <a:rPr lang="en-US" sz="2000" dirty="0"/>
-              <a:t>{</a:t>
-            </a:r>
-            <a:r>
-              <a:rPr lang="en-US" sz="2000" dirty="0" smtClean="0"/>
-              <a:t>{ #</a:t>
-            </a:r>
-            <a:r>
-              <a:rPr lang="en-US" sz="2000" dirty="0"/>
-              <a:t>list </a:t>
-            </a:r>
-            <a:r>
-              <a:rPr lang="en-US" sz="2000" dirty="0" smtClean="0"/>
-              <a:t>people }</a:t>
-            </a:r>
-            <a:r>
-              <a:rPr lang="en-US" sz="2000" dirty="0"/>
-              <a:t>}{</a:t>
-            </a:r>
-            <a:r>
-              <a:rPr lang="en-US" sz="2000" dirty="0" smtClean="0"/>
-              <a:t>{ </a:t>
-            </a:r>
-            <a:r>
-              <a:rPr lang="en-US" sz="2000" dirty="0" err="1" smtClean="0"/>
-              <a:t>firstName</a:t>
-            </a:r>
-            <a:r>
-              <a:rPr lang="en-US" sz="2000" dirty="0" smtClean="0"/>
-              <a:t> }</a:t>
-            </a:r>
-            <a:r>
-              <a:rPr lang="en-US" sz="2000" dirty="0"/>
-              <a:t>} {</a:t>
-            </a:r>
-            <a:r>
-              <a:rPr lang="en-US" sz="2000" dirty="0" smtClean="0"/>
-              <a:t>{ </a:t>
-            </a:r>
-            <a:r>
-              <a:rPr lang="en-US" sz="2000" dirty="0" err="1" smtClean="0"/>
-              <a:t>lastName</a:t>
-            </a:r>
-            <a:r>
-              <a:rPr lang="en-US" sz="2000" dirty="0" smtClean="0"/>
-              <a:t> }</a:t>
-            </a:r>
-            <a:r>
-              <a:rPr lang="en-US" sz="2000" dirty="0"/>
-              <a:t>}{</a:t>
-            </a:r>
-            <a:r>
-              <a:rPr lang="en-US" sz="2000" dirty="0" smtClean="0"/>
-              <a:t>{ /list }}</a:t>
-            </a:r>
-          </a:p>
-          <a:p>
-            <a:pPr marL="342900" indent="-342900" algn="l">
-              <a:buFont typeface="Arial"/>
-              <a:buChar char="•"/>
-            </a:pPr>
-            <a:r>
-              <a:rPr lang="en-US" sz="2000" dirty="0"/>
-              <a:t>Given: </a:t>
-            </a:r>
-            <a:r>
-              <a:rPr lang="en-US" sz="2000" dirty="0" smtClean="0"/>
-              <a:t>{ people</a:t>
-            </a:r>
-            <a:r>
-              <a:rPr lang="en-US" sz="2000" dirty="0"/>
-              <a:t>: </a:t>
-            </a:r>
-            <a:r>
-              <a:rPr lang="en-US" sz="2000" dirty="0" smtClean="0"/>
-              <a:t>[ { </a:t>
-            </a:r>
-            <a:r>
-              <a:rPr lang="en-US" sz="2000" dirty="0" err="1" smtClean="0"/>
-              <a:t>firstName</a:t>
-            </a:r>
-            <a:r>
-              <a:rPr lang="en-US" sz="2000" dirty="0"/>
-              <a:t>: "Yehuda"</a:t>
-            </a:r>
-            <a:r>
-              <a:rPr lang="en-US" sz="2000" dirty="0" smtClean="0"/>
-              <a:t>, </a:t>
-            </a:r>
-            <a:r>
-              <a:rPr lang="en-US" sz="2000" dirty="0" err="1" smtClean="0"/>
-              <a:t>lastName</a:t>
-            </a:r>
-            <a:r>
-              <a:rPr lang="en-US" sz="2000" dirty="0" smtClean="0"/>
-              <a:t>…</a:t>
-            </a:r>
-          </a:p>
-          <a:p>
-            <a:pPr marL="342900" indent="-342900" algn="l">
-              <a:buFont typeface="Arial"/>
-              <a:buChar char="•"/>
-            </a:pPr>
-            <a:r>
-              <a:rPr lang="en-US" sz="2000" dirty="0" err="1"/>
-              <a:t>Handlebars.registerHelper</a:t>
-            </a:r>
-            <a:r>
-              <a:rPr lang="en-US" sz="2000" dirty="0" smtClean="0"/>
-              <a:t>( '</a:t>
-            </a:r>
-            <a:r>
-              <a:rPr lang="en-US" sz="2000" dirty="0"/>
-              <a:t>list', </a:t>
-            </a:r>
-            <a:r>
-              <a:rPr lang="en-US" sz="2000" dirty="0" smtClean="0"/>
-              <a:t>function ( people, options ) { …</a:t>
-            </a:r>
-          </a:p>
-          <a:p>
-            <a:pPr marL="342900" indent="-342900" algn="l">
-              <a:buFont typeface="Arial"/>
-              <a:buChar char="•"/>
-            </a:pPr>
-            <a:r>
-              <a:rPr lang="en-US" sz="2000" dirty="0" smtClean="0"/>
-              <a:t>Output: &lt;</a:t>
-            </a:r>
-            <a:r>
-              <a:rPr lang="en-US" sz="2000" dirty="0" err="1" smtClean="0"/>
-              <a:t>ul</a:t>
-            </a:r>
-            <a:r>
-              <a:rPr lang="en-US" sz="2000" dirty="0" smtClean="0"/>
-              <a:t>&gt;&lt;li&gt;Yehuda Katz&lt;/li&gt;&lt;li&gt;Carl…</a:t>
-            </a:r>
-          </a:p>
-          <a:p>
-            <a:pPr marL="342900" indent="-342900" algn="l">
-              <a:buFont typeface="Arial"/>
-              <a:buChar char="•"/>
-            </a:pPr>
-            <a:r>
-              <a:rPr lang="en-US" sz="2000" dirty="0" smtClean="0"/>
-              <a:t>Built-ins:</a:t>
-            </a:r>
-          </a:p>
-          <a:p>
-            <a:pPr marL="800100" lvl="1" indent="-342900" algn="l">
-              <a:buFont typeface="Arial"/>
-              <a:buChar char="•"/>
-            </a:pPr>
-            <a:r>
-              <a:rPr lang="en-US" sz="1600" dirty="0" smtClean="0"/>
-              <a:t>#if (note: 'else’ does not use # prefix)</a:t>
-            </a:r>
-          </a:p>
-          <a:p>
-            <a:pPr marL="800100" lvl="1" indent="-342900" algn="l">
-              <a:buFont typeface="Arial"/>
-              <a:buChar char="•"/>
-            </a:pPr>
-            <a:r>
-              <a:rPr lang="en-US" sz="1600" dirty="0" smtClean="0"/>
-              <a:t>#each</a:t>
-            </a:r>
-          </a:p>
-          <a:p>
-            <a:pPr marL="800100" lvl="1" indent="-342900" algn="l">
-              <a:buFont typeface="Arial"/>
-              <a:buChar char="•"/>
-            </a:pPr>
-            <a:r>
-              <a:rPr lang="en-US" sz="1600" dirty="0" smtClean="0"/>
-              <a:t>#with (pass an arbitrary value)</a:t>
-            </a:r>
-          </a:p>
-        </p:txBody>
-      </p:sp>
-    </p:spTree>
-    <p:extLst>
-      <p:ext uri="{BB962C8B-B14F-4D97-AF65-F5344CB8AC3E}">
-        <p14:creationId xmlns:p14="http://schemas.microsoft.com/office/powerpoint/2010/main" val="496639867"/>
-      </p:ext>
-    </p:extLst>
-  </p:cSld>
-  <p:clrMapOvr>
-    <a:masterClrMapping/>
-  </p:clrMapOvr>
-  <p:timing>
-    <p:tnLst>
-      <p:par>
-        <p:cTn xmlns:p14="http://schemas.microsoft.com/office/powerpoint/2010/main" id="1" dur="indefinite" restart="never" nodeType="tmRoot"/>
-      </p:par>
-    </p:tnLst>
-  </p:timing>
-</p:sld>
-</file>
-
-<file path=ppt/slides/slide24.xml><?xml version="1.0" encoding="utf-8"?>
-<p:sld xmlns:a="http://schemas.openxmlformats.org/drawingml/2006/main" xmlns:r="http://schemas.openxmlformats.org/officeDocument/2006/relationships" xmlns:p="http://schemas.openxmlformats.org/presentationml/2006/main">
-  <p:cSld>
-    <p:spTree>
-      <p:nvGrpSpPr>
-        <p:cNvPr id="1" name=""/>
-        <p:cNvGrpSpPr/>
-        <p:nvPr/>
-      </p:nvGrpSpPr>
-      <p:grpSpPr>
-        <a:xfrm>
-          <a:off x="0" y="0"/>
-          <a:ext cx="0" cy="0"/>
-          <a:chOff x="0" y="0"/>
-          <a:chExt cx="0" cy="0"/>
-        </a:xfrm>
-      </p:grpSpPr>
-      <p:sp>
-        <p:nvSpPr>
-          <p:cNvPr id="2" name="Title 1"/>
-          <p:cNvSpPr>
-            <a:spLocks noGrp="1"/>
-          </p:cNvSpPr>
-          <p:nvPr>
-            <p:ph type="ctrTitle"/>
-          </p:nvPr>
-        </p:nvSpPr>
-        <p:spPr>
-          <a:xfrm>
-            <a:off x="685800" y="160685"/>
-            <a:ext cx="7772400" cy="1470025"/>
-          </a:xfrm>
-        </p:spPr>
-        <p:txBody>
-          <a:bodyPr/>
-          <a:lstStyle/>
-          <a:p>
-            <a:pPr marL="342900" indent="-342900"/>
-            <a:r>
-              <a:rPr lang="en-US" dirty="0" smtClean="0"/>
-              <a:t>More </a:t>
-            </a:r>
-            <a:r>
-              <a:rPr lang="en-US" dirty="0" err="1" smtClean="0"/>
-              <a:t>Hapi</a:t>
-            </a:r>
-            <a:endParaRPr lang="en-US" dirty="0"/>
-          </a:p>
-        </p:txBody>
-      </p:sp>
-      <p:sp>
-        <p:nvSpPr>
-          <p:cNvPr id="3" name="Subtitle 2"/>
-          <p:cNvSpPr>
-            <a:spLocks noGrp="1"/>
-          </p:cNvSpPr>
-          <p:nvPr>
-            <p:ph type="subTitle" idx="1"/>
-          </p:nvPr>
-        </p:nvSpPr>
-        <p:spPr>
-          <a:xfrm>
-            <a:off x="454651" y="1630710"/>
-            <a:ext cx="8371875" cy="4609893"/>
-          </a:xfrm>
-        </p:spPr>
-        <p:txBody>
-          <a:bodyPr>
-            <a:normAutofit/>
-          </a:bodyPr>
-          <a:lstStyle/>
-          <a:p>
-            <a:pPr algn="l"/>
-            <a:r>
-              <a:rPr lang="en-US" sz="2000" dirty="0" smtClean="0"/>
-              <a:t>Handlebars paths</a:t>
-            </a:r>
-          </a:p>
-          <a:p>
-            <a:pPr algn="l"/>
-            <a:endParaRPr lang="en-US" sz="2000" dirty="0"/>
-          </a:p>
-          <a:p>
-            <a:pPr algn="l"/>
-            <a:r>
-              <a:rPr lang="en-US" sz="2000" dirty="0"/>
-              <a:t> {</a:t>
-            </a:r>
-            <a:r>
-              <a:rPr lang="en-US" sz="2000" dirty="0" smtClean="0"/>
-              <a:t>{ #</a:t>
-            </a:r>
-            <a:r>
-              <a:rPr lang="en-US" sz="2000" dirty="0"/>
-              <a:t>each </a:t>
-            </a:r>
-            <a:r>
-              <a:rPr lang="en-US" sz="2000" dirty="0" smtClean="0"/>
-              <a:t>comments }</a:t>
-            </a:r>
-            <a:r>
-              <a:rPr lang="en-US" sz="2000" dirty="0"/>
-              <a:t>}</a:t>
-            </a:r>
-          </a:p>
-          <a:p>
-            <a:pPr algn="l"/>
-            <a:r>
-              <a:rPr lang="en-US" sz="2000" dirty="0" smtClean="0"/>
-              <a:t>    </a:t>
-            </a:r>
-            <a:r>
-              <a:rPr lang="en-US" sz="2000" dirty="0"/>
-              <a:t>&lt;h2</a:t>
-            </a:r>
-            <a:r>
-              <a:rPr lang="en-US" sz="2000" dirty="0" smtClean="0"/>
-              <a:t>&gt;</a:t>
-            </a:r>
-          </a:p>
-          <a:p>
-            <a:pPr algn="l"/>
-            <a:r>
-              <a:rPr lang="en-US" sz="2000" dirty="0" smtClean="0"/>
-              <a:t>      &lt;</a:t>
-            </a:r>
-            <a:r>
-              <a:rPr lang="en-US" sz="2000" dirty="0"/>
-              <a:t>a </a:t>
-            </a:r>
-            <a:r>
-              <a:rPr lang="en-US" sz="2000" dirty="0" err="1"/>
-              <a:t>href</a:t>
-            </a:r>
-            <a:r>
-              <a:rPr lang="en-US" sz="2000" dirty="0"/>
-              <a:t>="/posts/{</a:t>
-            </a:r>
-            <a:r>
-              <a:rPr lang="en-US" sz="2000" dirty="0" smtClean="0"/>
-              <a:t>{ .</a:t>
-            </a:r>
-            <a:r>
-              <a:rPr lang="en-US" sz="2000" dirty="0"/>
-              <a:t>./</a:t>
-            </a:r>
-            <a:r>
-              <a:rPr lang="en-US" sz="2000" dirty="0" smtClean="0"/>
-              <a:t>permalink }</a:t>
-            </a:r>
-            <a:r>
-              <a:rPr lang="en-US" sz="2000" dirty="0"/>
-              <a:t>}#{</a:t>
-            </a:r>
-            <a:r>
-              <a:rPr lang="en-US" sz="2000" dirty="0" smtClean="0"/>
-              <a:t>{ id }</a:t>
-            </a:r>
-            <a:r>
-              <a:rPr lang="en-US" sz="2000" dirty="0"/>
-              <a:t>}"</a:t>
-            </a:r>
-            <a:r>
-              <a:rPr lang="en-US" sz="2000" dirty="0" smtClean="0"/>
-              <a:t>&gt;</a:t>
-            </a:r>
-          </a:p>
-          <a:p>
-            <a:pPr algn="l"/>
-            <a:r>
-              <a:rPr lang="en-US" sz="2000" dirty="0"/>
-              <a:t> </a:t>
-            </a:r>
-            <a:r>
-              <a:rPr lang="en-US" sz="2000" dirty="0" smtClean="0"/>
-              <a:t>       {{ title }}</a:t>
-            </a:r>
-          </a:p>
-          <a:p>
-            <a:pPr algn="l"/>
-            <a:r>
-              <a:rPr lang="en-US" sz="2000" dirty="0"/>
-              <a:t> </a:t>
-            </a:r>
-            <a:r>
-              <a:rPr lang="en-US" sz="2000" dirty="0" smtClean="0"/>
-              <a:t>     &lt;</a:t>
-            </a:r>
-            <a:r>
-              <a:rPr lang="en-US" sz="2000" dirty="0"/>
-              <a:t>/a</a:t>
-            </a:r>
-            <a:r>
-              <a:rPr lang="en-US" sz="2000" dirty="0" smtClean="0"/>
-              <a:t>&gt;</a:t>
-            </a:r>
-          </a:p>
-          <a:p>
-            <a:pPr algn="l"/>
-            <a:r>
-              <a:rPr lang="en-US" sz="2000" dirty="0"/>
-              <a:t> </a:t>
-            </a:r>
-            <a:r>
-              <a:rPr lang="en-US" sz="2000" dirty="0" smtClean="0"/>
-              <a:t>   &lt;</a:t>
-            </a:r>
-            <a:r>
-              <a:rPr lang="en-US" sz="2000" dirty="0"/>
-              <a:t>/h2&gt;</a:t>
-            </a:r>
-          </a:p>
-          <a:p>
-            <a:pPr algn="l"/>
-            <a:r>
-              <a:rPr lang="en-US" sz="2000" dirty="0"/>
-              <a:t>  </a:t>
-            </a:r>
-            <a:r>
-              <a:rPr lang="en-US" sz="2000" dirty="0" smtClean="0"/>
-              <a:t>  &lt;span&gt;</a:t>
-            </a:r>
-            <a:r>
-              <a:rPr lang="en-US" sz="2000" dirty="0"/>
-              <a:t>{</a:t>
-            </a:r>
-            <a:r>
-              <a:rPr lang="en-US" sz="2000" dirty="0" smtClean="0"/>
-              <a:t>{ </a:t>
-            </a:r>
-            <a:r>
-              <a:rPr lang="en-US" sz="2000" dirty="0" err="1" smtClean="0"/>
-              <a:t>title.length</a:t>
-            </a:r>
-            <a:r>
-              <a:rPr lang="en-US" sz="2000" dirty="0" smtClean="0"/>
-              <a:t> }</a:t>
-            </a:r>
-            <a:r>
-              <a:rPr lang="en-US" sz="2000" dirty="0"/>
-              <a:t>}&lt;</a:t>
-            </a:r>
-            <a:r>
-              <a:rPr lang="en-US" sz="2000" dirty="0" smtClean="0"/>
-              <a:t>/span&gt;</a:t>
-            </a:r>
-            <a:endParaRPr lang="en-US" sz="2000" dirty="0"/>
-          </a:p>
-          <a:p>
-            <a:pPr algn="l"/>
-            <a:r>
-              <a:rPr lang="en-US" sz="2000" dirty="0"/>
-              <a:t>  {</a:t>
-            </a:r>
-            <a:r>
-              <a:rPr lang="en-US" sz="2000" dirty="0" smtClean="0"/>
-              <a:t>{ /each }</a:t>
-            </a:r>
-            <a:r>
-              <a:rPr lang="en-US" sz="2000" dirty="0"/>
-              <a:t>}</a:t>
-            </a:r>
-            <a:endParaRPr lang="en-US" sz="2000" dirty="0" smtClean="0"/>
-          </a:p>
-        </p:txBody>
-      </p:sp>
-    </p:spTree>
-    <p:extLst>
-      <p:ext uri="{BB962C8B-B14F-4D97-AF65-F5344CB8AC3E}">
-        <p14:creationId xmlns:p14="http://schemas.microsoft.com/office/powerpoint/2010/main" val="3617538757"/>
-      </p:ext>
-    </p:extLst>
-  </p:cSld>
-  <p:clrMapOvr>
-    <a:masterClrMapping/>
-  </p:clrMapOvr>
-  <p:timing>
-    <p:tnLst>
-      <p:par>
-        <p:cTn xmlns:p14="http://schemas.microsoft.com/office/powerpoint/2010/main" id="1" dur="indefinite" restart="never" nodeType="tmRoot"/>
-      </p:par>
-    </p:tnLst>
-  </p:timing>
-</p:sld>
-</file>
-
-<file path=ppt/slides/slide25.xml><?xml version="1.0" encoding="utf-8"?>
-<p:sld xmlns:a="http://schemas.openxmlformats.org/drawingml/2006/main" xmlns:r="http://schemas.openxmlformats.org/officeDocument/2006/relationships" xmlns:p="http://schemas.openxmlformats.org/presentationml/2006/main">
-  <p:cSld>
-    <p:spTree>
-      <p:nvGrpSpPr>
-        <p:cNvPr id="1" name=""/>
-        <p:cNvGrpSpPr/>
-        <p:nvPr/>
-      </p:nvGrpSpPr>
-      <p:grpSpPr>
-        <a:xfrm>
-          <a:off x="0" y="0"/>
-          <a:ext cx="0" cy="0"/>
-          <a:chOff x="0" y="0"/>
-          <a:chExt cx="0" cy="0"/>
-        </a:xfrm>
-      </p:grpSpPr>
-      <p:sp>
-        <p:nvSpPr>
-          <p:cNvPr id="2" name="Title 1"/>
-          <p:cNvSpPr>
-            <a:spLocks noGrp="1"/>
-          </p:cNvSpPr>
-          <p:nvPr>
-            <p:ph type="ctrTitle"/>
-          </p:nvPr>
-        </p:nvSpPr>
-        <p:spPr>
-          <a:xfrm>
-            <a:off x="685800" y="160685"/>
-            <a:ext cx="7772400" cy="1470025"/>
-          </a:xfrm>
-        </p:spPr>
-        <p:txBody>
-          <a:bodyPr/>
-          <a:lstStyle/>
-          <a:p>
-            <a:pPr marL="342900" indent="-342900"/>
-            <a:r>
-              <a:rPr lang="en-US" dirty="0" smtClean="0"/>
-              <a:t>More </a:t>
-            </a:r>
-            <a:r>
-              <a:rPr lang="en-US" dirty="0" err="1" smtClean="0"/>
-              <a:t>Hapi</a:t>
-            </a:r>
-            <a:endParaRPr lang="en-US" dirty="0"/>
-          </a:p>
-        </p:txBody>
-      </p:sp>
-      <p:sp>
-        <p:nvSpPr>
-          <p:cNvPr id="3" name="Subtitle 2"/>
-          <p:cNvSpPr>
-            <a:spLocks noGrp="1"/>
-          </p:cNvSpPr>
-          <p:nvPr>
-            <p:ph type="subTitle" idx="1"/>
-          </p:nvPr>
-        </p:nvSpPr>
-        <p:spPr>
-          <a:xfrm>
-            <a:off x="454651" y="1630710"/>
-            <a:ext cx="8371875" cy="4609893"/>
-          </a:xfrm>
-        </p:spPr>
-        <p:txBody>
-          <a:bodyPr>
-            <a:normAutofit/>
-          </a:bodyPr>
-          <a:lstStyle/>
-          <a:p>
-            <a:pPr algn="l"/>
-            <a:r>
-              <a:rPr lang="en-US" sz="2000" dirty="0" smtClean="0"/>
-              <a:t>What are Services?</a:t>
-            </a:r>
-          </a:p>
-          <a:p>
-            <a:pPr marL="342900" indent="-342900" algn="l">
-              <a:buFont typeface="Arial"/>
-              <a:buChar char="•"/>
-            </a:pPr>
-            <a:r>
-              <a:rPr lang="en-US" sz="2000" dirty="0"/>
-              <a:t>A</a:t>
-            </a:r>
-            <a:r>
-              <a:rPr lang="en-US" sz="2000" dirty="0" smtClean="0"/>
-              <a:t> package of reusable functionality…</a:t>
-            </a:r>
-          </a:p>
-          <a:p>
-            <a:pPr marL="342900" indent="-342900" algn="l">
-              <a:buFont typeface="Arial"/>
-              <a:buChar char="•"/>
-            </a:pPr>
-            <a:r>
-              <a:rPr lang="en-US" sz="2000" dirty="0" smtClean="0"/>
-              <a:t>together </a:t>
-            </a:r>
-            <a:r>
-              <a:rPr lang="en-US" sz="2000" dirty="0"/>
-              <a:t>with the policies that should control its </a:t>
-            </a:r>
-            <a:r>
-              <a:rPr lang="en-US" sz="2000" dirty="0" smtClean="0"/>
-              <a:t>usage</a:t>
-            </a:r>
-          </a:p>
-          <a:p>
-            <a:pPr marL="342900" indent="-342900" algn="l">
-              <a:buFont typeface="Arial"/>
-              <a:buChar char="•"/>
-            </a:pPr>
-            <a:endParaRPr lang="en-US" sz="2000" dirty="0"/>
-          </a:p>
-          <a:p>
-            <a:pPr algn="l"/>
-            <a:r>
-              <a:rPr lang="en-US" sz="2000" dirty="0" err="1" smtClean="0"/>
-              <a:t>Hapi</a:t>
-            </a:r>
-            <a:r>
-              <a:rPr lang="en-US" sz="2000" dirty="0" smtClean="0"/>
-              <a:t> Services</a:t>
-            </a:r>
-          </a:p>
-          <a:p>
-            <a:pPr marL="342900" indent="-342900" algn="l">
-              <a:buFont typeface="Arial"/>
-              <a:buChar char="•"/>
-            </a:pPr>
-            <a:r>
-              <a:rPr lang="en-US" sz="2000" dirty="0" smtClean="0"/>
-              <a:t>An API to register user-defined functions on the </a:t>
-            </a:r>
-            <a:r>
-              <a:rPr lang="en-US" sz="2000" dirty="0"/>
-              <a:t>server object </a:t>
-            </a:r>
-            <a:endParaRPr lang="en-US" sz="2000" dirty="0" smtClean="0"/>
-          </a:p>
-          <a:p>
-            <a:pPr marL="342900" indent="-342900" algn="l">
-              <a:buFont typeface="Arial"/>
-              <a:buChar char="•"/>
-            </a:pPr>
-            <a:r>
-              <a:rPr lang="en-US" sz="2000" dirty="0" smtClean="0"/>
-              <a:t>Handles errors</a:t>
-            </a:r>
-          </a:p>
-          <a:p>
-            <a:pPr marL="342900" indent="-342900" algn="l">
-              <a:buFont typeface="Arial"/>
-              <a:buChar char="•"/>
-            </a:pPr>
-            <a:r>
-              <a:rPr lang="en-US" sz="2000" dirty="0" smtClean="0"/>
-              <a:t>Handles caching</a:t>
-            </a:r>
-          </a:p>
-          <a:p>
-            <a:pPr marL="342900" indent="-342900" algn="l">
-              <a:buFont typeface="Arial"/>
-              <a:buChar char="•"/>
-            </a:pPr>
-            <a:r>
-              <a:rPr lang="en-US" sz="2000" dirty="0" smtClean="0"/>
-              <a:t>Provides binding</a:t>
-            </a:r>
-          </a:p>
-          <a:p>
-            <a:pPr marL="342900" indent="-342900" algn="l">
-              <a:buFont typeface="Arial"/>
-              <a:buChar char="•"/>
-            </a:pPr>
-            <a:endParaRPr lang="en-US" sz="2000" dirty="0" smtClean="0"/>
-          </a:p>
-        </p:txBody>
-      </p:sp>
-    </p:spTree>
-    <p:extLst>
-      <p:ext uri="{BB962C8B-B14F-4D97-AF65-F5344CB8AC3E}">
-        <p14:creationId xmlns:p14="http://schemas.microsoft.com/office/powerpoint/2010/main" val="1140375036"/>
-      </p:ext>
-    </p:extLst>
-  </p:cSld>
-  <p:clrMapOvr>
-    <a:masterClrMapping/>
-  </p:clrMapOvr>
-  <p:timing>
-    <p:tnLst>
-      <p:par>
-        <p:cTn xmlns:p14="http://schemas.microsoft.com/office/powerpoint/2010/main" id="1" dur="indefinite" restart="never" nodeType="tmRoot"/>
-      </p:par>
-    </p:tnLst>
-  </p:timing>
-</p:sld>
-</file>
-
-<file path=ppt/slides/slide26.xml><?xml version="1.0" encoding="utf-8"?>
-<p:sld xmlns:a="http://schemas.openxmlformats.org/drawingml/2006/main" xmlns:r="http://schemas.openxmlformats.org/officeDocument/2006/relationships" xmlns:p="http://schemas.openxmlformats.org/presentationml/2006/main">
-  <p:cSld>
-    <p:spTree>
-      <p:nvGrpSpPr>
-        <p:cNvPr id="1" name=""/>
-        <p:cNvGrpSpPr/>
-        <p:nvPr/>
-      </p:nvGrpSpPr>
-      <p:grpSpPr>
-        <a:xfrm>
-          <a:off x="0" y="0"/>
-          <a:ext cx="0" cy="0"/>
-          <a:chOff x="0" y="0"/>
-          <a:chExt cx="0" cy="0"/>
-        </a:xfrm>
-      </p:grpSpPr>
-      <p:sp>
-        <p:nvSpPr>
-          <p:cNvPr id="2" name="Title 1"/>
-          <p:cNvSpPr>
-            <a:spLocks noGrp="1"/>
-          </p:cNvSpPr>
-          <p:nvPr>
-            <p:ph type="ctrTitle"/>
-          </p:nvPr>
-        </p:nvSpPr>
-        <p:spPr>
-          <a:xfrm>
-            <a:off x="685800" y="160685"/>
-            <a:ext cx="7772400" cy="1470025"/>
-          </a:xfrm>
-        </p:spPr>
-        <p:txBody>
-          <a:bodyPr/>
-          <a:lstStyle/>
-          <a:p>
-            <a:pPr marL="342900" indent="-342900"/>
-            <a:r>
-              <a:rPr lang="en-US" dirty="0" smtClean="0"/>
-              <a:t>More </a:t>
-            </a:r>
-            <a:r>
-              <a:rPr lang="en-US" dirty="0" err="1" smtClean="0"/>
-              <a:t>Hapi</a:t>
-            </a:r>
-            <a:endParaRPr lang="en-US" dirty="0"/>
-          </a:p>
-        </p:txBody>
-      </p:sp>
-      <p:sp>
-        <p:nvSpPr>
-          <p:cNvPr id="3" name="Subtitle 2"/>
-          <p:cNvSpPr>
-            <a:spLocks noGrp="1"/>
-          </p:cNvSpPr>
-          <p:nvPr>
-            <p:ph type="subTitle" idx="1"/>
-          </p:nvPr>
-        </p:nvSpPr>
-        <p:spPr>
-          <a:xfrm>
-            <a:off x="454651" y="1630710"/>
-            <a:ext cx="8371875" cy="4609893"/>
-          </a:xfrm>
-        </p:spPr>
-        <p:txBody>
-          <a:bodyPr>
-            <a:normAutofit fontScale="92500" lnSpcReduction="20000"/>
-          </a:bodyPr>
-          <a:lstStyle/>
-          <a:p>
-            <a:pPr algn="l"/>
-            <a:r>
-              <a:rPr lang="en-US" sz="2000" dirty="0" smtClean="0"/>
-              <a:t>Simple Service</a:t>
-            </a:r>
-          </a:p>
-          <a:p>
-            <a:pPr algn="l"/>
-            <a:endParaRPr lang="en-US" sz="2000" dirty="0"/>
-          </a:p>
-          <a:p>
-            <a:pPr algn="l"/>
-            <a:r>
-              <a:rPr lang="en-US" sz="2000" dirty="0" err="1" smtClean="0"/>
-              <a:t>var</a:t>
-            </a:r>
-            <a:r>
-              <a:rPr lang="en-US" sz="2000" dirty="0" smtClean="0"/>
-              <a:t> add </a:t>
-            </a:r>
-            <a:r>
-              <a:rPr lang="en-US" sz="2000" dirty="0"/>
-              <a:t>= function </a:t>
-            </a:r>
-            <a:r>
-              <a:rPr lang="en-US" sz="2000" dirty="0" smtClean="0"/>
-              <a:t>(x, y, next) {</a:t>
-            </a:r>
-          </a:p>
-          <a:p>
-            <a:pPr algn="l"/>
-            <a:r>
-              <a:rPr lang="en-US" sz="2000" dirty="0"/>
-              <a:t> </a:t>
-            </a:r>
-            <a:r>
-              <a:rPr lang="en-US" sz="2000" dirty="0" smtClean="0"/>
-              <a:t> </a:t>
-            </a:r>
-            <a:r>
-              <a:rPr lang="en-US" sz="2000" dirty="0" err="1" smtClean="0"/>
-              <a:t>var</a:t>
-            </a:r>
-            <a:r>
-              <a:rPr lang="en-US" sz="2000" dirty="0" smtClean="0"/>
-              <a:t> result, error = null;</a:t>
-            </a:r>
-          </a:p>
-          <a:p>
-            <a:pPr algn="l"/>
-            <a:r>
-              <a:rPr lang="en-US" sz="2000" dirty="0"/>
-              <a:t> </a:t>
-            </a:r>
-            <a:r>
-              <a:rPr lang="en-US" sz="2000" dirty="0" smtClean="0"/>
-              <a:t> try {</a:t>
-            </a:r>
-          </a:p>
-          <a:p>
-            <a:pPr algn="l"/>
-            <a:r>
-              <a:rPr lang="en-US" sz="2000" dirty="0"/>
-              <a:t> </a:t>
-            </a:r>
-            <a:r>
-              <a:rPr lang="en-US" sz="2000" dirty="0" smtClean="0"/>
-              <a:t>   result = x + y;</a:t>
-            </a:r>
-          </a:p>
-          <a:p>
-            <a:pPr algn="l"/>
-            <a:r>
-              <a:rPr lang="en-US" sz="2000" dirty="0"/>
-              <a:t> </a:t>
-            </a:r>
-            <a:r>
-              <a:rPr lang="en-US" sz="2000" dirty="0" smtClean="0"/>
-              <a:t> } catch (e) {</a:t>
-            </a:r>
-          </a:p>
-          <a:p>
-            <a:pPr algn="l"/>
-            <a:r>
-              <a:rPr lang="en-US" sz="2000" dirty="0"/>
-              <a:t> </a:t>
-            </a:r>
-            <a:r>
-              <a:rPr lang="en-US" sz="2000" dirty="0" smtClean="0"/>
-              <a:t>   error = e;</a:t>
-            </a:r>
-          </a:p>
-          <a:p>
-            <a:pPr algn="l"/>
-            <a:r>
-              <a:rPr lang="en-US" sz="2000" dirty="0"/>
-              <a:t> </a:t>
-            </a:r>
-            <a:r>
-              <a:rPr lang="en-US" sz="2000" dirty="0" smtClean="0"/>
-              <a:t> }</a:t>
-            </a:r>
-          </a:p>
-          <a:p>
-            <a:pPr algn="l"/>
-            <a:endParaRPr lang="en-US" sz="2000" dirty="0" smtClean="0"/>
-          </a:p>
-          <a:p>
-            <a:pPr algn="l"/>
-            <a:r>
-              <a:rPr lang="en-US" sz="2000" dirty="0"/>
-              <a:t> </a:t>
-            </a:r>
-            <a:r>
-              <a:rPr lang="en-US" sz="2000" dirty="0" smtClean="0"/>
-              <a:t> // 'next' callback must be used, first </a:t>
-            </a:r>
-            <a:r>
-              <a:rPr lang="en-US" sz="2000" dirty="0" err="1" smtClean="0"/>
-              <a:t>arg</a:t>
-            </a:r>
-            <a:r>
-              <a:rPr lang="en-US" sz="2000" dirty="0" smtClean="0"/>
-              <a:t> must be error value</a:t>
-            </a:r>
-          </a:p>
-          <a:p>
-            <a:pPr algn="l"/>
-            <a:r>
-              <a:rPr lang="en-US" sz="2000" dirty="0"/>
-              <a:t> </a:t>
-            </a:r>
-            <a:r>
-              <a:rPr lang="en-US" sz="2000" dirty="0" smtClean="0"/>
-              <a:t> next(error, result);</a:t>
-            </a:r>
-          </a:p>
-          <a:p>
-            <a:pPr algn="l"/>
-            <a:r>
-              <a:rPr lang="en-US" sz="2000" dirty="0" smtClean="0"/>
-              <a:t>}</a:t>
-            </a:r>
-            <a:r>
-              <a:rPr lang="en-US" sz="2000" dirty="0"/>
-              <a:t>;</a:t>
-            </a:r>
-          </a:p>
-          <a:p>
-            <a:pPr algn="l"/>
-            <a:endParaRPr lang="en-US" sz="2000" dirty="0"/>
-          </a:p>
-          <a:p>
-            <a:pPr algn="l"/>
-            <a:r>
-              <a:rPr lang="en-US" sz="2000" dirty="0" err="1"/>
-              <a:t>server.method</a:t>
-            </a:r>
-            <a:r>
-              <a:rPr lang="en-US" sz="2000" dirty="0"/>
-              <a:t>('add', add, {});</a:t>
-            </a:r>
-            <a:endParaRPr lang="en-US" sz="2000" dirty="0" smtClean="0"/>
-          </a:p>
-        </p:txBody>
-      </p:sp>
-    </p:spTree>
-    <p:extLst>
-      <p:ext uri="{BB962C8B-B14F-4D97-AF65-F5344CB8AC3E}">
-        <p14:creationId xmlns:p14="http://schemas.microsoft.com/office/powerpoint/2010/main" val="85279612"/>
-      </p:ext>
-    </p:extLst>
-  </p:cSld>
-  <p:clrMapOvr>
-    <a:masterClrMapping/>
-  </p:clrMapOvr>
-  <p:timing>
-    <p:tnLst>
-      <p:par>
-        <p:cTn xmlns:p14="http://schemas.microsoft.com/office/powerpoint/2010/main" id="1" dur="indefinite" restart="never" nodeType="tmRoot"/>
-      </p:par>
-    </p:tnLst>
-  </p:timing>
-</p:sld>
-</file>
-
-<file path=ppt/slides/slide27.xml><?xml version="1.0" encoding="utf-8"?>
-<p:sld xmlns:a="http://schemas.openxmlformats.org/drawingml/2006/main" xmlns:r="http://schemas.openxmlformats.org/officeDocument/2006/relationships" xmlns:p="http://schemas.openxmlformats.org/presentationml/2006/main">
-  <p:cSld>
-    <p:spTree>
-      <p:nvGrpSpPr>
-        <p:cNvPr id="1" name=""/>
-        <p:cNvGrpSpPr/>
-        <p:nvPr/>
-      </p:nvGrpSpPr>
-      <p:grpSpPr>
-        <a:xfrm>
-          <a:off x="0" y="0"/>
-          <a:ext cx="0" cy="0"/>
-          <a:chOff x="0" y="0"/>
-          <a:chExt cx="0" cy="0"/>
-        </a:xfrm>
-      </p:grpSpPr>
-      <p:sp>
-        <p:nvSpPr>
-          <p:cNvPr id="2" name="Title 1"/>
-          <p:cNvSpPr>
-            <a:spLocks noGrp="1"/>
-          </p:cNvSpPr>
-          <p:nvPr>
-            <p:ph type="ctrTitle"/>
-          </p:nvPr>
-        </p:nvSpPr>
-        <p:spPr>
-          <a:xfrm>
-            <a:off x="685800" y="160685"/>
-            <a:ext cx="7772400" cy="1470025"/>
-          </a:xfrm>
-        </p:spPr>
-        <p:txBody>
-          <a:bodyPr/>
-          <a:lstStyle/>
-          <a:p>
-            <a:pPr marL="342900" indent="-342900"/>
-            <a:r>
-              <a:rPr lang="en-US" dirty="0" smtClean="0"/>
-              <a:t>More </a:t>
-            </a:r>
-            <a:r>
-              <a:rPr lang="en-US" dirty="0" err="1" smtClean="0"/>
-              <a:t>Hapi</a:t>
-            </a:r>
-            <a:endParaRPr lang="en-US" dirty="0"/>
-          </a:p>
-        </p:txBody>
-      </p:sp>
-      <p:sp>
-        <p:nvSpPr>
-          <p:cNvPr id="3" name="Subtitle 2"/>
-          <p:cNvSpPr>
-            <a:spLocks noGrp="1"/>
-          </p:cNvSpPr>
-          <p:nvPr>
-            <p:ph type="subTitle" idx="1"/>
-          </p:nvPr>
-        </p:nvSpPr>
-        <p:spPr>
-          <a:xfrm>
-            <a:off x="454651" y="1630710"/>
-            <a:ext cx="8371875" cy="4609893"/>
-          </a:xfrm>
-        </p:spPr>
-        <p:txBody>
-          <a:bodyPr>
-            <a:normAutofit/>
-          </a:bodyPr>
-          <a:lstStyle/>
-          <a:p>
-            <a:pPr algn="l"/>
-            <a:r>
-              <a:rPr lang="en-US" sz="2000" dirty="0" smtClean="0"/>
-              <a:t>Caching</a:t>
-            </a:r>
-          </a:p>
-          <a:p>
-            <a:pPr algn="l"/>
-            <a:endParaRPr lang="en-US" sz="2000" dirty="0"/>
-          </a:p>
-          <a:p>
-            <a:pPr algn="l"/>
-            <a:r>
-              <a:rPr lang="en-US" sz="2000" dirty="0" err="1"/>
-              <a:t>server.method</a:t>
-            </a:r>
-            <a:r>
-              <a:rPr lang="en-US" sz="2000" dirty="0"/>
-              <a:t>('add', add, {</a:t>
-            </a:r>
-          </a:p>
-          <a:p>
-            <a:pPr algn="l"/>
-            <a:r>
-              <a:rPr lang="en-US" sz="2000" dirty="0"/>
-              <a:t>    cache: {</a:t>
-            </a:r>
-          </a:p>
-          <a:p>
-            <a:pPr algn="l"/>
-            <a:r>
-              <a:rPr lang="en-US" sz="2000" dirty="0"/>
-              <a:t>        </a:t>
-            </a:r>
-            <a:r>
-              <a:rPr lang="en-US" sz="2000" dirty="0" err="1"/>
-              <a:t>expiresIn</a:t>
-            </a:r>
-            <a:r>
-              <a:rPr lang="en-US" sz="2000" dirty="0"/>
-              <a:t>: 60000,</a:t>
-            </a:r>
-          </a:p>
-          <a:p>
-            <a:pPr algn="l"/>
-            <a:r>
-              <a:rPr lang="en-US" sz="2000" dirty="0"/>
-              <a:t>        </a:t>
-            </a:r>
-            <a:r>
-              <a:rPr lang="en-US" sz="2000" dirty="0" err="1"/>
-              <a:t>expiresAt</a:t>
-            </a:r>
-            <a:r>
-              <a:rPr lang="en-US" sz="2000" dirty="0"/>
-              <a:t>: '20:30',</a:t>
-            </a:r>
-          </a:p>
-          <a:p>
-            <a:pPr algn="l"/>
-            <a:r>
-              <a:rPr lang="en-US" sz="2000" dirty="0"/>
-              <a:t>        </a:t>
-            </a:r>
-            <a:r>
-              <a:rPr lang="en-US" sz="2000" dirty="0" err="1"/>
-              <a:t>staleIn</a:t>
-            </a:r>
-            <a:r>
-              <a:rPr lang="en-US" sz="2000" dirty="0"/>
-              <a:t>: 30000,</a:t>
-            </a:r>
-          </a:p>
-          <a:p>
-            <a:pPr algn="l"/>
-            <a:r>
-              <a:rPr lang="en-US" sz="2000" dirty="0"/>
-              <a:t>        </a:t>
-            </a:r>
-            <a:r>
-              <a:rPr lang="en-US" sz="2000" dirty="0" err="1"/>
-              <a:t>staleTimeout</a:t>
-            </a:r>
-            <a:r>
-              <a:rPr lang="en-US" sz="2000" dirty="0"/>
-              <a:t>: 10000,</a:t>
-            </a:r>
-          </a:p>
-          <a:p>
-            <a:pPr algn="l"/>
-            <a:r>
-              <a:rPr lang="en-US" sz="2000" dirty="0"/>
-              <a:t>        </a:t>
-            </a:r>
-            <a:r>
-              <a:rPr lang="en-US" sz="2000" dirty="0" err="1"/>
-              <a:t>generateTimeout</a:t>
-            </a:r>
-            <a:r>
-              <a:rPr lang="en-US" sz="2000" dirty="0"/>
-              <a:t>: 100</a:t>
-            </a:r>
-          </a:p>
-          <a:p>
-            <a:pPr algn="l"/>
-            <a:r>
-              <a:rPr lang="en-US" sz="2000" dirty="0"/>
-              <a:t>    }</a:t>
-            </a:r>
-          </a:p>
-          <a:p>
-            <a:pPr algn="l"/>
-            <a:r>
-              <a:rPr lang="en-US" sz="2000" dirty="0"/>
-              <a:t>});</a:t>
-            </a:r>
-            <a:endParaRPr lang="en-US" sz="2000" dirty="0" smtClean="0"/>
-          </a:p>
-        </p:txBody>
-      </p:sp>
-    </p:spTree>
-    <p:extLst>
-      <p:ext uri="{BB962C8B-B14F-4D97-AF65-F5344CB8AC3E}">
-        <p14:creationId xmlns:p14="http://schemas.microsoft.com/office/powerpoint/2010/main" val="4126089921"/>
-      </p:ext>
-    </p:extLst>
-  </p:cSld>
-  <p:clrMapOvr>
-    <a:masterClrMapping/>
-  </p:clrMapOvr>
-  <p:timing>
-    <p:tnLst>
-      <p:par>
-        <p:cTn xmlns:p14="http://schemas.microsoft.com/office/powerpoint/2010/main" id="1" dur="indefinite" restart="never" nodeType="tmRoot"/>
-      </p:par>
-    </p:tnLst>
-  </p:timing>
-</p:sld>
-</file>
-
-<file path=ppt/slides/slide28.xml><?xml version="1.0" encoding="utf-8"?>
-<p:sld xmlns:a="http://schemas.openxmlformats.org/drawingml/2006/main" xmlns:r="http://schemas.openxmlformats.org/officeDocument/2006/relationships" xmlns:p="http://schemas.openxmlformats.org/presentationml/2006/main">
-  <p:cSld>
-    <p:spTree>
-      <p:nvGrpSpPr>
-        <p:cNvPr id="1" name=""/>
-        <p:cNvGrpSpPr/>
-        <p:nvPr/>
-      </p:nvGrpSpPr>
-      <p:grpSpPr>
-        <a:xfrm>
-          <a:off x="0" y="0"/>
-          <a:ext cx="0" cy="0"/>
-          <a:chOff x="0" y="0"/>
-          <a:chExt cx="0" cy="0"/>
-        </a:xfrm>
-      </p:grpSpPr>
-      <p:sp>
-        <p:nvSpPr>
-          <p:cNvPr id="2" name="Title 1"/>
-          <p:cNvSpPr>
-            <a:spLocks noGrp="1"/>
-          </p:cNvSpPr>
-          <p:nvPr>
-            <p:ph type="ctrTitle"/>
-          </p:nvPr>
-        </p:nvSpPr>
-        <p:spPr>
-          <a:xfrm>
-            <a:off x="685800" y="160685"/>
-            <a:ext cx="7772400" cy="1470025"/>
-          </a:xfrm>
-        </p:spPr>
-        <p:txBody>
-          <a:bodyPr/>
-          <a:lstStyle/>
-          <a:p>
-            <a:pPr marL="342900" indent="-342900"/>
-            <a:r>
-              <a:rPr lang="en-US" dirty="0" smtClean="0"/>
-              <a:t>More </a:t>
-            </a:r>
-            <a:r>
-              <a:rPr lang="en-US" dirty="0" err="1" smtClean="0"/>
-              <a:t>Hapi</a:t>
-            </a:r>
-            <a:endParaRPr lang="en-US" dirty="0"/>
-          </a:p>
-        </p:txBody>
-      </p:sp>
-      <p:sp>
-        <p:nvSpPr>
-          <p:cNvPr id="3" name="Subtitle 2"/>
-          <p:cNvSpPr>
-            <a:spLocks noGrp="1"/>
-          </p:cNvSpPr>
-          <p:nvPr>
-            <p:ph type="subTitle" idx="1"/>
-          </p:nvPr>
-        </p:nvSpPr>
-        <p:spPr>
-          <a:xfrm>
-            <a:off x="454651" y="1630710"/>
-            <a:ext cx="8371875" cy="4609893"/>
-          </a:xfrm>
-        </p:spPr>
-        <p:txBody>
-          <a:bodyPr>
-            <a:normAutofit/>
-          </a:bodyPr>
-          <a:lstStyle/>
-          <a:p>
-            <a:pPr algn="l"/>
-            <a:r>
-              <a:rPr lang="en-US" sz="2000" dirty="0" smtClean="0"/>
-              <a:t>Binding</a:t>
-            </a:r>
-            <a:endParaRPr lang="en-US" sz="2000" dirty="0"/>
-          </a:p>
-          <a:p>
-            <a:pPr algn="l"/>
-            <a:endParaRPr lang="en-US" sz="2000" dirty="0"/>
-          </a:p>
-          <a:p>
-            <a:pPr algn="l"/>
-            <a:r>
-              <a:rPr lang="en-US" sz="2000" dirty="0" err="1" smtClean="0"/>
-              <a:t>server.method</a:t>
-            </a:r>
-            <a:r>
-              <a:rPr lang="en-US" sz="2000" dirty="0"/>
-              <a:t>('lookup', lookup, { bind: </a:t>
-            </a:r>
-            <a:r>
-              <a:rPr lang="en-US" sz="2000" dirty="0" err="1"/>
-              <a:t>myDB</a:t>
-            </a:r>
-            <a:r>
-              <a:rPr lang="en-US" sz="2000" dirty="0"/>
-              <a:t> });</a:t>
-            </a:r>
-          </a:p>
-          <a:p>
-            <a:pPr algn="l"/>
-            <a:endParaRPr lang="en-US" sz="2000" dirty="0"/>
-          </a:p>
-          <a:p>
-            <a:pPr algn="l"/>
-            <a:r>
-              <a:rPr lang="en-US" sz="2000" dirty="0" err="1"/>
-              <a:t>v</a:t>
-            </a:r>
-            <a:r>
-              <a:rPr lang="en-US" sz="2000" dirty="0" err="1" smtClean="0"/>
-              <a:t>ar</a:t>
-            </a:r>
-            <a:r>
-              <a:rPr lang="en-US" sz="2000" dirty="0" smtClean="0"/>
-              <a:t> lookup </a:t>
-            </a:r>
-            <a:r>
-              <a:rPr lang="en-US" sz="2000" dirty="0"/>
-              <a:t>= function (id, next) {</a:t>
-            </a:r>
-          </a:p>
-          <a:p>
-            <a:pPr algn="l"/>
-            <a:r>
-              <a:rPr lang="en-US" sz="2000" dirty="0" smtClean="0"/>
-              <a:t>    </a:t>
-            </a:r>
-            <a:r>
-              <a:rPr lang="en-US" sz="2000" dirty="0"/>
-              <a:t>// calls </a:t>
-            </a:r>
-            <a:r>
-              <a:rPr lang="en-US" sz="2000" dirty="0" err="1" smtClean="0"/>
-              <a:t>myDB.getOne</a:t>
-            </a:r>
-            <a:endParaRPr lang="en-US" sz="2000" dirty="0" smtClean="0"/>
-          </a:p>
-          <a:p>
-            <a:pPr algn="l"/>
-            <a:r>
-              <a:rPr lang="en-US" sz="2000" dirty="0" smtClean="0"/>
-              <a:t>    </a:t>
-            </a:r>
-            <a:r>
-              <a:rPr lang="en-US" sz="2000" dirty="0" err="1" smtClean="0"/>
-              <a:t>this.getOne</a:t>
-            </a:r>
-            <a:r>
-              <a:rPr lang="en-US" sz="2000" dirty="0"/>
-              <a:t>({ id: id }, </a:t>
-            </a:r>
-            <a:r>
-              <a:rPr lang="en-US" sz="2000" dirty="0" smtClean="0"/>
-              <a:t>function (</a:t>
-            </a:r>
-            <a:r>
-              <a:rPr lang="en-US" sz="2000" dirty="0"/>
-              <a:t>err, value</a:t>
-            </a:r>
-            <a:r>
-              <a:rPr lang="en-US" sz="2000" dirty="0" smtClean="0"/>
-              <a:t>) =&gt; </a:t>
-            </a:r>
-            <a:r>
-              <a:rPr lang="en-US" sz="2000" dirty="0"/>
-              <a:t>{</a:t>
-            </a:r>
-          </a:p>
-          <a:p>
-            <a:pPr algn="l"/>
-            <a:r>
-              <a:rPr lang="en-US" sz="2000" dirty="0"/>
-              <a:t>        next(err, value);</a:t>
-            </a:r>
-          </a:p>
-          <a:p>
-            <a:pPr algn="l"/>
-            <a:r>
-              <a:rPr lang="en-US" sz="2000" dirty="0"/>
-              <a:t>    });</a:t>
-            </a:r>
-          </a:p>
-          <a:p>
-            <a:pPr algn="l"/>
-            <a:r>
-              <a:rPr lang="en-US" sz="2000" dirty="0"/>
-              <a:t>}</a:t>
-            </a:r>
-            <a:r>
-              <a:rPr lang="en-US" sz="2000" dirty="0" smtClean="0"/>
-              <a:t>;</a:t>
-            </a:r>
-            <a:endParaRPr lang="en-US" sz="2000" dirty="0"/>
-          </a:p>
-        </p:txBody>
-      </p:sp>
-    </p:spTree>
-    <p:extLst>
-      <p:ext uri="{BB962C8B-B14F-4D97-AF65-F5344CB8AC3E}">
-        <p14:creationId xmlns:p14="http://schemas.microsoft.com/office/powerpoint/2010/main" val="921960974"/>
-      </p:ext>
-    </p:extLst>
-  </p:cSld>
-  <p:clrMapOvr>
-    <a:masterClrMapping/>
-  </p:clrMapOvr>
-  <p:timing>
-    <p:tnLst>
-      <p:par>
-        <p:cTn xmlns:p14="http://schemas.microsoft.com/office/powerpoint/2010/main" id="1" dur="indefinite" restart="never" nodeType="tmRoot"/>
-      </p:par>
-    </p:tnLst>
-  </p:timing>
-</p:sld>
-</file>
-
-<file path=ppt/slides/slide29.xml><?xml version="1.0" encoding="utf-8"?>
-<p:sld xmlns:a="http://schemas.openxmlformats.org/drawingml/2006/main" xmlns:r="http://schemas.openxmlformats.org/officeDocument/2006/relationships" xmlns:p="http://schemas.openxmlformats.org/presentationml/2006/main">
-  <p:cSld>
-    <p:spTree>
-      <p:nvGrpSpPr>
-        <p:cNvPr id="1" name=""/>
-        <p:cNvGrpSpPr/>
-        <p:nvPr/>
-      </p:nvGrpSpPr>
-      <p:grpSpPr>
-        <a:xfrm>
-          <a:off x="0" y="0"/>
-          <a:ext cx="0" cy="0"/>
-          <a:chOff x="0" y="0"/>
-          <a:chExt cx="0" cy="0"/>
-        </a:xfrm>
-      </p:grpSpPr>
-      <p:sp>
-        <p:nvSpPr>
-          <p:cNvPr id="2" name="Title 1"/>
-          <p:cNvSpPr>
-            <a:spLocks noGrp="1"/>
-          </p:cNvSpPr>
-          <p:nvPr>
-            <p:ph type="ctrTitle"/>
-          </p:nvPr>
-        </p:nvSpPr>
-        <p:spPr>
-          <a:xfrm>
-            <a:off x="685800" y="160685"/>
-            <a:ext cx="7772400" cy="1470025"/>
-          </a:xfrm>
-        </p:spPr>
-        <p:txBody>
-          <a:bodyPr/>
-          <a:lstStyle/>
-          <a:p>
-            <a:pPr marL="342900" indent="-342900"/>
-            <a:r>
-              <a:rPr lang="en-US" dirty="0" smtClean="0"/>
-              <a:t>Lab: Realistic server ops</a:t>
-            </a:r>
-            <a:endParaRPr lang="en-US" dirty="0"/>
-          </a:p>
-        </p:txBody>
-      </p:sp>
-      <p:sp>
-        <p:nvSpPr>
-          <p:cNvPr id="3" name="Subtitle 2"/>
-          <p:cNvSpPr>
-            <a:spLocks noGrp="1"/>
-          </p:cNvSpPr>
-          <p:nvPr>
-            <p:ph type="subTitle" idx="1"/>
-          </p:nvPr>
-        </p:nvSpPr>
-        <p:spPr>
-          <a:xfrm>
-            <a:off x="454651" y="1630710"/>
-            <a:ext cx="8371875" cy="4609893"/>
-          </a:xfrm>
-        </p:spPr>
-        <p:txBody>
-          <a:bodyPr>
-            <a:normAutofit/>
-          </a:bodyPr>
-          <a:lstStyle/>
-          <a:p>
-            <a:pPr algn="l"/>
-            <a:r>
-              <a:rPr lang="en-US" sz="2000" dirty="0"/>
-              <a:t> - Create a function to share business logic among routes</a:t>
-            </a:r>
-          </a:p>
-          <a:p>
-            <a:pPr algn="l"/>
-            <a:r>
-              <a:rPr lang="en-US" sz="2000" dirty="0"/>
-              <a:t> - Write tests</a:t>
-            </a:r>
-          </a:p>
-          <a:p>
-            <a:pPr algn="l"/>
-            <a:r>
-              <a:rPr lang="en-US" sz="2000" dirty="0"/>
-              <a:t> - Create a simple GET route and a view</a:t>
-            </a:r>
-          </a:p>
-          <a:p>
-            <a:pPr algn="l"/>
-            <a:r>
-              <a:rPr lang="en-US" sz="2000" dirty="0"/>
-              <a:t> - Write a test</a:t>
-            </a:r>
-          </a:p>
-          <a:p>
-            <a:pPr algn="l"/>
-            <a:r>
-              <a:rPr lang="en-US" sz="2000" dirty="0"/>
-              <a:t> - Create two POST routes and responses/redirects</a:t>
-            </a:r>
-          </a:p>
-          <a:p>
-            <a:pPr algn="l"/>
-            <a:r>
-              <a:rPr lang="en-US" sz="2000" dirty="0"/>
-              <a:t> - Write </a:t>
-            </a:r>
-            <a:r>
-              <a:rPr lang="en-US" sz="2000" dirty="0" smtClean="0"/>
-              <a:t>tests</a:t>
-            </a:r>
-          </a:p>
-          <a:p>
-            <a:pPr algn="l"/>
-            <a:r>
-              <a:rPr lang="en-US" sz="2000" dirty="0"/>
-              <a:t> </a:t>
-            </a:r>
-            <a:r>
-              <a:rPr lang="en-US" sz="2000" dirty="0" smtClean="0"/>
-              <a:t>- 120 </a:t>
-            </a:r>
-            <a:r>
-              <a:rPr lang="en-US" sz="2000" dirty="0" err="1" smtClean="0"/>
-              <a:t>mins</a:t>
-            </a:r>
-            <a:endParaRPr lang="en-US" sz="2000" dirty="0"/>
-          </a:p>
-        </p:txBody>
-      </p:sp>
-    </p:spTree>
-    <p:extLst>
-      <p:ext uri="{BB962C8B-B14F-4D97-AF65-F5344CB8AC3E}">
-        <p14:creationId xmlns:p14="http://schemas.microsoft.com/office/powerpoint/2010/main" val="2051825425"/>
       </p:ext>
     </p:extLst>
   </p:cSld>
@@ -7870,11 +5622,7 @@
             </a:pPr>
             <a:r>
               <a:rPr lang="en-US" sz="2000" dirty="0" smtClean="0"/>
-              <a:t>Introductions &amp; </a:t>
-            </a:r>
-            <a:r>
-              <a:rPr lang="en-US" sz="2000" dirty="0" smtClean="0"/>
-              <a:t>icebreakers</a:t>
+              <a:t>Introductions &amp; icebreakers</a:t>
             </a:r>
           </a:p>
           <a:p>
@@ -7920,8 +5668,9 @@
             </a:r>
             <a:r>
               <a:rPr lang="en-US" sz="2000" dirty="0" smtClean="0"/>
-              <a:t>Node</a:t>
-            </a:r>
+              <a:t>Node &amp; Express</a:t>
+            </a:r>
+            <a:endParaRPr lang="en-US" sz="2000" dirty="0" smtClean="0"/>
           </a:p>
           <a:p>
             <a:pPr marL="800100" lvl="1" indent="-342900" algn="l">
@@ -7934,8 +5683,9 @@
             </a:r>
             <a:r>
               <a:rPr lang="en-US" sz="2000" dirty="0" smtClean="0"/>
-              <a:t>applications</a:t>
-            </a:r>
+              <a:t>applications using Backbone</a:t>
+            </a:r>
+            <a:endParaRPr lang="en-US" sz="2000" dirty="0" smtClean="0"/>
           </a:p>
           <a:p>
             <a:pPr marL="800100" lvl="1" indent="-342900" algn="l">
@@ -7960,7 +5710,6 @@
               <a:rPr lang="en-US" sz="2000" dirty="0"/>
               <a:t>Utilize JavaScript libraries to create web applications</a:t>
             </a:r>
-            <a:endParaRPr lang="en-US" sz="2000" dirty="0"/>
           </a:p>
         </p:txBody>
       </p:sp>
@@ -8025,7 +5774,6 @@
               <a:rPr lang="en-US" dirty="0"/>
               <a:t>Node in a Nutshell</a:t>
             </a:r>
-            <a:endParaRPr lang="en-US" dirty="0"/>
           </a:p>
         </p:txBody>
       </p:sp>
@@ -8240,7 +5988,6 @@
               <a:rPr lang="en-US" dirty="0"/>
               <a:t>Node in a Nutshell</a:t>
             </a:r>
-            <a:endParaRPr lang="en-US" dirty="0"/>
           </a:p>
         </p:txBody>
       </p:sp>
@@ -8426,7 +6173,6 @@
               <a:rPr lang="en-US" dirty="0"/>
               <a:t>Node in a Nutshell</a:t>
             </a:r>
-            <a:endParaRPr lang="en-US" dirty="0"/>
           </a:p>
         </p:txBody>
       </p:sp>
@@ -8724,7 +6470,6 @@
               <a:rPr lang="en-US" sz="2000" dirty="0" smtClean="0"/>
               <a:t>Check if you’re set up:</a:t>
             </a:r>
-            <a:endParaRPr lang="en-US" sz="2000" dirty="0" smtClean="0"/>
           </a:p>
           <a:p>
             <a:pPr marL="342900" indent="-342900" algn="l">
@@ -9035,7 +6780,6 @@
               <a:rPr lang="en-US" dirty="0"/>
               <a:t>Dive into Node code</a:t>
             </a:r>
-            <a:endParaRPr lang="en-US" dirty="0"/>
           </a:p>
         </p:txBody>
       </p:sp>

--- a/slides/Node & Backbone Slides Day 1.pptx
+++ b/slides/Node & Backbone Slides Day 1.pptx
@@ -306,7 +306,7 @@
           <a:p>
             <a:fld id="{6BFECD78-3C8E-49F2-8FAB-59489D168ABB}" type="datetimeFigureOut">
               <a:rPr lang="en-US" smtClean="0"/>
-              <a:t>8/23/16</a:t>
+              <a:t>8/29/16</a:t>
             </a:fld>
             <a:endParaRPr lang="en-US"/>
           </a:p>
@@ -476,7 +476,7 @@
           <a:p>
             <a:fld id="{6BFECD78-3C8E-49F2-8FAB-59489D168ABB}" type="datetimeFigureOut">
               <a:rPr lang="en-US" smtClean="0"/>
-              <a:t>8/23/16</a:t>
+              <a:t>8/29/16</a:t>
             </a:fld>
             <a:endParaRPr lang="en-US"/>
           </a:p>
@@ -656,7 +656,7 @@
           <a:p>
             <a:fld id="{6BFECD78-3C8E-49F2-8FAB-59489D168ABB}" type="datetimeFigureOut">
               <a:rPr lang="en-US" smtClean="0"/>
-              <a:t>8/23/16</a:t>
+              <a:t>8/29/16</a:t>
             </a:fld>
             <a:endParaRPr lang="en-US"/>
           </a:p>
@@ -826,7 +826,7 @@
           <a:p>
             <a:fld id="{6BFECD78-3C8E-49F2-8FAB-59489D168ABB}" type="datetimeFigureOut">
               <a:rPr lang="en-US" smtClean="0"/>
-              <a:t>8/23/16</a:t>
+              <a:t>8/29/16</a:t>
             </a:fld>
             <a:endParaRPr lang="en-US"/>
           </a:p>
@@ -1072,7 +1072,7 @@
           <a:p>
             <a:fld id="{6BFECD78-3C8E-49F2-8FAB-59489D168ABB}" type="datetimeFigureOut">
               <a:rPr lang="en-US" smtClean="0"/>
-              <a:t>8/23/16</a:t>
+              <a:t>8/29/16</a:t>
             </a:fld>
             <a:endParaRPr lang="en-US"/>
           </a:p>
@@ -1360,7 +1360,7 @@
           <a:p>
             <a:fld id="{6BFECD78-3C8E-49F2-8FAB-59489D168ABB}" type="datetimeFigureOut">
               <a:rPr lang="en-US" smtClean="0"/>
-              <a:t>8/23/16</a:t>
+              <a:t>8/29/16</a:t>
             </a:fld>
             <a:endParaRPr lang="en-US"/>
           </a:p>
@@ -1782,7 +1782,7 @@
           <a:p>
             <a:fld id="{6BFECD78-3C8E-49F2-8FAB-59489D168ABB}" type="datetimeFigureOut">
               <a:rPr lang="en-US" smtClean="0"/>
-              <a:t>8/23/16</a:t>
+              <a:t>8/29/16</a:t>
             </a:fld>
             <a:endParaRPr lang="en-US"/>
           </a:p>
@@ -1900,7 +1900,7 @@
           <a:p>
             <a:fld id="{6BFECD78-3C8E-49F2-8FAB-59489D168ABB}" type="datetimeFigureOut">
               <a:rPr lang="en-US" smtClean="0"/>
-              <a:t>8/23/16</a:t>
+              <a:t>8/29/16</a:t>
             </a:fld>
             <a:endParaRPr lang="en-US"/>
           </a:p>
@@ -1995,7 +1995,7 @@
           <a:p>
             <a:fld id="{6BFECD78-3C8E-49F2-8FAB-59489D168ABB}" type="datetimeFigureOut">
               <a:rPr lang="en-US" smtClean="0"/>
-              <a:t>8/23/16</a:t>
+              <a:t>8/29/16</a:t>
             </a:fld>
             <a:endParaRPr lang="en-US"/>
           </a:p>
@@ -2272,7 +2272,7 @@
           <a:p>
             <a:fld id="{6BFECD78-3C8E-49F2-8FAB-59489D168ABB}" type="datetimeFigureOut">
               <a:rPr lang="en-US" smtClean="0"/>
-              <a:t>8/23/16</a:t>
+              <a:t>8/29/16</a:t>
             </a:fld>
             <a:endParaRPr lang="en-US"/>
           </a:p>
@@ -2529,7 +2529,7 @@
           <a:p>
             <a:fld id="{6BFECD78-3C8E-49F2-8FAB-59489D168ABB}" type="datetimeFigureOut">
               <a:rPr lang="en-US" smtClean="0"/>
-              <a:t>8/23/16</a:t>
+              <a:t>8/29/16</a:t>
             </a:fld>
             <a:endParaRPr lang="en-US"/>
           </a:p>
@@ -2742,7 +2742,7 @@
           <a:p>
             <a:fld id="{6BFECD78-3C8E-49F2-8FAB-59489D168ABB}" type="datetimeFigureOut">
               <a:rPr lang="en-US" smtClean="0"/>
-              <a:t>8/23/16</a:t>
+              <a:t>8/29/16</a:t>
             </a:fld>
             <a:endParaRPr lang="en-US"/>
           </a:p>
@@ -3631,12 +3631,8 @@
               <a:t>node-debug </a:t>
             </a:r>
             <a:r>
-              <a:rPr lang="en-US" sz="2000" dirty="0" err="1"/>
-              <a:t>app.js</a:t>
-            </a:r>
-            <a:r>
-              <a:rPr lang="en-US" sz="2000" dirty="0"/>
-              <a:t> </a:t>
+              <a:rPr lang="en-US" sz="2000" dirty="0" err="1" smtClean="0"/>
+              <a:t>server.js</a:t>
             </a:r>
             <a:endParaRPr lang="en-US" sz="2000" dirty="0" smtClean="0"/>
           </a:p>
@@ -4176,7 +4172,6 @@
               <a:rPr lang="en-US" sz="1600" dirty="0" smtClean="0"/>
               <a:t>Error handling</a:t>
             </a:r>
-            <a:endParaRPr lang="en-US" sz="1600" dirty="0" smtClean="0"/>
           </a:p>
           <a:p>
             <a:pPr marL="342900" indent="-342900" algn="l">
@@ -4448,7 +4443,6 @@
               <a:rPr lang="en-US" sz="2000" dirty="0" smtClean="0"/>
               <a:t> next();</a:t>
             </a:r>
-            <a:endParaRPr lang="en-US" sz="2000" dirty="0" smtClean="0"/>
           </a:p>
           <a:p>
             <a:pPr algn="l"/>
@@ -4762,7 +4756,6 @@
               <a:rPr lang="en-US" sz="2000" dirty="0" smtClean="0"/>
               <a:t> }</a:t>
             </a:r>
-            <a:endParaRPr lang="en-US" sz="2000" dirty="0" smtClean="0"/>
           </a:p>
           <a:p>
             <a:pPr algn="l"/>
@@ -4917,11 +4910,7 @@
             <a:pPr algn="l"/>
             <a:r>
               <a:rPr lang="en-US" sz="2400" dirty="0"/>
-              <a:t> - </a:t>
-            </a:r>
-            <a:r>
-              <a:rPr lang="en-US" sz="2400" dirty="0"/>
-              <a:t>pass business logic module attached to Request </a:t>
+              <a:t> - pass business logic module attached to Request </a:t>
             </a:r>
             <a:r>
               <a:rPr lang="en-US" sz="2400" dirty="0" smtClean="0"/>
@@ -5010,11 +4999,7 @@
             <a:pPr marL="342900" indent="-342900"/>
             <a:r>
               <a:rPr lang="en-US" dirty="0" smtClean="0"/>
-              <a:t>Basic</a:t>
-            </a:r>
-            <a:r>
-              <a:rPr lang="en-US" dirty="0" smtClean="0"/>
-              <a:t> Express routing</a:t>
+              <a:t>Basic Express routing</a:t>
             </a:r>
             <a:endParaRPr lang="en-US" dirty="0"/>
           </a:p>
@@ -5151,7 +5136,6 @@
               <a:rPr lang="en-US" sz="2400" dirty="0"/>
               <a:t>});</a:t>
             </a:r>
-            <a:endParaRPr lang="en-US" sz="2400" dirty="0"/>
           </a:p>
         </p:txBody>
       </p:sp>
@@ -5215,11 +5199,7 @@
             <a:pPr marL="342900" indent="-342900"/>
             <a:r>
               <a:rPr lang="en-US" dirty="0" smtClean="0"/>
-              <a:t>Lab: Explore</a:t>
-            </a:r>
-            <a:r>
-              <a:rPr lang="en-US" dirty="0" smtClean="0"/>
-              <a:t> routing</a:t>
+              <a:t>Lab: Explore routing</a:t>
             </a:r>
             <a:endParaRPr lang="en-US" dirty="0"/>
           </a:p>
@@ -5399,11 +5379,7 @@
             </a:pPr>
             <a:r>
               <a:rPr lang="en-US" sz="1600" dirty="0" smtClean="0"/>
-              <a:t>Lab</a:t>
-            </a:r>
-            <a:r>
-              <a:rPr lang="en-US" sz="1600" dirty="0" smtClean="0"/>
-              <a:t>: </a:t>
+              <a:t>Lab: </a:t>
             </a:r>
             <a:r>
               <a:rPr lang="en-US" sz="1600" dirty="0"/>
@@ -5413,7 +5389,6 @@
               <a:rPr lang="en-US" sz="1600" dirty="0" smtClean="0"/>
               <a:t>REPL</a:t>
             </a:r>
-            <a:endParaRPr lang="en-US" sz="1600" dirty="0" smtClean="0"/>
           </a:p>
           <a:p>
             <a:pPr marL="342900" indent="-342900" algn="l">
@@ -5424,7 +5399,6 @@
               <a:rPr lang="en-US" sz="1600" dirty="0" smtClean="0"/>
               <a:t>( break )</a:t>
             </a:r>
-            <a:endParaRPr lang="en-US" sz="1600" dirty="0" smtClean="0"/>
           </a:p>
           <a:p>
             <a:pPr marL="342900" indent="-342900" algn="l">
@@ -5525,7 +5499,6 @@
               <a:rPr lang="en-US" sz="1600" dirty="0" smtClean="0"/>
               <a:t>Lab: Basic routing</a:t>
             </a:r>
-            <a:endParaRPr lang="en-US" sz="1600" dirty="0" smtClean="0"/>
           </a:p>
         </p:txBody>
       </p:sp>
@@ -5670,7 +5643,6 @@
               <a:rPr lang="en-US" sz="2000" dirty="0" smtClean="0"/>
               <a:t>Node &amp; Express</a:t>
             </a:r>
-            <a:endParaRPr lang="en-US" sz="2000" dirty="0" smtClean="0"/>
           </a:p>
           <a:p>
             <a:pPr marL="800100" lvl="1" indent="-342900" algn="l">
@@ -5685,7 +5657,6 @@
               <a:rPr lang="en-US" sz="2000" dirty="0" smtClean="0"/>
               <a:t>applications using Backbone</a:t>
             </a:r>
-            <a:endParaRPr lang="en-US" sz="2000" dirty="0" smtClean="0"/>
           </a:p>
           <a:p>
             <a:pPr marL="800100" lvl="1" indent="-342900" algn="l">
